--- a/kubernetes/07_configmap_secrets.pptx
+++ b/kubernetes/07_configmap_secrets.pptx
@@ -17714,6 +17714,36 @@
           <a:chExt cx="0" cy="0"/>
         </a:xfrm>
       </p:grpSpPr>
+      <p:pic>
+        <p:nvPicPr>
+          <p:cNvPr id="10" name="Picture 9">
+            <a:extLst>
+              <a:ext uri="{FF2B5EF4-FFF2-40B4-BE49-F238E27FC236}">
+                <a16:creationId xmlns:a16="http://schemas.microsoft.com/office/drawing/2014/main" id="{4298E440-AAB1-42AE-B812-6A1C59940920}"/>
+              </a:ext>
+            </a:extLst>
+          </p:cNvPr>
+          <p:cNvPicPr>
+            <a:picLocks noChangeAspect="1"/>
+          </p:cNvPicPr>
+          <p:nvPr/>
+        </p:nvPicPr>
+        <p:blipFill>
+          <a:blip r:embed="rId3"/>
+          <a:stretch>
+            <a:fillRect/>
+          </a:stretch>
+        </p:blipFill>
+        <p:spPr>
+          <a:xfrm>
+            <a:off x="504002" y="1333987"/>
+            <a:ext cx="7167334" cy="4065504"/>
+          </a:xfrm>
+          <a:prstGeom prst="rect">
+            <a:avLst/>
+          </a:prstGeom>
+        </p:spPr>
+      </p:pic>
       <p:sp>
         <p:nvSpPr>
           <p:cNvPr id="2" name="Title 1">
@@ -17742,36 +17772,6 @@
           </a:p>
         </p:txBody>
       </p:sp>
-      <p:pic>
-        <p:nvPicPr>
-          <p:cNvPr id="3" name="Picture 2">
-            <a:extLst>
-              <a:ext uri="{FF2B5EF4-FFF2-40B4-BE49-F238E27FC236}">
-                <a16:creationId xmlns:a16="http://schemas.microsoft.com/office/drawing/2014/main" id="{15188F21-E20E-4BCE-9EB8-E965780885D3}"/>
-              </a:ext>
-            </a:extLst>
-          </p:cNvPr>
-          <p:cNvPicPr>
-            <a:picLocks noChangeAspect="1"/>
-          </p:cNvPicPr>
-          <p:nvPr/>
-        </p:nvPicPr>
-        <p:blipFill>
-          <a:blip r:embed="rId3"/>
-          <a:stretch>
-            <a:fillRect/>
-          </a:stretch>
-        </p:blipFill>
-        <p:spPr>
-          <a:xfrm>
-            <a:off x="504001" y="1180605"/>
-            <a:ext cx="7167334" cy="4058825"/>
-          </a:xfrm>
-          <a:prstGeom prst="rect">
-            <a:avLst/>
-          </a:prstGeom>
-        </p:spPr>
-      </p:pic>
       <p:pic>
         <p:nvPicPr>
           <p:cNvPr id="4" name="Picture 3">
@@ -17816,13 +17816,13 @@
         </p:nvSpPr>
         <p:spPr bwMode="gray">
           <a:xfrm>
-            <a:off x="8120808" y="3975675"/>
+            <a:off x="8120807" y="2426008"/>
             <a:ext cx="2707609" cy="1127848"/>
           </a:xfrm>
           <a:prstGeom prst="wedgeRectCallout">
             <a:avLst>
-              <a:gd name="adj1" fmla="val -160246"/>
-              <a:gd name="adj2" fmla="val 26381"/>
+              <a:gd name="adj1" fmla="val -159891"/>
+              <a:gd name="adj2" fmla="val 34915"/>
             </a:avLst>
           </a:prstGeom>
           <a:ln>
@@ -17869,7 +17869,7 @@
                 <a:ea typeface="Arial Unicode MS" pitchFamily="34" charset="-128"/>
                 <a:cs typeface="Arial Unicode MS" pitchFamily="34" charset="-128"/>
               </a:rPr>
-              <a:t>Mount the secret read-only to a directory</a:t>
+              <a:t>Specify default access permissions</a:t>
             </a:r>
             <a:endParaRPr kumimoji="0" lang="en-US" sz="1800" b="0" i="0" u="none" strike="noStrike" kern="0" cap="none" spc="0" normalizeH="0" baseline="0" noProof="0" dirty="0">
               <a:ln>
@@ -17980,13 +17980,13 @@
         </p:nvSpPr>
         <p:spPr bwMode="gray">
           <a:xfrm>
-            <a:off x="8120808" y="2457210"/>
+            <a:off x="8120808" y="4006877"/>
             <a:ext cx="2707609" cy="1127848"/>
           </a:xfrm>
           <a:prstGeom prst="wedgeRectCallout">
             <a:avLst>
-              <a:gd name="adj1" fmla="val -77417"/>
-              <a:gd name="adj2" fmla="val 72466"/>
+              <a:gd name="adj1" fmla="val -67463"/>
+              <a:gd name="adj2" fmla="val 5899"/>
             </a:avLst>
           </a:prstGeom>
           <a:ln>

--- a/kubernetes/07_configmap_secrets.pptx
+++ b/kubernetes/07_configmap_secrets.pptx
@@ -5,21 +5,23 @@
     <p:sldMasterId id="2147483733" r:id="rId1"/>
   </p:sldMasterIdLst>
   <p:notesMasterIdLst>
-    <p:notesMasterId r:id="rId11"/>
+    <p:notesMasterId r:id="rId13"/>
   </p:notesMasterIdLst>
   <p:handoutMasterIdLst>
-    <p:handoutMasterId r:id="rId12"/>
+    <p:handoutMasterId r:id="rId14"/>
   </p:handoutMasterIdLst>
   <p:sldIdLst>
     <p:sldId id="433" r:id="rId2"/>
     <p:sldId id="442" r:id="rId3"/>
     <p:sldId id="444" r:id="rId4"/>
     <p:sldId id="450" r:id="rId5"/>
-    <p:sldId id="449" r:id="rId6"/>
-    <p:sldId id="452" r:id="rId7"/>
-    <p:sldId id="453" r:id="rId8"/>
-    <p:sldId id="451" r:id="rId9"/>
-    <p:sldId id="265" r:id="rId10"/>
+    <p:sldId id="459" r:id="rId6"/>
+    <p:sldId id="449" r:id="rId7"/>
+    <p:sldId id="452" r:id="rId8"/>
+    <p:sldId id="453" r:id="rId9"/>
+    <p:sldId id="460" r:id="rId10"/>
+    <p:sldId id="451" r:id="rId11"/>
+    <p:sldId id="265" r:id="rId12"/>
   </p:sldIdLst>
   <p:sldSz cx="12195175" cy="6858000"/>
   <p:notesSz cx="6858000" cy="9144000"/>
@@ -195,10 +197,6 @@
 </p:presentation>
 </file>
 
-<file path=ppt/revisionInfo.xml><?xml version="1.0" encoding="utf-8"?>
-<p1510:revInfo xmlns:a="http://schemas.openxmlformats.org/drawingml/2006/main" xmlns:r="http://schemas.openxmlformats.org/officeDocument/2006/relationships" xmlns:p1510="http://schemas.microsoft.com/office/powerpoint/2015/10/main"/>
-</file>
-
 <file path=ppt/handoutMasters/handoutMaster1.xml><?xml version="1.0" encoding="utf-8"?>
 <p:handoutMaster xmlns:a="http://schemas.openxmlformats.org/drawingml/2006/main" xmlns:r="http://schemas.openxmlformats.org/officeDocument/2006/relationships" xmlns:p="http://schemas.openxmlformats.org/presentationml/2006/main">
   <p:cSld>
@@ -612,6 +610,98 @@
 </p:notes>
 </file>
 
+<file path=ppt/notesSlides/notesSlide10.xml><?xml version="1.0" encoding="utf-8"?>
+<p:notes xmlns:a="http://schemas.openxmlformats.org/drawingml/2006/main" xmlns:r="http://schemas.openxmlformats.org/officeDocument/2006/relationships" xmlns:p="http://schemas.openxmlformats.org/presentationml/2006/main">
+  <p:cSld>
+    <p:spTree>
+      <p:nvGrpSpPr>
+        <p:cNvPr id="1" name=""/>
+        <p:cNvGrpSpPr/>
+        <p:nvPr/>
+      </p:nvGrpSpPr>
+      <p:grpSpPr>
+        <a:xfrm>
+          <a:off x="0" y="0"/>
+          <a:ext cx="0" cy="0"/>
+          <a:chOff x="0" y="0"/>
+          <a:chExt cx="0" cy="0"/>
+        </a:xfrm>
+      </p:grpSpPr>
+      <p:sp>
+        <p:nvSpPr>
+          <p:cNvPr id="4" name="Slide Number Placeholder 3"/>
+          <p:cNvSpPr>
+            <a:spLocks noGrp="1"/>
+          </p:cNvSpPr>
+          <p:nvPr>
+            <p:ph type="sldNum" sz="quarter" idx="10"/>
+          </p:nvPr>
+        </p:nvSpPr>
+        <p:spPr/>
+        <p:txBody>
+          <a:bodyPr/>
+          <a:lstStyle/>
+          <a:p>
+            <a:fld id="{7D8C2C35-2B8A-446E-BEC0-FD36716C29AC}" type="slidenum">
+              <a:rPr lang="en-US" smtClean="0"/>
+              <a:pPr/>
+              <a:t>11</a:t>
+            </a:fld>
+            <a:endParaRPr lang="en-US" dirty="0"/>
+          </a:p>
+        </p:txBody>
+      </p:sp>
+      <p:sp>
+        <p:nvSpPr>
+          <p:cNvPr id="6" name="Slide Image Placeholder 5"/>
+          <p:cNvSpPr>
+            <a:spLocks noGrp="1" noRot="1" noChangeAspect="1"/>
+          </p:cNvSpPr>
+          <p:nvPr>
+            <p:ph type="sldImg"/>
+          </p:nvPr>
+        </p:nvSpPr>
+        <p:spPr>
+          <a:xfrm>
+            <a:off x="547688" y="612775"/>
+            <a:ext cx="5762625" cy="3241675"/>
+          </a:xfrm>
+        </p:spPr>
+      </p:sp>
+      <p:sp>
+        <p:nvSpPr>
+          <p:cNvPr id="7" name="Notes Placeholder 6"/>
+          <p:cNvSpPr>
+            <a:spLocks noGrp="1"/>
+          </p:cNvSpPr>
+          <p:nvPr>
+            <p:ph type="body" idx="1"/>
+          </p:nvPr>
+        </p:nvSpPr>
+        <p:spPr/>
+        <p:txBody>
+          <a:bodyPr>
+            <a:normAutofit/>
+          </a:bodyPr>
+          <a:lstStyle/>
+          <a:p>
+            <a:endParaRPr lang="en-US" dirty="0"/>
+          </a:p>
+        </p:txBody>
+      </p:sp>
+    </p:spTree>
+    <p:extLst>
+      <p:ext uri="{BB962C8B-B14F-4D97-AF65-F5344CB8AC3E}">
+        <p14:creationId xmlns:p14="http://schemas.microsoft.com/office/powerpoint/2010/main" val="2544264309"/>
+      </p:ext>
+    </p:extLst>
+  </p:cSld>
+  <p:clrMapOvr>
+    <a:masterClrMapping/>
+  </p:clrMapOvr>
+</p:notes>
+</file>
+
 <file path=ppt/notesSlides/notesSlide2.xml><?xml version="1.0" encoding="utf-8"?>
 <p:notes xmlns:a="http://schemas.openxmlformats.org/drawingml/2006/main" xmlns:r="http://schemas.openxmlformats.org/officeDocument/2006/relationships" xmlns:p="http://schemas.openxmlformats.org/presentationml/2006/main">
   <p:cSld>
@@ -838,75 +928,29 @@
           <a:lstStyle/>
           <a:p>
             <a:r>
+              <a:rPr lang="en-US" dirty="0" err="1"/>
+              <a:t>ConfigMaps</a:t>
+            </a:r>
+            <a:r>
               <a:rPr lang="en-US" dirty="0"/>
-              <a:t>Create a </a:t>
+              <a:t> can be created via command line either with “from-literal” or based on files. Of course it is also valid to create a </a:t>
             </a:r>
             <a:r>
               <a:rPr lang="en-US" dirty="0" err="1"/>
-              <a:t>configmap</a:t>
+              <a:t>yaml</a:t>
             </a:r>
             <a:r>
               <a:rPr lang="en-US" dirty="0"/>
-              <a:t> example: </a:t>
-            </a:r>
-          </a:p>
-          <a:p>
-            <a:r>
-              <a:rPr lang="en-US" dirty="0" err="1"/>
-              <a:t>kubectl</a:t>
-            </a:r>
+              <a:t> file.</a:t>
+            </a:r>
+          </a:p>
+          <a:p>
+            <a:endParaRPr lang="en-US" dirty="0"/>
+          </a:p>
+          <a:p>
             <a:r>
               <a:rPr lang="en-US" dirty="0"/>
-              <a:t> create </a:t>
-            </a:r>
-            <a:r>
-              <a:rPr lang="en-US" dirty="0" err="1"/>
-              <a:t>configmap</a:t>
-            </a:r>
-            <a:r>
-              <a:rPr lang="en-US" dirty="0"/>
-              <a:t> test-config --from-literal=</a:t>
-            </a:r>
-            <a:r>
-              <a:rPr lang="en-US" dirty="0" err="1"/>
-              <a:t>test.type</a:t>
-            </a:r>
-            <a:r>
-              <a:rPr lang="en-US" dirty="0"/>
-              <a:t>=unit --from-literal=</a:t>
-            </a:r>
-            <a:r>
-              <a:rPr lang="en-US" dirty="0" err="1"/>
-              <a:t>test.exec</a:t>
-            </a:r>
-            <a:r>
-              <a:rPr lang="en-US" dirty="0"/>
-              <a:t>=always</a:t>
-            </a:r>
-          </a:p>
-          <a:p>
-            <a:endParaRPr lang="en-US" dirty="0"/>
-          </a:p>
-          <a:p>
-            <a:r>
-              <a:rPr lang="en-US" dirty="0"/>
-              <a:t>Show the </a:t>
-            </a:r>
-            <a:r>
-              <a:rPr lang="en-US" dirty="0" err="1"/>
-              <a:t>pod_with_configmap.yaml</a:t>
-            </a:r>
-            <a:r>
-              <a:rPr lang="en-US" dirty="0"/>
-              <a:t> =&gt; you can include all values from a </a:t>
-            </a:r>
-            <a:r>
-              <a:rPr lang="en-US" dirty="0" err="1"/>
-              <a:t>configmap</a:t>
-            </a:r>
-            <a:r>
-              <a:rPr lang="en-US" dirty="0"/>
-              <a:t> or reference to specific keys. It is also possible to reference multiple </a:t>
+              <a:t>It is important to remember, that any data stored in </a:t>
             </a:r>
             <a:r>
               <a:rPr lang="en-US" dirty="0" err="1"/>
@@ -914,48 +958,32 @@
             </a:r>
             <a:r>
               <a:rPr lang="en-US" dirty="0"/>
-              <a:t>. When deploying it to the cluster it will start &amp; go to status “completed” very quickly. Use “</a:t>
+              <a:t> will be uploaded to </a:t>
             </a:r>
             <a:r>
               <a:rPr lang="en-US" dirty="0" err="1"/>
-              <a:t>kubectl</a:t>
+              <a:t>etcd</a:t>
             </a:r>
             <a:r>
               <a:rPr lang="en-US" dirty="0"/>
-              <a:t> get pods –a” to display also terminated pods. Use “</a:t>
+              <a:t>, the distributed key value store that persists the cluster’s state. So don’t store large files in </a:t>
             </a:r>
             <a:r>
               <a:rPr lang="en-US" dirty="0" err="1"/>
-              <a:t>kubectl</a:t>
+              <a:t>configMaps</a:t>
             </a:r>
             <a:r>
               <a:rPr lang="en-US" dirty="0"/>
-              <a:t> logs test-</a:t>
-            </a:r>
-            <a:r>
-              <a:rPr lang="en-US" dirty="0" err="1"/>
-              <a:t>configmap</a:t>
-            </a:r>
+              <a:t>!</a:t>
+            </a:r>
+          </a:p>
+          <a:p>
+            <a:endParaRPr lang="en-US" dirty="0"/>
+          </a:p>
+          <a:p>
             <a:r>
               <a:rPr lang="en-US" dirty="0"/>
-              <a:t>” to view the environment sent to </a:t>
-            </a:r>
-            <a:r>
-              <a:rPr lang="en-US" dirty="0" err="1"/>
-              <a:t>stdout</a:t>
-            </a:r>
-            <a:r>
-              <a:rPr lang="en-US" dirty="0"/>
-              <a:t>.</a:t>
-            </a:r>
-          </a:p>
-          <a:p>
-            <a:endParaRPr lang="en-US" dirty="0"/>
-          </a:p>
-          <a:p>
-            <a:r>
-              <a:rPr lang="en-US" dirty="0"/>
-              <a:t>Instead of mapping the </a:t>
+              <a:t>Once the </a:t>
             </a:r>
             <a:r>
               <a:rPr lang="en-US" dirty="0" err="1"/>
@@ -963,11 +991,8 @@
             </a:r>
             <a:r>
               <a:rPr lang="en-US" dirty="0"/>
-              <a:t> content to environment variables, it is also possible to mount them as files to a directory. This will be part of the exercise.</a:t>
-            </a:r>
-          </a:p>
-          <a:p>
-            <a:endParaRPr lang="en-US" dirty="0"/>
+              <a:t> is created it’s content can be projected into pods as an environment variable or mounted as a file.</a:t>
+            </a:r>
           </a:p>
         </p:txBody>
       </p:sp>
@@ -1054,54 +1079,152 @@
           <a:p>
             <a:r>
               <a:rPr lang="en-US" dirty="0"/>
-              <a:t>There are 3 different types of secrets</a:t>
-            </a:r>
-          </a:p>
-          <a:p>
-            <a:pPr marL="285750" indent="-285750">
+              <a:t>Create a </a:t>
+            </a:r>
+            <a:r>
+              <a:rPr lang="en-US" dirty="0" err="1"/>
+              <a:t>configmap</a:t>
+            </a:r>
+            <a:r>
+              <a:rPr lang="en-US" dirty="0"/>
+              <a:t> example: </a:t>
+            </a:r>
+          </a:p>
+          <a:p>
+            <a:r>
+              <a:rPr lang="en-US" dirty="0" err="1"/>
+              <a:t>kubectl</a:t>
+            </a:r>
+            <a:r>
+              <a:rPr lang="en-US" dirty="0"/>
+              <a:t> create </a:t>
+            </a:r>
+            <a:r>
+              <a:rPr lang="en-US" dirty="0" err="1"/>
+              <a:t>configmap</a:t>
+            </a:r>
+            <a:r>
+              <a:rPr lang="en-US" dirty="0"/>
+              <a:t> test-config --from-literal=</a:t>
+            </a:r>
+            <a:r>
+              <a:rPr lang="en-US" dirty="0" err="1"/>
+              <a:t>test.type</a:t>
+            </a:r>
+            <a:r>
+              <a:rPr lang="en-US" dirty="0"/>
+              <a:t>=unit --from-literal=</a:t>
+            </a:r>
+            <a:r>
+              <a:rPr lang="en-US" dirty="0" err="1"/>
+              <a:t>test.exec</a:t>
+            </a:r>
+            <a:r>
+              <a:rPr lang="en-US" dirty="0"/>
+              <a:t>=always</a:t>
+            </a:r>
+          </a:p>
+          <a:p>
+            <a:endParaRPr lang="en-US" dirty="0"/>
+          </a:p>
+          <a:p>
+            <a:r>
+              <a:rPr lang="en-US" dirty="0"/>
+              <a:t>Show the </a:t>
+            </a:r>
+            <a:r>
+              <a:rPr lang="en-US" dirty="0" err="1"/>
+              <a:t>pod_with_configmap.yaml</a:t>
+            </a:r>
+            <a:r>
+              <a:rPr lang="en-US" dirty="0"/>
+              <a:t> =&gt; you can include all values from a </a:t>
+            </a:r>
+            <a:r>
+              <a:rPr lang="en-US" dirty="0" err="1"/>
+              <a:t>configmap</a:t>
+            </a:r>
+            <a:r>
+              <a:rPr lang="en-US" dirty="0"/>
+              <a:t> or reference to specific keys. It is also possible to reference multiple </a:t>
+            </a:r>
+            <a:r>
+              <a:rPr lang="en-US" dirty="0" err="1"/>
+              <a:t>configMaps</a:t>
+            </a:r>
+            <a:r>
+              <a:rPr lang="en-US" dirty="0"/>
+              <a:t>. When deploying it to the cluster it will start &amp; go to status “completed” very quickly. Use “</a:t>
+            </a:r>
+            <a:r>
+              <a:rPr lang="en-US" dirty="0" err="1"/>
+              <a:t>kubectl</a:t>
+            </a:r>
+            <a:r>
+              <a:rPr lang="en-US" dirty="0"/>
+              <a:t> get pods –a” to display also terminated/completed pods. Use “</a:t>
+            </a:r>
+            <a:r>
+              <a:rPr lang="en-US" dirty="0" err="1"/>
+              <a:t>kubectl</a:t>
+            </a:r>
+            <a:r>
+              <a:rPr lang="en-US" dirty="0"/>
+              <a:t> logs test-</a:t>
+            </a:r>
+            <a:r>
+              <a:rPr lang="en-US" dirty="0" err="1"/>
+              <a:t>configmap</a:t>
+            </a:r>
+            <a:r>
+              <a:rPr lang="en-US" dirty="0"/>
+              <a:t>” to view the environment sent to </a:t>
+            </a:r>
+            <a:r>
+              <a:rPr lang="en-US" dirty="0" err="1"/>
+              <a:t>stdout</a:t>
+            </a:r>
+            <a:r>
+              <a:rPr lang="en-US" dirty="0"/>
+              <a:t>.</a:t>
+            </a:r>
+          </a:p>
+          <a:p>
+            <a:endParaRPr lang="en-US" dirty="0"/>
+          </a:p>
+          <a:p>
+            <a:r>
+              <a:rPr lang="en-US" dirty="0"/>
+              <a:t>Instead of mapping the </a:t>
+            </a:r>
+            <a:r>
+              <a:rPr lang="en-US" dirty="0" err="1"/>
+              <a:t>configMap</a:t>
+            </a:r>
+            <a:r>
+              <a:rPr lang="en-US" dirty="0"/>
+              <a:t> content to environment variables, it is also possible to mount them as files to a directory. This will be part of the exercise.</a:t>
+            </a:r>
+          </a:p>
+          <a:p>
+            <a:pPr marL="0" marR="0" lvl="0" indent="0" algn="l" defTabSz="1088776" rtl="0" eaLnBrk="1" fontAlgn="auto" latinLnBrk="0" hangingPunct="1">
+              <a:lnSpc>
+                <a:spcPct val="100000"/>
+              </a:lnSpc>
+              <a:spcBef>
+                <a:spcPts val="0"/>
+              </a:spcBef>
+              <a:spcAft>
+                <a:spcPts val="0"/>
+              </a:spcAft>
+              <a:buClrTx/>
+              <a:buSzTx/>
               <a:buFontTx/>
-              <a:buChar char="-"/>
+              <a:buNone/>
+              <a:tabLst/>
+              <a:defRPr/>
             </a:pPr>
-            <a:r>
-              <a:rPr lang="en-US" dirty="0"/>
-              <a:t>generic: to store credentials like passwords. Include as </a:t>
-            </a:r>
-            <a:r>
-              <a:rPr lang="en-US" dirty="0" err="1"/>
-              <a:t>env</a:t>
-            </a:r>
-            <a:r>
-              <a:rPr lang="en-US" dirty="0"/>
-              <a:t> variables or mount files</a:t>
-            </a:r>
-          </a:p>
-          <a:p>
-            <a:pPr marL="285750" indent="-285750">
-              <a:buFontTx/>
-              <a:buChar char="-"/>
-            </a:pPr>
-            <a:r>
-              <a:rPr lang="en-US" dirty="0"/>
-              <a:t>TLS: store certificates to setup TLS e.g. with a webserver</a:t>
-            </a:r>
-          </a:p>
-          <a:p>
-            <a:pPr marL="285750" indent="-285750">
-              <a:buFontTx/>
-              <a:buChar char="-"/>
-            </a:pPr>
-            <a:r>
-              <a:rPr lang="en-US" dirty="0"/>
-              <a:t>Docker-registry: Contains credentials to authenticate pulls from protected registry like the docker store or a private registry. Assign the secret as “</a:t>
-            </a:r>
-            <a:r>
-              <a:rPr lang="en-US" dirty="0" err="1"/>
-              <a:t>imagePullSecret</a:t>
-            </a:r>
-            <a:r>
-              <a:rPr lang="en-US" dirty="0"/>
-              <a:t>” to a pod, to use the credentials for image pulling for this pod. </a:t>
-            </a:r>
+            <a:endParaRPr lang="en-US" baseline="0" dirty="0"/>
           </a:p>
         </p:txBody>
       </p:sp>
@@ -1121,18 +1244,18 @@
           <a:lstStyle/>
           <a:p>
             <a:fld id="{7D8C2C35-2B8A-446E-BEC0-FD36716C29AC}" type="slidenum">
-              <a:rPr lang="en-US" smtClean="0"/>
+              <a:rPr lang="de-DE" smtClean="0"/>
               <a:pPr/>
               <a:t>5</a:t>
             </a:fld>
-            <a:endParaRPr lang="en-US" dirty="0"/>
+            <a:endParaRPr lang="de-DE" dirty="0"/>
           </a:p>
         </p:txBody>
       </p:sp>
     </p:spTree>
     <p:extLst>
       <p:ext uri="{BB962C8B-B14F-4D97-AF65-F5344CB8AC3E}">
-        <p14:creationId xmlns:p14="http://schemas.microsoft.com/office/powerpoint/2010/main" val="1151262875"/>
+        <p14:creationId xmlns:p14="http://schemas.microsoft.com/office/powerpoint/2010/main" val="679986309"/>
       </p:ext>
     </p:extLst>
   </p:cSld>
@@ -1188,54 +1311,53 @@
           <a:p>
             <a:r>
               <a:rPr lang="en-US" dirty="0"/>
-              <a:t>Secrets can be created based on files or values from literals. The data gets base64 encoded and as long as you view the resource via </a:t>
+              <a:t>There are 3 different types of secrets</a:t>
+            </a:r>
+          </a:p>
+          <a:p>
+            <a:pPr marL="285750" indent="-285750">
+              <a:buFontTx/>
+              <a:buChar char="-"/>
+            </a:pPr>
+            <a:r>
+              <a:rPr lang="en-US" dirty="0"/>
+              <a:t>generic: to store credentials like passwords. Include as </a:t>
             </a:r>
             <a:r>
               <a:rPr lang="en-US" dirty="0" err="1"/>
-              <a:t>kubectl</a:t>
+              <a:t>env</a:t>
             </a:r>
             <a:r>
               <a:rPr lang="en-US" dirty="0"/>
-              <a:t>, it stays this way. To view the data take the string, print it to </a:t>
+              <a:t> variables or mount files</a:t>
+            </a:r>
+          </a:p>
+          <a:p>
+            <a:pPr marL="285750" indent="-285750">
+              <a:buFontTx/>
+              <a:buChar char="-"/>
+            </a:pPr>
+            <a:r>
+              <a:rPr lang="en-US" dirty="0"/>
+              <a:t>TLS: store certificates to setup TLS e.g. with a webserver</a:t>
+            </a:r>
+          </a:p>
+          <a:p>
+            <a:pPr marL="285750" indent="-285750">
+              <a:buFontTx/>
+              <a:buChar char="-"/>
+            </a:pPr>
+            <a:r>
+              <a:rPr lang="en-US" dirty="0"/>
+              <a:t>Docker-registry: Contains credentials to authenticate pulls from protected registry like the docker store or a private registry. Assign the secret as “</a:t>
             </a:r>
             <a:r>
               <a:rPr lang="en-US" dirty="0" err="1"/>
-              <a:t>stdout</a:t>
+              <a:t>imagePullSecret</a:t>
             </a:r>
             <a:r>
               <a:rPr lang="en-US" dirty="0"/>
-              <a:t> and pipe it into base64 –d.</a:t>
-            </a:r>
-          </a:p>
-          <a:p>
-            <a:r>
-              <a:rPr lang="en-US" dirty="0"/>
-              <a:t>Example: echo U2VjcmV0NGV2ZXIK | base64 –d</a:t>
-            </a:r>
-          </a:p>
-          <a:p>
-            <a:endParaRPr lang="en-US" dirty="0"/>
-          </a:p>
-          <a:p>
-            <a:r>
-              <a:rPr lang="en-US" dirty="0"/>
-              <a:t>To rebuild the demo use the </a:t>
-            </a:r>
-            <a:r>
-              <a:rPr lang="en-US" dirty="0" err="1"/>
-              <a:t>secret_pod_demo.yaml</a:t>
-            </a:r>
-            <a:r>
-              <a:rPr lang="en-US" dirty="0"/>
-              <a:t> from ./</a:t>
-            </a:r>
-            <a:r>
-              <a:rPr lang="en-US" dirty="0" err="1"/>
-              <a:t>kubernetes</a:t>
-            </a:r>
-            <a:r>
-              <a:rPr lang="en-US" dirty="0"/>
-              <a:t>/solutions. It contains the secret &amp; a pod mounting the secret.</a:t>
+              <a:t>” to a pod, to use the credentials for image pulling for this pod. </a:t>
             </a:r>
           </a:p>
         </p:txBody>
@@ -1267,7 +1389,7 @@
     </p:spTree>
     <p:extLst>
       <p:ext uri="{BB962C8B-B14F-4D97-AF65-F5344CB8AC3E}">
-        <p14:creationId xmlns:p14="http://schemas.microsoft.com/office/powerpoint/2010/main" val="2065736834"/>
+        <p14:creationId xmlns:p14="http://schemas.microsoft.com/office/powerpoint/2010/main" val="1151262875"/>
       </p:ext>
     </p:extLst>
   </p:cSld>
@@ -1323,15 +1445,54 @@
           <a:p>
             <a:r>
               <a:rPr lang="en-US" dirty="0"/>
-              <a:t>Use the secret like any other volume and bind it to the pod. When mounted into the filesystem the content/values are decoded and available in plain text. So be careful what you do. Eventually you want to set (</a:t>
+              <a:t>Secrets can be created based on files or values from literals. The data gets base64 encoded and as long as you view the resource via </a:t>
             </a:r>
             <a:r>
               <a:rPr lang="en-US" dirty="0" err="1"/>
-              <a:t>linux</a:t>
+              <a:t>kubectl</a:t>
             </a:r>
             <a:r>
               <a:rPr lang="en-US" dirty="0"/>
-              <a:t>) permissions for the files (like 400 so only the owner is allowed to read it).</a:t>
+              <a:t>, it stays this way. To view the data take the string, print it to </a:t>
+            </a:r>
+            <a:r>
+              <a:rPr lang="en-US" dirty="0" err="1"/>
+              <a:t>stdout</a:t>
+            </a:r>
+            <a:r>
+              <a:rPr lang="en-US" dirty="0"/>
+              <a:t> and pipe it into base64 –d.</a:t>
+            </a:r>
+          </a:p>
+          <a:p>
+            <a:r>
+              <a:rPr lang="en-US" dirty="0"/>
+              <a:t>Example: echo U2VjcmV0NGV2ZXIK | base64 –d</a:t>
+            </a:r>
+          </a:p>
+          <a:p>
+            <a:endParaRPr lang="en-US" dirty="0"/>
+          </a:p>
+          <a:p>
+            <a:r>
+              <a:rPr lang="en-US" dirty="0"/>
+              <a:t>To rebuild the demo use the </a:t>
+            </a:r>
+            <a:r>
+              <a:rPr lang="en-US" dirty="0" err="1"/>
+              <a:t>secret_pod_demo.yaml</a:t>
+            </a:r>
+            <a:r>
+              <a:rPr lang="en-US" dirty="0"/>
+              <a:t> from ./</a:t>
+            </a:r>
+            <a:r>
+              <a:rPr lang="en-US" dirty="0" err="1"/>
+              <a:t>kubernetes</a:t>
+            </a:r>
+            <a:r>
+              <a:rPr lang="en-US" dirty="0"/>
+              <a:t>/solutions. It contains the secret &amp; a pod mounting the secret.</a:t>
             </a:r>
           </a:p>
         </p:txBody>
@@ -1352,18 +1513,18 @@
           <a:lstStyle/>
           <a:p>
             <a:fld id="{7D8C2C35-2B8A-446E-BEC0-FD36716C29AC}" type="slidenum">
-              <a:rPr lang="de-DE" smtClean="0"/>
+              <a:rPr lang="en-US" smtClean="0"/>
               <a:pPr/>
               <a:t>7</a:t>
             </a:fld>
-            <a:endParaRPr lang="de-DE" dirty="0"/>
+            <a:endParaRPr lang="en-US" dirty="0"/>
           </a:p>
         </p:txBody>
       </p:sp>
     </p:spTree>
     <p:extLst>
       <p:ext uri="{BB962C8B-B14F-4D97-AF65-F5344CB8AC3E}">
-        <p14:creationId xmlns:p14="http://schemas.microsoft.com/office/powerpoint/2010/main" val="4206451847"/>
+        <p14:creationId xmlns:p14="http://schemas.microsoft.com/office/powerpoint/2010/main" val="2065736834"/>
       </p:ext>
     </p:extLst>
   </p:cSld>
@@ -1392,6 +1553,48 @@
       </p:grpSpPr>
       <p:sp>
         <p:nvSpPr>
+          <p:cNvPr id="2" name="Slide Image Placeholder 1"/>
+          <p:cNvSpPr>
+            <a:spLocks noGrp="1" noRot="1" noChangeAspect="1"/>
+          </p:cNvSpPr>
+          <p:nvPr>
+            <p:ph type="sldImg"/>
+          </p:nvPr>
+        </p:nvSpPr>
+        <p:spPr/>
+      </p:sp>
+      <p:sp>
+        <p:nvSpPr>
+          <p:cNvPr id="3" name="Notes Placeholder 2"/>
+          <p:cNvSpPr>
+            <a:spLocks noGrp="1"/>
+          </p:cNvSpPr>
+          <p:nvPr>
+            <p:ph type="body" idx="1"/>
+          </p:nvPr>
+        </p:nvSpPr>
+        <p:spPr/>
+        <p:txBody>
+          <a:bodyPr/>
+          <a:lstStyle/>
+          <a:p>
+            <a:r>
+              <a:rPr lang="en-US" dirty="0"/>
+              <a:t>Use the secret like any other volume and bind it to the pod. When mounted into the filesystem the content/values are decoded and available in plain text. So be careful what you do. Eventually you want to set (</a:t>
+            </a:r>
+            <a:r>
+              <a:rPr lang="en-US" dirty="0" err="1"/>
+              <a:t>linux</a:t>
+            </a:r>
+            <a:r>
+              <a:rPr lang="en-US" dirty="0"/>
+              <a:t>) permissions for the files (like 400 so only the owner is allowed to read it).</a:t>
+            </a:r>
+          </a:p>
+        </p:txBody>
+      </p:sp>
+      <p:sp>
+        <p:nvSpPr>
           <p:cNvPr id="4" name="Slide Number Placeholder 3"/>
           <p:cNvSpPr>
             <a:spLocks noGrp="1"/>
@@ -1406,17 +1609,47 @@
           <a:lstStyle/>
           <a:p>
             <a:fld id="{7D8C2C35-2B8A-446E-BEC0-FD36716C29AC}" type="slidenum">
-              <a:rPr lang="en-US" smtClean="0"/>
+              <a:rPr lang="de-DE" smtClean="0"/>
               <a:pPr/>
-              <a:t>9</a:t>
+              <a:t>8</a:t>
             </a:fld>
-            <a:endParaRPr lang="en-US" dirty="0"/>
+            <a:endParaRPr lang="de-DE" dirty="0"/>
           </a:p>
         </p:txBody>
       </p:sp>
+    </p:spTree>
+    <p:extLst>
+      <p:ext uri="{BB962C8B-B14F-4D97-AF65-F5344CB8AC3E}">
+        <p14:creationId xmlns:p14="http://schemas.microsoft.com/office/powerpoint/2010/main" val="4206451847"/>
+      </p:ext>
+    </p:extLst>
+  </p:cSld>
+  <p:clrMapOvr>
+    <a:masterClrMapping/>
+  </p:clrMapOvr>
+</p:notes>
+</file>
+
+<file path=ppt/notesSlides/notesSlide9.xml><?xml version="1.0" encoding="utf-8"?>
+<p:notes xmlns:a="http://schemas.openxmlformats.org/drawingml/2006/main" xmlns:r="http://schemas.openxmlformats.org/officeDocument/2006/relationships" xmlns:p="http://schemas.openxmlformats.org/presentationml/2006/main">
+  <p:cSld>
+    <p:spTree>
+      <p:nvGrpSpPr>
+        <p:cNvPr id="1" name=""/>
+        <p:cNvGrpSpPr/>
+        <p:nvPr/>
+      </p:nvGrpSpPr>
+      <p:grpSpPr>
+        <a:xfrm>
+          <a:off x="0" y="0"/>
+          <a:ext cx="0" cy="0"/>
+          <a:chOff x="0" y="0"/>
+          <a:chExt cx="0" cy="0"/>
+        </a:xfrm>
+      </p:grpSpPr>
       <p:sp>
         <p:nvSpPr>
-          <p:cNvPr id="6" name="Slide Image Placeholder 5"/>
+          <p:cNvPr id="2" name="Slide Image Placeholder 1"/>
           <p:cNvSpPr>
             <a:spLocks noGrp="1" noRot="1" noChangeAspect="1"/>
           </p:cNvSpPr>
@@ -1424,16 +1657,11 @@
             <p:ph type="sldImg"/>
           </p:nvPr>
         </p:nvSpPr>
-        <p:spPr>
-          <a:xfrm>
-            <a:off x="547688" y="612775"/>
-            <a:ext cx="5762625" cy="3241675"/>
-          </a:xfrm>
-        </p:spPr>
+        <p:spPr/>
       </p:sp>
       <p:sp>
         <p:nvSpPr>
-          <p:cNvPr id="7" name="Notes Placeholder 6"/>
+          <p:cNvPr id="3" name="Notes Placeholder 2"/>
           <p:cNvSpPr>
             <a:spLocks noGrp="1"/>
           </p:cNvSpPr>
@@ -1443,19 +1671,241 @@
         </p:nvSpPr>
         <p:spPr/>
         <p:txBody>
-          <a:bodyPr>
-            <a:normAutofit/>
-          </a:bodyPr>
+          <a:bodyPr/>
           <a:lstStyle/>
           <a:p>
-            <a:endParaRPr lang="en-US" dirty="0"/>
+            <a:pPr marL="0" marR="0" lvl="0" indent="0" algn="l" defTabSz="1088776" rtl="0" eaLnBrk="1" fontAlgn="auto" latinLnBrk="0" hangingPunct="1">
+              <a:lnSpc>
+                <a:spcPct val="100000"/>
+              </a:lnSpc>
+              <a:spcBef>
+                <a:spcPts val="0"/>
+              </a:spcBef>
+              <a:spcAft>
+                <a:spcPts val="0"/>
+              </a:spcAft>
+              <a:buClrTx/>
+              <a:buSzTx/>
+              <a:buFontTx/>
+              <a:buNone/>
+              <a:tabLst/>
+              <a:defRPr/>
+            </a:pPr>
+            <a:r>
+              <a:rPr lang="en-US" baseline="0" dirty="0"/>
+              <a:t>Create a secret from the command line or use the </a:t>
+            </a:r>
+            <a:r>
+              <a:rPr lang="en-US" baseline="0" dirty="0" err="1"/>
+              <a:t>yaml</a:t>
+            </a:r>
+            <a:endParaRPr lang="en-US" baseline="0" dirty="0"/>
+          </a:p>
+          <a:p>
+            <a:pPr marL="0" marR="0" lvl="0" indent="0" algn="l" defTabSz="1088776" rtl="0" eaLnBrk="1" fontAlgn="auto" latinLnBrk="0" hangingPunct="1">
+              <a:lnSpc>
+                <a:spcPct val="100000"/>
+              </a:lnSpc>
+              <a:spcBef>
+                <a:spcPts val="0"/>
+              </a:spcBef>
+              <a:spcAft>
+                <a:spcPts val="0"/>
+              </a:spcAft>
+              <a:buClrTx/>
+              <a:buSzTx/>
+              <a:buFontTx/>
+              <a:buNone/>
+              <a:tabLst/>
+              <a:defRPr/>
+            </a:pPr>
+            <a:endParaRPr lang="en-US" baseline="0" dirty="0"/>
+          </a:p>
+          <a:p>
+            <a:pPr marL="285750" marR="0" lvl="0" indent="-285750" algn="l" defTabSz="1088776" rtl="0" eaLnBrk="1" fontAlgn="auto" latinLnBrk="0" hangingPunct="1">
+              <a:lnSpc>
+                <a:spcPct val="100000"/>
+              </a:lnSpc>
+              <a:spcBef>
+                <a:spcPts val="0"/>
+              </a:spcBef>
+              <a:spcAft>
+                <a:spcPts val="0"/>
+              </a:spcAft>
+              <a:buClrTx/>
+              <a:buSzTx/>
+              <a:buFontTx/>
+              <a:buChar char="-"/>
+              <a:tabLst/>
+              <a:defRPr/>
+            </a:pPr>
+            <a:r>
+              <a:rPr lang="en-US" baseline="0" dirty="0"/>
+              <a:t>echo admin &gt; username.txt</a:t>
+            </a:r>
+          </a:p>
+          <a:p>
+            <a:pPr marL="285750" marR="0" lvl="0" indent="-285750" algn="l" defTabSz="1088776" rtl="0" eaLnBrk="1" fontAlgn="auto" latinLnBrk="0" hangingPunct="1">
+              <a:lnSpc>
+                <a:spcPct val="100000"/>
+              </a:lnSpc>
+              <a:spcBef>
+                <a:spcPts val="0"/>
+              </a:spcBef>
+              <a:spcAft>
+                <a:spcPts val="0"/>
+              </a:spcAft>
+              <a:buClrTx/>
+              <a:buSzTx/>
+              <a:buFontTx/>
+              <a:buChar char="-"/>
+              <a:tabLst/>
+              <a:defRPr/>
+            </a:pPr>
+            <a:r>
+              <a:rPr lang="en-US" baseline="0" dirty="0"/>
+              <a:t>echo Secret4ever &gt; password.txt</a:t>
+            </a:r>
+          </a:p>
+          <a:p>
+            <a:pPr marL="285750" marR="0" lvl="0" indent="-285750" algn="l" defTabSz="1088776" rtl="0" eaLnBrk="1" fontAlgn="auto" latinLnBrk="0" hangingPunct="1">
+              <a:lnSpc>
+                <a:spcPct val="100000"/>
+              </a:lnSpc>
+              <a:spcBef>
+                <a:spcPts val="0"/>
+              </a:spcBef>
+              <a:spcAft>
+                <a:spcPts val="0"/>
+              </a:spcAft>
+              <a:buClrTx/>
+              <a:buSzTx/>
+              <a:buFontTx/>
+              <a:buChar char="-"/>
+              <a:tabLst/>
+              <a:defRPr/>
+            </a:pPr>
+            <a:r>
+              <a:rPr lang="en-US" baseline="0" dirty="0" err="1"/>
+              <a:t>kubectl</a:t>
+            </a:r>
+            <a:r>
+              <a:rPr lang="en-US" baseline="0" dirty="0"/>
+              <a:t> create secret generic admin-access --from-file=./username.txt --from-file=./password.txt</a:t>
+            </a:r>
+          </a:p>
+          <a:p>
+            <a:pPr marL="285750" marR="0" lvl="0" indent="-285750" algn="l" defTabSz="1088776" rtl="0" eaLnBrk="1" fontAlgn="auto" latinLnBrk="0" hangingPunct="1">
+              <a:lnSpc>
+                <a:spcPct val="100000"/>
+              </a:lnSpc>
+              <a:spcBef>
+                <a:spcPts val="0"/>
+              </a:spcBef>
+              <a:spcAft>
+                <a:spcPts val="0"/>
+              </a:spcAft>
+              <a:buClrTx/>
+              <a:buSzTx/>
+              <a:buFontTx/>
+              <a:buChar char="-"/>
+              <a:tabLst/>
+              <a:defRPr/>
+            </a:pPr>
+            <a:r>
+              <a:rPr lang="en-US" baseline="0" dirty="0"/>
+              <a:t>Print the secret in </a:t>
+            </a:r>
+            <a:r>
+              <a:rPr lang="en-US" baseline="0" dirty="0" err="1"/>
+              <a:t>yaml</a:t>
+            </a:r>
+            <a:r>
+              <a:rPr lang="en-US" baseline="0" dirty="0"/>
+              <a:t> format and send the value for password to base64 –decode:  echo U2VjcmV0NGV2ZXIK | base64 –d</a:t>
+            </a:r>
+          </a:p>
+          <a:p>
+            <a:pPr marL="285750" marR="0" lvl="0" indent="-285750" algn="l" defTabSz="1088776" rtl="0" eaLnBrk="1" fontAlgn="auto" latinLnBrk="0" hangingPunct="1">
+              <a:lnSpc>
+                <a:spcPct val="100000"/>
+              </a:lnSpc>
+              <a:spcBef>
+                <a:spcPts val="0"/>
+              </a:spcBef>
+              <a:spcAft>
+                <a:spcPts val="0"/>
+              </a:spcAft>
+              <a:buClrTx/>
+              <a:buSzTx/>
+              <a:buFontTx/>
+              <a:buChar char="-"/>
+              <a:tabLst/>
+              <a:defRPr/>
+            </a:pPr>
+            <a:r>
+              <a:rPr lang="en-US" baseline="0" dirty="0"/>
+              <a:t>Schedule the demo pod for secrets (make sure the secret name matches) and query the logs</a:t>
+            </a:r>
+          </a:p>
+          <a:p>
+            <a:pPr marL="285750" marR="0" lvl="0" indent="-285750" algn="l" defTabSz="1088776" rtl="0" eaLnBrk="1" fontAlgn="auto" latinLnBrk="0" hangingPunct="1">
+              <a:lnSpc>
+                <a:spcPct val="100000"/>
+              </a:lnSpc>
+              <a:spcBef>
+                <a:spcPts val="0"/>
+              </a:spcBef>
+              <a:spcAft>
+                <a:spcPts val="0"/>
+              </a:spcAft>
+              <a:buClrTx/>
+              <a:buSzTx/>
+              <a:buFontTx/>
+              <a:buChar char="-"/>
+              <a:tabLst/>
+              <a:defRPr/>
+            </a:pPr>
+            <a:r>
+              <a:rPr lang="en-US" baseline="0" dirty="0"/>
+              <a:t>=&gt; highlight that the values are accessible in clear text within the </a:t>
+            </a:r>
+            <a:r>
+              <a:rPr lang="en-US" baseline="0"/>
+              <a:t>pod context</a:t>
+            </a:r>
+            <a:endParaRPr lang="en-US" baseline="0" dirty="0"/>
+          </a:p>
+        </p:txBody>
+      </p:sp>
+      <p:sp>
+        <p:nvSpPr>
+          <p:cNvPr id="4" name="Slide Number Placeholder 3"/>
+          <p:cNvSpPr>
+            <a:spLocks noGrp="1"/>
+          </p:cNvSpPr>
+          <p:nvPr>
+            <p:ph type="sldNum" sz="quarter" idx="10"/>
+          </p:nvPr>
+        </p:nvSpPr>
+        <p:spPr/>
+        <p:txBody>
+          <a:bodyPr/>
+          <a:lstStyle/>
+          <a:p>
+            <a:fld id="{7D8C2C35-2B8A-446E-BEC0-FD36716C29AC}" type="slidenum">
+              <a:rPr lang="de-DE" smtClean="0"/>
+              <a:pPr/>
+              <a:t>9</a:t>
+            </a:fld>
+            <a:endParaRPr lang="de-DE" dirty="0"/>
           </a:p>
         </p:txBody>
       </p:sp>
     </p:spTree>
     <p:extLst>
       <p:ext uri="{BB962C8B-B14F-4D97-AF65-F5344CB8AC3E}">
-        <p14:creationId xmlns:p14="http://schemas.microsoft.com/office/powerpoint/2010/main" val="2544264309"/>
+        <p14:creationId xmlns:p14="http://schemas.microsoft.com/office/powerpoint/2010/main" val="1289078597"/>
       </p:ext>
     </p:extLst>
   </p:cSld>
@@ -14840,6 +15290,1113 @@
 </p:sld>
 </file>
 
+<file path=ppt/slides/slide10.xml><?xml version="1.0" encoding="utf-8"?>
+<p:sld xmlns:a="http://schemas.openxmlformats.org/drawingml/2006/main" xmlns:r="http://schemas.openxmlformats.org/officeDocument/2006/relationships" xmlns:p="http://schemas.openxmlformats.org/presentationml/2006/main">
+  <p:cSld>
+    <p:spTree>
+      <p:nvGrpSpPr>
+        <p:cNvPr id="1" name=""/>
+        <p:cNvGrpSpPr/>
+        <p:nvPr/>
+      </p:nvGrpSpPr>
+      <p:grpSpPr>
+        <a:xfrm>
+          <a:off x="0" y="0"/>
+          <a:ext cx="0" cy="0"/>
+          <a:chOff x="0" y="0"/>
+          <a:chExt cx="0" cy="0"/>
+        </a:xfrm>
+      </p:grpSpPr>
+      <p:sp>
+        <p:nvSpPr>
+          <p:cNvPr id="3" name="Title 2"/>
+          <p:cNvSpPr>
+            <a:spLocks noGrp="1"/>
+          </p:cNvSpPr>
+          <p:nvPr>
+            <p:ph type="title"/>
+          </p:nvPr>
+        </p:nvSpPr>
+        <p:spPr/>
+        <p:txBody>
+          <a:bodyPr/>
+          <a:lstStyle/>
+          <a:p>
+            <a:r>
+              <a:rPr lang="en-US" dirty="0"/>
+              <a:t>Desired target state – exercise #06</a:t>
+            </a:r>
+          </a:p>
+        </p:txBody>
+      </p:sp>
+      <p:grpSp>
+        <p:nvGrpSpPr>
+          <p:cNvPr id="13" name="Group 12"/>
+          <p:cNvGrpSpPr/>
+          <p:nvPr/>
+        </p:nvGrpSpPr>
+        <p:grpSpPr>
+          <a:xfrm>
+            <a:off x="2674620" y="3124200"/>
+            <a:ext cx="6187440" cy="1752600"/>
+            <a:chOff x="2697480" y="2743200"/>
+            <a:chExt cx="6187440" cy="2034540"/>
+          </a:xfrm>
+        </p:grpSpPr>
+        <p:sp>
+          <p:nvSpPr>
+            <p:cNvPr id="12" name="Rectangle: Rounded Corners 11"/>
+            <p:cNvSpPr/>
+            <p:nvPr/>
+          </p:nvSpPr>
+          <p:spPr bwMode="gray">
+            <a:xfrm>
+              <a:off x="2697480" y="2743200"/>
+              <a:ext cx="6187440" cy="2034540"/>
+            </a:xfrm>
+            <a:prstGeom prst="roundRect">
+              <a:avLst/>
+            </a:prstGeom>
+            <a:ln>
+              <a:headEnd/>
+              <a:tailEnd/>
+            </a:ln>
+          </p:spPr>
+          <p:style>
+            <a:lnRef idx="2">
+              <a:schemeClr val="accent4"/>
+            </a:lnRef>
+            <a:fillRef idx="1">
+              <a:schemeClr val="lt1"/>
+            </a:fillRef>
+            <a:effectRef idx="0">
+              <a:schemeClr val="accent4"/>
+            </a:effectRef>
+            <a:fontRef idx="minor">
+              <a:schemeClr val="dk1"/>
+            </a:fontRef>
+          </p:style>
+          <p:txBody>
+            <a:bodyPr lIns="90000" tIns="72000" rIns="90000" bIns="72000" rtlCol="0" anchor="ctr"/>
+            <a:lstStyle/>
+            <a:p>
+              <a:pPr marR="0" algn="ctr" defTabSz="914400" eaLnBrk="1" fontAlgn="base" latinLnBrk="0" hangingPunct="1">
+                <a:lnSpc>
+                  <a:spcPct val="100000"/>
+                </a:lnSpc>
+                <a:spcBef>
+                  <a:spcPct val="50000"/>
+                </a:spcBef>
+                <a:spcAft>
+                  <a:spcPct val="0"/>
+                </a:spcAft>
+                <a:buClr>
+                  <a:srgbClr val="F0AB00"/>
+                </a:buClr>
+                <a:buSzPct val="80000"/>
+                <a:tabLst/>
+              </a:pPr>
+              <a:endParaRPr kumimoji="0" lang="en-US" sz="1800" b="0" i="0" u="none" strike="noStrike" kern="0" cap="none" spc="0" normalizeH="0" baseline="0" noProof="0" dirty="0" err="1">
+                <a:ln>
+                  <a:noFill/>
+                </a:ln>
+                <a:effectLst/>
+                <a:uLnTx/>
+                <a:uFillTx/>
+                <a:ea typeface="Arial Unicode MS" pitchFamily="34" charset="-128"/>
+                <a:cs typeface="Arial Unicode MS" pitchFamily="34" charset="-128"/>
+              </a:endParaRPr>
+            </a:p>
+          </p:txBody>
+        </p:sp>
+        <p:sp>
+          <p:nvSpPr>
+            <p:cNvPr id="4" name="Rectangle 3"/>
+            <p:cNvSpPr/>
+            <p:nvPr/>
+          </p:nvSpPr>
+          <p:spPr bwMode="gray">
+            <a:xfrm>
+              <a:off x="2989653" y="3164976"/>
+              <a:ext cx="1627931" cy="1156258"/>
+            </a:xfrm>
+            <a:prstGeom prst="rect">
+              <a:avLst/>
+            </a:prstGeom>
+            <a:ln>
+              <a:headEnd/>
+              <a:tailEnd/>
+            </a:ln>
+          </p:spPr>
+          <p:style>
+            <a:lnRef idx="2">
+              <a:schemeClr val="accent4"/>
+            </a:lnRef>
+            <a:fillRef idx="1">
+              <a:schemeClr val="lt1"/>
+            </a:fillRef>
+            <a:effectRef idx="0">
+              <a:schemeClr val="accent4"/>
+            </a:effectRef>
+            <a:fontRef idx="minor">
+              <a:schemeClr val="dk1"/>
+            </a:fontRef>
+          </p:style>
+          <p:txBody>
+            <a:bodyPr lIns="90000" tIns="72000" rIns="90000" bIns="72000" rtlCol="0" anchor="ctr"/>
+            <a:lstStyle/>
+            <a:p>
+              <a:pPr marR="0" algn="ctr" defTabSz="914400" eaLnBrk="1" fontAlgn="base" latinLnBrk="0" hangingPunct="1">
+                <a:lnSpc>
+                  <a:spcPct val="100000"/>
+                </a:lnSpc>
+                <a:spcBef>
+                  <a:spcPct val="50000"/>
+                </a:spcBef>
+                <a:spcAft>
+                  <a:spcPct val="0"/>
+                </a:spcAft>
+                <a:buClr>
+                  <a:srgbClr val="F0AB00"/>
+                </a:buClr>
+                <a:buSzPct val="80000"/>
+                <a:tabLst/>
+              </a:pPr>
+              <a:r>
+                <a:rPr lang="de-DE" sz="1800" kern="0" dirty="0" err="1">
+                  <a:ea typeface="Arial Unicode MS" pitchFamily="34" charset="-128"/>
+                  <a:cs typeface="Arial Unicode MS" pitchFamily="34" charset="-128"/>
+                </a:rPr>
+                <a:t>nginx</a:t>
+              </a:r>
+              <a:endParaRPr kumimoji="0" lang="de-DE" sz="1800" b="0" i="0" u="none" strike="noStrike" kern="0" cap="none" spc="0" normalizeH="0" baseline="0" noProof="0" dirty="0">
+                <a:ln>
+                  <a:noFill/>
+                </a:ln>
+                <a:effectLst/>
+                <a:uLnTx/>
+                <a:uFillTx/>
+                <a:ea typeface="Arial Unicode MS" pitchFamily="34" charset="-128"/>
+                <a:cs typeface="Arial Unicode MS" pitchFamily="34" charset="-128"/>
+              </a:endParaRPr>
+            </a:p>
+          </p:txBody>
+        </p:sp>
+        <p:sp>
+          <p:nvSpPr>
+            <p:cNvPr id="6" name="Rectangle 5"/>
+            <p:cNvSpPr/>
+            <p:nvPr/>
+          </p:nvSpPr>
+          <p:spPr bwMode="gray">
+            <a:xfrm>
+              <a:off x="6855115" y="3164976"/>
+              <a:ext cx="1627931" cy="1156258"/>
+            </a:xfrm>
+            <a:prstGeom prst="rect">
+              <a:avLst/>
+            </a:prstGeom>
+            <a:ln>
+              <a:headEnd/>
+              <a:tailEnd/>
+            </a:ln>
+          </p:spPr>
+          <p:style>
+            <a:lnRef idx="2">
+              <a:schemeClr val="accent4"/>
+            </a:lnRef>
+            <a:fillRef idx="1">
+              <a:schemeClr val="lt1"/>
+            </a:fillRef>
+            <a:effectRef idx="0">
+              <a:schemeClr val="accent4"/>
+            </a:effectRef>
+            <a:fontRef idx="minor">
+              <a:schemeClr val="dk1"/>
+            </a:fontRef>
+          </p:style>
+          <p:txBody>
+            <a:bodyPr lIns="90000" tIns="72000" rIns="90000" bIns="72000" rtlCol="0" anchor="ctr"/>
+            <a:lstStyle/>
+            <a:p>
+              <a:pPr marR="0" algn="ctr" defTabSz="914400" eaLnBrk="1" fontAlgn="base" latinLnBrk="0" hangingPunct="1">
+                <a:lnSpc>
+                  <a:spcPct val="100000"/>
+                </a:lnSpc>
+                <a:spcBef>
+                  <a:spcPct val="50000"/>
+                </a:spcBef>
+                <a:spcAft>
+                  <a:spcPct val="0"/>
+                </a:spcAft>
+                <a:buClr>
+                  <a:srgbClr val="F0AB00"/>
+                </a:buClr>
+                <a:buSzPct val="80000"/>
+                <a:tabLst/>
+              </a:pPr>
+              <a:r>
+                <a:rPr lang="de-DE" sz="1800" kern="0" dirty="0" err="1">
+                  <a:ea typeface="Arial Unicode MS" pitchFamily="34" charset="-128"/>
+                  <a:cs typeface="Arial Unicode MS" pitchFamily="34" charset="-128"/>
+                </a:rPr>
+                <a:t>nginx</a:t>
+              </a:r>
+              <a:endParaRPr kumimoji="0" lang="de-DE" sz="1800" b="0" i="0" u="none" strike="noStrike" kern="0" cap="none" spc="0" normalizeH="0" baseline="0" noProof="0" dirty="0">
+                <a:ln>
+                  <a:noFill/>
+                </a:ln>
+                <a:effectLst/>
+                <a:uLnTx/>
+                <a:uFillTx/>
+                <a:ea typeface="Arial Unicode MS" pitchFamily="34" charset="-128"/>
+                <a:cs typeface="Arial Unicode MS" pitchFamily="34" charset="-128"/>
+              </a:endParaRPr>
+            </a:p>
+          </p:txBody>
+        </p:sp>
+        <p:sp>
+          <p:nvSpPr>
+            <p:cNvPr id="7" name="Rectangle 6"/>
+            <p:cNvSpPr/>
+            <p:nvPr/>
+          </p:nvSpPr>
+          <p:spPr bwMode="gray">
+            <a:xfrm>
+              <a:off x="4922384" y="3164976"/>
+              <a:ext cx="1627931" cy="1156258"/>
+            </a:xfrm>
+            <a:prstGeom prst="rect">
+              <a:avLst/>
+            </a:prstGeom>
+            <a:ln>
+              <a:headEnd/>
+              <a:tailEnd/>
+            </a:ln>
+          </p:spPr>
+          <p:style>
+            <a:lnRef idx="2">
+              <a:schemeClr val="accent4"/>
+            </a:lnRef>
+            <a:fillRef idx="1">
+              <a:schemeClr val="lt1"/>
+            </a:fillRef>
+            <a:effectRef idx="0">
+              <a:schemeClr val="accent4"/>
+            </a:effectRef>
+            <a:fontRef idx="minor">
+              <a:schemeClr val="dk1"/>
+            </a:fontRef>
+          </p:style>
+          <p:txBody>
+            <a:bodyPr lIns="90000" tIns="72000" rIns="90000" bIns="72000" rtlCol="0" anchor="ctr"/>
+            <a:lstStyle/>
+            <a:p>
+              <a:pPr marR="0" algn="ctr" defTabSz="914400" eaLnBrk="1" fontAlgn="base" latinLnBrk="0" hangingPunct="1">
+                <a:lnSpc>
+                  <a:spcPct val="100000"/>
+                </a:lnSpc>
+                <a:spcBef>
+                  <a:spcPct val="50000"/>
+                </a:spcBef>
+                <a:spcAft>
+                  <a:spcPct val="0"/>
+                </a:spcAft>
+                <a:buClr>
+                  <a:srgbClr val="F0AB00"/>
+                </a:buClr>
+                <a:buSzPct val="80000"/>
+                <a:tabLst/>
+              </a:pPr>
+              <a:r>
+                <a:rPr lang="de-DE" sz="1800" kern="0" dirty="0" err="1">
+                  <a:ea typeface="Arial Unicode MS" pitchFamily="34" charset="-128"/>
+                  <a:cs typeface="Arial Unicode MS" pitchFamily="34" charset="-128"/>
+                </a:rPr>
+                <a:t>nginx</a:t>
+              </a:r>
+              <a:endParaRPr kumimoji="0" lang="de-DE" sz="1800" b="0" i="0" u="none" strike="noStrike" kern="0" cap="none" spc="0" normalizeH="0" baseline="0" noProof="0" dirty="0">
+                <a:ln>
+                  <a:noFill/>
+                </a:ln>
+                <a:effectLst/>
+                <a:uLnTx/>
+                <a:uFillTx/>
+                <a:ea typeface="Arial Unicode MS" pitchFamily="34" charset="-128"/>
+                <a:cs typeface="Arial Unicode MS" pitchFamily="34" charset="-128"/>
+              </a:endParaRPr>
+            </a:p>
+          </p:txBody>
+        </p:sp>
+      </p:grpSp>
+      <p:grpSp>
+        <p:nvGrpSpPr>
+          <p:cNvPr id="15" name="Group 14"/>
+          <p:cNvGrpSpPr/>
+          <p:nvPr/>
+        </p:nvGrpSpPr>
+        <p:grpSpPr>
+          <a:xfrm>
+            <a:off x="3482340" y="5191896"/>
+            <a:ext cx="4572000" cy="1363980"/>
+            <a:chOff x="3421380" y="5067300"/>
+            <a:chExt cx="4572000" cy="1363980"/>
+          </a:xfrm>
+        </p:grpSpPr>
+        <p:sp>
+          <p:nvSpPr>
+            <p:cNvPr id="14" name="Rectangle: Rounded Corners 13"/>
+            <p:cNvSpPr/>
+            <p:nvPr/>
+          </p:nvSpPr>
+          <p:spPr bwMode="gray">
+            <a:xfrm>
+              <a:off x="3421380" y="5067300"/>
+              <a:ext cx="4572000" cy="1363980"/>
+            </a:xfrm>
+            <a:prstGeom prst="roundRect">
+              <a:avLst/>
+            </a:prstGeom>
+            <a:ln>
+              <a:headEnd/>
+              <a:tailEnd/>
+            </a:ln>
+          </p:spPr>
+          <p:style>
+            <a:lnRef idx="2">
+              <a:schemeClr val="accent4"/>
+            </a:lnRef>
+            <a:fillRef idx="1">
+              <a:schemeClr val="lt1"/>
+            </a:fillRef>
+            <a:effectRef idx="0">
+              <a:schemeClr val="accent4"/>
+            </a:effectRef>
+            <a:fontRef idx="minor">
+              <a:schemeClr val="dk1"/>
+            </a:fontRef>
+          </p:style>
+          <p:txBody>
+            <a:bodyPr lIns="90000" tIns="72000" rIns="90000" bIns="72000" rtlCol="0" anchor="ctr"/>
+            <a:lstStyle/>
+            <a:p>
+              <a:pPr marR="0" algn="ctr" defTabSz="914400" eaLnBrk="1" fontAlgn="base" latinLnBrk="0" hangingPunct="1">
+                <a:lnSpc>
+                  <a:spcPct val="100000"/>
+                </a:lnSpc>
+                <a:spcBef>
+                  <a:spcPct val="50000"/>
+                </a:spcBef>
+                <a:spcAft>
+                  <a:spcPct val="0"/>
+                </a:spcAft>
+                <a:buClr>
+                  <a:srgbClr val="F0AB00"/>
+                </a:buClr>
+                <a:buSzPct val="80000"/>
+                <a:tabLst/>
+              </a:pPr>
+              <a:endParaRPr kumimoji="0" lang="en-US" sz="1800" b="0" i="0" u="none" strike="noStrike" kern="0" cap="none" spc="0" normalizeH="0" baseline="0" noProof="0" dirty="0" err="1">
+                <a:ln>
+                  <a:noFill/>
+                </a:ln>
+                <a:effectLst/>
+                <a:uLnTx/>
+                <a:uFillTx/>
+                <a:ea typeface="Arial Unicode MS" pitchFamily="34" charset="-128"/>
+                <a:cs typeface="Arial Unicode MS" pitchFamily="34" charset="-128"/>
+              </a:endParaRPr>
+            </a:p>
+          </p:txBody>
+        </p:sp>
+        <p:sp>
+          <p:nvSpPr>
+            <p:cNvPr id="8" name="Cylinder 7"/>
+            <p:cNvSpPr/>
+            <p:nvPr/>
+          </p:nvSpPr>
+          <p:spPr bwMode="gray">
+            <a:xfrm>
+              <a:off x="3946888" y="5248563"/>
+              <a:ext cx="998220" cy="1004248"/>
+            </a:xfrm>
+            <a:prstGeom prst="can">
+              <a:avLst/>
+            </a:prstGeom>
+            <a:ln>
+              <a:headEnd/>
+              <a:tailEnd/>
+            </a:ln>
+          </p:spPr>
+          <p:style>
+            <a:lnRef idx="2">
+              <a:schemeClr val="accent4"/>
+            </a:lnRef>
+            <a:fillRef idx="1">
+              <a:schemeClr val="lt1"/>
+            </a:fillRef>
+            <a:effectRef idx="0">
+              <a:schemeClr val="accent4"/>
+            </a:effectRef>
+            <a:fontRef idx="minor">
+              <a:schemeClr val="dk1"/>
+            </a:fontRef>
+          </p:style>
+          <p:txBody>
+            <a:bodyPr lIns="90000" tIns="72000" rIns="90000" bIns="72000" rtlCol="0" anchor="ctr"/>
+            <a:lstStyle/>
+            <a:p>
+              <a:pPr marR="0" algn="ctr" defTabSz="914400" eaLnBrk="1" fontAlgn="base" latinLnBrk="0" hangingPunct="1">
+                <a:lnSpc>
+                  <a:spcPct val="100000"/>
+                </a:lnSpc>
+                <a:spcBef>
+                  <a:spcPct val="50000"/>
+                </a:spcBef>
+                <a:spcAft>
+                  <a:spcPct val="0"/>
+                </a:spcAft>
+                <a:buClr>
+                  <a:srgbClr val="F0AB00"/>
+                </a:buClr>
+                <a:buSzPct val="80000"/>
+                <a:tabLst/>
+              </a:pPr>
+              <a:r>
+                <a:rPr lang="de-DE" sz="1800" kern="0" dirty="0" err="1">
+                  <a:ea typeface="Arial Unicode MS" pitchFamily="34" charset="-128"/>
+                  <a:cs typeface="Arial Unicode MS" pitchFamily="34" charset="-128"/>
+                </a:rPr>
+                <a:t>custom</a:t>
+              </a:r>
+              <a:r>
+                <a:rPr lang="de-DE" sz="1800" kern="0" dirty="0">
+                  <a:ea typeface="Arial Unicode MS" pitchFamily="34" charset="-128"/>
+                  <a:cs typeface="Arial Unicode MS" pitchFamily="34" charset="-128"/>
+                </a:rPr>
+                <a:t> </a:t>
+              </a:r>
+              <a:r>
+                <a:rPr kumimoji="0" lang="de-DE" sz="1800" b="0" i="0" u="none" strike="noStrike" kern="0" cap="none" spc="0" normalizeH="0" baseline="0" noProof="0" dirty="0" err="1">
+                  <a:ln>
+                    <a:noFill/>
+                  </a:ln>
+                  <a:effectLst/>
+                  <a:uLnTx/>
+                  <a:uFillTx/>
+                  <a:ea typeface="Arial Unicode MS" pitchFamily="34" charset="-128"/>
+                  <a:cs typeface="Arial Unicode MS" pitchFamily="34" charset="-128"/>
+                </a:rPr>
+                <a:t>content</a:t>
+              </a:r>
+              <a:endParaRPr kumimoji="0" lang="de-DE" sz="1800" b="0" i="0" u="none" strike="noStrike" kern="0" cap="none" spc="0" normalizeH="0" baseline="0" noProof="0" dirty="0">
+                <a:ln>
+                  <a:noFill/>
+                </a:ln>
+                <a:effectLst/>
+                <a:uLnTx/>
+                <a:uFillTx/>
+                <a:ea typeface="Arial Unicode MS" pitchFamily="34" charset="-128"/>
+                <a:cs typeface="Arial Unicode MS" pitchFamily="34" charset="-128"/>
+              </a:endParaRPr>
+            </a:p>
+          </p:txBody>
+        </p:sp>
+        <p:sp>
+          <p:nvSpPr>
+            <p:cNvPr id="9" name="Cylinder 8"/>
+            <p:cNvSpPr/>
+            <p:nvPr/>
+          </p:nvSpPr>
+          <p:spPr bwMode="gray">
+            <a:xfrm>
+              <a:off x="5214379" y="5248563"/>
+              <a:ext cx="998220" cy="1004248"/>
+            </a:xfrm>
+            <a:prstGeom prst="can">
+              <a:avLst/>
+            </a:prstGeom>
+            <a:ln>
+              <a:headEnd/>
+              <a:tailEnd/>
+            </a:ln>
+          </p:spPr>
+          <p:style>
+            <a:lnRef idx="2">
+              <a:schemeClr val="accent4"/>
+            </a:lnRef>
+            <a:fillRef idx="1">
+              <a:schemeClr val="lt1"/>
+            </a:fillRef>
+            <a:effectRef idx="0">
+              <a:schemeClr val="accent4"/>
+            </a:effectRef>
+            <a:fontRef idx="minor">
+              <a:schemeClr val="dk1"/>
+            </a:fontRef>
+          </p:style>
+          <p:txBody>
+            <a:bodyPr lIns="90000" tIns="72000" rIns="90000" bIns="72000" rtlCol="0" anchor="ctr"/>
+            <a:lstStyle/>
+            <a:p>
+              <a:pPr marR="0" algn="ctr" defTabSz="914400" eaLnBrk="1" fontAlgn="base" latinLnBrk="0" hangingPunct="1">
+                <a:lnSpc>
+                  <a:spcPct val="100000"/>
+                </a:lnSpc>
+                <a:spcBef>
+                  <a:spcPct val="50000"/>
+                </a:spcBef>
+                <a:spcAft>
+                  <a:spcPct val="0"/>
+                </a:spcAft>
+                <a:buClr>
+                  <a:srgbClr val="F0AB00"/>
+                </a:buClr>
+                <a:buSzPct val="80000"/>
+                <a:tabLst/>
+              </a:pPr>
+              <a:r>
+                <a:rPr kumimoji="0" lang="de-DE" sz="1800" b="0" i="0" u="none" strike="noStrike" kern="0" cap="none" spc="0" normalizeH="0" baseline="0" noProof="0" dirty="0" err="1">
+                  <a:ln>
+                    <a:noFill/>
+                  </a:ln>
+                  <a:effectLst/>
+                  <a:uLnTx/>
+                  <a:uFillTx/>
+                  <a:ea typeface="Arial Unicode MS" pitchFamily="34" charset="-128"/>
+                  <a:cs typeface="Arial Unicode MS" pitchFamily="34" charset="-128"/>
+                </a:rPr>
+                <a:t>config</a:t>
+              </a:r>
+              <a:endParaRPr kumimoji="0" lang="de-DE" sz="1800" b="0" i="0" u="none" strike="noStrike" kern="0" cap="none" spc="0" normalizeH="0" baseline="0" noProof="0" dirty="0">
+                <a:ln>
+                  <a:noFill/>
+                </a:ln>
+                <a:effectLst/>
+                <a:uLnTx/>
+                <a:uFillTx/>
+                <a:ea typeface="Arial Unicode MS" pitchFamily="34" charset="-128"/>
+                <a:cs typeface="Arial Unicode MS" pitchFamily="34" charset="-128"/>
+              </a:endParaRPr>
+            </a:p>
+          </p:txBody>
+        </p:sp>
+        <p:sp>
+          <p:nvSpPr>
+            <p:cNvPr id="10" name="Cylinder 9"/>
+            <p:cNvSpPr/>
+            <p:nvPr/>
+          </p:nvSpPr>
+          <p:spPr bwMode="gray">
+            <a:xfrm>
+              <a:off x="6481870" y="5248563"/>
+              <a:ext cx="998220" cy="1004248"/>
+            </a:xfrm>
+            <a:prstGeom prst="can">
+              <a:avLst/>
+            </a:prstGeom>
+            <a:ln>
+              <a:headEnd/>
+              <a:tailEnd/>
+            </a:ln>
+          </p:spPr>
+          <p:style>
+            <a:lnRef idx="2">
+              <a:schemeClr val="accent4"/>
+            </a:lnRef>
+            <a:fillRef idx="1">
+              <a:schemeClr val="lt1"/>
+            </a:fillRef>
+            <a:effectRef idx="0">
+              <a:schemeClr val="accent4"/>
+            </a:effectRef>
+            <a:fontRef idx="minor">
+              <a:schemeClr val="dk1"/>
+            </a:fontRef>
+          </p:style>
+          <p:txBody>
+            <a:bodyPr lIns="90000" tIns="72000" rIns="90000" bIns="72000" rtlCol="0" anchor="ctr"/>
+            <a:lstStyle/>
+            <a:p>
+              <a:pPr marR="0" algn="ctr" defTabSz="914400" eaLnBrk="1" fontAlgn="base" latinLnBrk="0" hangingPunct="1">
+                <a:lnSpc>
+                  <a:spcPct val="100000"/>
+                </a:lnSpc>
+                <a:spcBef>
+                  <a:spcPct val="50000"/>
+                </a:spcBef>
+                <a:spcAft>
+                  <a:spcPct val="0"/>
+                </a:spcAft>
+                <a:buClr>
+                  <a:srgbClr val="F0AB00"/>
+                </a:buClr>
+                <a:buSzPct val="80000"/>
+                <a:tabLst/>
+              </a:pPr>
+              <a:r>
+                <a:rPr lang="de-DE" sz="1800" kern="0" dirty="0" err="1">
+                  <a:ea typeface="Arial Unicode MS" pitchFamily="34" charset="-128"/>
+                  <a:cs typeface="Arial Unicode MS" pitchFamily="34" charset="-128"/>
+                </a:rPr>
+                <a:t>tls</a:t>
+              </a:r>
+              <a:r>
+                <a:rPr lang="de-DE" sz="1800" kern="0" dirty="0">
+                  <a:ea typeface="Arial Unicode MS" pitchFamily="34" charset="-128"/>
+                  <a:cs typeface="Arial Unicode MS" pitchFamily="34" charset="-128"/>
+                </a:rPr>
+                <a:t> </a:t>
+              </a:r>
+              <a:r>
+                <a:rPr lang="de-DE" sz="1800" kern="0" dirty="0" err="1">
+                  <a:ea typeface="Arial Unicode MS" pitchFamily="34" charset="-128"/>
+                  <a:cs typeface="Arial Unicode MS" pitchFamily="34" charset="-128"/>
+                </a:rPr>
+                <a:t>certs</a:t>
+              </a:r>
+              <a:endParaRPr kumimoji="0" lang="de-DE" sz="1800" b="0" i="0" u="none" strike="noStrike" kern="0" cap="none" spc="0" normalizeH="0" baseline="0" noProof="0" dirty="0">
+                <a:ln>
+                  <a:noFill/>
+                </a:ln>
+                <a:effectLst/>
+                <a:uLnTx/>
+                <a:uFillTx/>
+                <a:ea typeface="Arial Unicode MS" pitchFamily="34" charset="-128"/>
+                <a:cs typeface="Arial Unicode MS" pitchFamily="34" charset="-128"/>
+              </a:endParaRPr>
+            </a:p>
+          </p:txBody>
+        </p:sp>
+      </p:grpSp>
+      <p:sp>
+        <p:nvSpPr>
+          <p:cNvPr id="16" name="Arrow: Up-Down 15"/>
+          <p:cNvSpPr/>
+          <p:nvPr/>
+        </p:nvSpPr>
+        <p:spPr bwMode="gray">
+          <a:xfrm>
+            <a:off x="5657231" y="4702919"/>
+            <a:ext cx="222219" cy="635300"/>
+          </a:xfrm>
+          <a:prstGeom prst="upDownArrow">
+            <a:avLst/>
+          </a:prstGeom>
+          <a:solidFill>
+            <a:schemeClr val="accent4"/>
+          </a:solidFill>
+          <a:ln w="6350" algn="ctr">
+            <a:noFill/>
+            <a:miter lim="800000"/>
+            <a:headEnd/>
+            <a:tailEnd/>
+          </a:ln>
+        </p:spPr>
+        <p:txBody>
+          <a:bodyPr lIns="90000" tIns="72000" rIns="90000" bIns="72000" rtlCol="0" anchor="ctr"/>
+          <a:lstStyle/>
+          <a:p>
+            <a:pPr marR="0" algn="ctr" defTabSz="914400" eaLnBrk="1" fontAlgn="base" latinLnBrk="0" hangingPunct="1">
+              <a:lnSpc>
+                <a:spcPct val="100000"/>
+              </a:lnSpc>
+              <a:spcBef>
+                <a:spcPct val="50000"/>
+              </a:spcBef>
+              <a:spcAft>
+                <a:spcPct val="0"/>
+              </a:spcAft>
+              <a:buClr>
+                <a:srgbClr val="F0AB00"/>
+              </a:buClr>
+              <a:buSzPct val="80000"/>
+              <a:tabLst/>
+            </a:pPr>
+            <a:endParaRPr kumimoji="0" lang="en-US" sz="1800" b="0" i="0" u="none" strike="noStrike" kern="0" cap="none" spc="0" normalizeH="0" baseline="0" noProof="0" dirty="0" err="1">
+              <a:ln>
+                <a:noFill/>
+              </a:ln>
+              <a:effectLst/>
+              <a:uLnTx/>
+              <a:uFillTx/>
+              <a:ea typeface="Arial Unicode MS" pitchFamily="34" charset="-128"/>
+              <a:cs typeface="Arial Unicode MS" pitchFamily="34" charset="-128"/>
+            </a:endParaRPr>
+          </a:p>
+        </p:txBody>
+      </p:sp>
+      <p:sp>
+        <p:nvSpPr>
+          <p:cNvPr id="17" name="Cloud 16"/>
+          <p:cNvSpPr/>
+          <p:nvPr/>
+        </p:nvSpPr>
+        <p:spPr bwMode="gray">
+          <a:xfrm>
+            <a:off x="4077318" y="1007399"/>
+            <a:ext cx="3382042" cy="807791"/>
+          </a:xfrm>
+          <a:prstGeom prst="cloud">
+            <a:avLst/>
+          </a:prstGeom>
+          <a:solidFill>
+            <a:schemeClr val="accent1"/>
+          </a:solidFill>
+          <a:ln w="6350" algn="ctr">
+            <a:noFill/>
+            <a:miter lim="800000"/>
+            <a:headEnd/>
+            <a:tailEnd/>
+          </a:ln>
+        </p:spPr>
+        <p:txBody>
+          <a:bodyPr lIns="90000" tIns="72000" rIns="90000" bIns="72000" rtlCol="0" anchor="ctr"/>
+          <a:lstStyle/>
+          <a:p>
+            <a:pPr marR="0" algn="ctr" defTabSz="914400" eaLnBrk="1" fontAlgn="base" latinLnBrk="0" hangingPunct="1">
+              <a:lnSpc>
+                <a:spcPct val="100000"/>
+              </a:lnSpc>
+              <a:spcBef>
+                <a:spcPct val="50000"/>
+              </a:spcBef>
+              <a:spcAft>
+                <a:spcPct val="0"/>
+              </a:spcAft>
+              <a:buClr>
+                <a:srgbClr val="F0AB00"/>
+              </a:buClr>
+              <a:buSzPct val="80000"/>
+              <a:tabLst/>
+            </a:pPr>
+            <a:endParaRPr kumimoji="0" lang="en-US" sz="1800" b="0" i="0" u="none" strike="noStrike" kern="0" cap="none" spc="0" normalizeH="0" baseline="0" noProof="0" dirty="0" err="1">
+              <a:ln>
+                <a:noFill/>
+              </a:ln>
+              <a:effectLst/>
+              <a:uLnTx/>
+              <a:uFillTx/>
+              <a:ea typeface="Arial Unicode MS" pitchFamily="34" charset="-128"/>
+              <a:cs typeface="Arial Unicode MS" pitchFamily="34" charset="-128"/>
+            </a:endParaRPr>
+          </a:p>
+        </p:txBody>
+      </p:sp>
+      <p:grpSp>
+        <p:nvGrpSpPr>
+          <p:cNvPr id="27" name="Group 26"/>
+          <p:cNvGrpSpPr/>
+          <p:nvPr/>
+        </p:nvGrpSpPr>
+        <p:grpSpPr>
+          <a:xfrm>
+            <a:off x="4165925" y="2129720"/>
+            <a:ext cx="3204830" cy="681069"/>
+            <a:chOff x="2697480" y="2743200"/>
+            <a:chExt cx="6187440" cy="2034540"/>
+          </a:xfrm>
+        </p:grpSpPr>
+        <p:sp>
+          <p:nvSpPr>
+            <p:cNvPr id="28" name="Rectangle: Rounded Corners 27"/>
+            <p:cNvSpPr/>
+            <p:nvPr/>
+          </p:nvSpPr>
+          <p:spPr bwMode="gray">
+            <a:xfrm>
+              <a:off x="2697480" y="2743200"/>
+              <a:ext cx="6187440" cy="2034540"/>
+            </a:xfrm>
+            <a:prstGeom prst="roundRect">
+              <a:avLst/>
+            </a:prstGeom>
+            <a:ln>
+              <a:headEnd/>
+              <a:tailEnd/>
+            </a:ln>
+          </p:spPr>
+          <p:style>
+            <a:lnRef idx="2">
+              <a:schemeClr val="accent4"/>
+            </a:lnRef>
+            <a:fillRef idx="1">
+              <a:schemeClr val="lt1"/>
+            </a:fillRef>
+            <a:effectRef idx="0">
+              <a:schemeClr val="accent4"/>
+            </a:effectRef>
+            <a:fontRef idx="minor">
+              <a:schemeClr val="dk1"/>
+            </a:fontRef>
+          </p:style>
+          <p:txBody>
+            <a:bodyPr lIns="90000" tIns="72000" rIns="90000" bIns="72000" rtlCol="0" anchor="ctr"/>
+            <a:lstStyle/>
+            <a:p>
+              <a:pPr marR="0" algn="ctr" defTabSz="914400" eaLnBrk="1" fontAlgn="base" latinLnBrk="0" hangingPunct="1">
+                <a:lnSpc>
+                  <a:spcPct val="100000"/>
+                </a:lnSpc>
+                <a:spcBef>
+                  <a:spcPct val="50000"/>
+                </a:spcBef>
+                <a:spcAft>
+                  <a:spcPct val="0"/>
+                </a:spcAft>
+                <a:buClr>
+                  <a:srgbClr val="F0AB00"/>
+                </a:buClr>
+                <a:buSzPct val="80000"/>
+                <a:tabLst/>
+              </a:pPr>
+              <a:endParaRPr kumimoji="0" lang="en-US" sz="1800" b="0" i="0" u="none" strike="noStrike" kern="0" cap="none" spc="0" normalizeH="0" baseline="0" noProof="0" dirty="0" err="1">
+                <a:ln>
+                  <a:noFill/>
+                </a:ln>
+                <a:effectLst/>
+                <a:uLnTx/>
+                <a:uFillTx/>
+                <a:ea typeface="Arial Unicode MS" pitchFamily="34" charset="-128"/>
+                <a:cs typeface="Arial Unicode MS" pitchFamily="34" charset="-128"/>
+              </a:endParaRPr>
+            </a:p>
+          </p:txBody>
+        </p:sp>
+        <p:sp>
+          <p:nvSpPr>
+            <p:cNvPr id="29" name="Rectangle 28"/>
+            <p:cNvSpPr/>
+            <p:nvPr/>
+          </p:nvSpPr>
+          <p:spPr bwMode="gray">
+            <a:xfrm>
+              <a:off x="3493771" y="3130180"/>
+              <a:ext cx="4594857" cy="1156257"/>
+            </a:xfrm>
+            <a:prstGeom prst="rect">
+              <a:avLst/>
+            </a:prstGeom>
+            <a:ln>
+              <a:headEnd/>
+              <a:tailEnd/>
+            </a:ln>
+          </p:spPr>
+          <p:style>
+            <a:lnRef idx="2">
+              <a:schemeClr val="accent4"/>
+            </a:lnRef>
+            <a:fillRef idx="1">
+              <a:schemeClr val="lt1"/>
+            </a:fillRef>
+            <a:effectRef idx="0">
+              <a:schemeClr val="accent4"/>
+            </a:effectRef>
+            <a:fontRef idx="minor">
+              <a:schemeClr val="dk1"/>
+            </a:fontRef>
+          </p:style>
+          <p:txBody>
+            <a:bodyPr lIns="90000" tIns="72000" rIns="90000" bIns="72000" rtlCol="0" anchor="ctr"/>
+            <a:lstStyle/>
+            <a:p>
+              <a:pPr marR="0" algn="ctr" defTabSz="914400" eaLnBrk="1" fontAlgn="base" latinLnBrk="0" hangingPunct="1">
+                <a:lnSpc>
+                  <a:spcPct val="100000"/>
+                </a:lnSpc>
+                <a:spcBef>
+                  <a:spcPct val="50000"/>
+                </a:spcBef>
+                <a:spcAft>
+                  <a:spcPct val="0"/>
+                </a:spcAft>
+                <a:buClr>
+                  <a:srgbClr val="F0AB00"/>
+                </a:buClr>
+                <a:buSzPct val="80000"/>
+                <a:tabLst/>
+              </a:pPr>
+              <a:r>
+                <a:rPr lang="de-DE" sz="1800" kern="0" dirty="0" err="1">
+                  <a:ea typeface="Arial Unicode MS" pitchFamily="34" charset="-128"/>
+                  <a:cs typeface="Arial Unicode MS" pitchFamily="34" charset="-128"/>
+                </a:rPr>
+                <a:t>service</a:t>
+              </a:r>
+              <a:r>
+                <a:rPr lang="de-DE" sz="1800" kern="0" dirty="0">
+                  <a:ea typeface="Arial Unicode MS" pitchFamily="34" charset="-128"/>
+                  <a:cs typeface="Arial Unicode MS" pitchFamily="34" charset="-128"/>
+                </a:rPr>
+                <a:t> http / https</a:t>
+              </a:r>
+              <a:endParaRPr kumimoji="0" lang="de-DE" sz="1800" b="0" i="0" u="none" strike="noStrike" kern="0" cap="none" spc="0" normalizeH="0" baseline="0" noProof="0" dirty="0">
+                <a:ln>
+                  <a:noFill/>
+                </a:ln>
+                <a:effectLst/>
+                <a:uLnTx/>
+                <a:uFillTx/>
+                <a:ea typeface="Arial Unicode MS" pitchFamily="34" charset="-128"/>
+                <a:cs typeface="Arial Unicode MS" pitchFamily="34" charset="-128"/>
+              </a:endParaRPr>
+            </a:p>
+          </p:txBody>
+        </p:sp>
+      </p:grpSp>
+      <p:sp>
+        <p:nvSpPr>
+          <p:cNvPr id="18" name="Arrow: Up-Down 17"/>
+          <p:cNvSpPr/>
+          <p:nvPr/>
+        </p:nvSpPr>
+        <p:spPr bwMode="gray">
+          <a:xfrm>
+            <a:off x="5657231" y="2669184"/>
+            <a:ext cx="222219" cy="686436"/>
+          </a:xfrm>
+          <a:prstGeom prst="upDownArrow">
+            <a:avLst/>
+          </a:prstGeom>
+          <a:solidFill>
+            <a:schemeClr val="accent4"/>
+          </a:solidFill>
+          <a:ln w="6350" algn="ctr">
+            <a:noFill/>
+            <a:miter lim="800000"/>
+            <a:headEnd/>
+            <a:tailEnd/>
+          </a:ln>
+        </p:spPr>
+        <p:txBody>
+          <a:bodyPr lIns="90000" tIns="72000" rIns="90000" bIns="72000" rtlCol="0" anchor="ctr"/>
+          <a:lstStyle/>
+          <a:p>
+            <a:pPr marR="0" algn="ctr" defTabSz="914400" eaLnBrk="1" fontAlgn="base" latinLnBrk="0" hangingPunct="1">
+              <a:lnSpc>
+                <a:spcPct val="100000"/>
+              </a:lnSpc>
+              <a:spcBef>
+                <a:spcPct val="50000"/>
+              </a:spcBef>
+              <a:spcAft>
+                <a:spcPct val="0"/>
+              </a:spcAft>
+              <a:buClr>
+                <a:srgbClr val="F0AB00"/>
+              </a:buClr>
+              <a:buSzPct val="80000"/>
+              <a:tabLst/>
+            </a:pPr>
+            <a:endParaRPr kumimoji="0" lang="en-US" sz="1800" b="0" i="0" u="none" strike="noStrike" kern="0" cap="none" spc="0" normalizeH="0" baseline="0" noProof="0" dirty="0" err="1">
+              <a:ln>
+                <a:noFill/>
+              </a:ln>
+              <a:effectLst/>
+              <a:uLnTx/>
+              <a:uFillTx/>
+              <a:ea typeface="Arial Unicode MS" pitchFamily="34" charset="-128"/>
+              <a:cs typeface="Arial Unicode MS" pitchFamily="34" charset="-128"/>
+            </a:endParaRPr>
+          </a:p>
+        </p:txBody>
+      </p:sp>
+      <p:sp>
+        <p:nvSpPr>
+          <p:cNvPr id="32" name="Arrow: Up-Down 31"/>
+          <p:cNvSpPr/>
+          <p:nvPr/>
+        </p:nvSpPr>
+        <p:spPr bwMode="gray">
+          <a:xfrm>
+            <a:off x="5657230" y="1585837"/>
+            <a:ext cx="222219" cy="686436"/>
+          </a:xfrm>
+          <a:prstGeom prst="upDownArrow">
+            <a:avLst/>
+          </a:prstGeom>
+          <a:solidFill>
+            <a:schemeClr val="accent4"/>
+          </a:solidFill>
+          <a:ln w="6350" algn="ctr">
+            <a:noFill/>
+            <a:miter lim="800000"/>
+            <a:headEnd/>
+            <a:tailEnd/>
+          </a:ln>
+        </p:spPr>
+        <p:txBody>
+          <a:bodyPr lIns="90000" tIns="72000" rIns="90000" bIns="72000" rtlCol="0" anchor="ctr"/>
+          <a:lstStyle/>
+          <a:p>
+            <a:pPr marR="0" algn="ctr" defTabSz="914400" eaLnBrk="1" fontAlgn="base" latinLnBrk="0" hangingPunct="1">
+              <a:lnSpc>
+                <a:spcPct val="100000"/>
+              </a:lnSpc>
+              <a:spcBef>
+                <a:spcPct val="50000"/>
+              </a:spcBef>
+              <a:spcAft>
+                <a:spcPct val="0"/>
+              </a:spcAft>
+              <a:buClr>
+                <a:srgbClr val="F0AB00"/>
+              </a:buClr>
+              <a:buSzPct val="80000"/>
+              <a:tabLst/>
+            </a:pPr>
+            <a:endParaRPr kumimoji="0" lang="en-US" sz="1800" b="0" i="0" u="none" strike="noStrike" kern="0" cap="none" spc="0" normalizeH="0" baseline="0" noProof="0" dirty="0" err="1">
+              <a:ln>
+                <a:noFill/>
+              </a:ln>
+              <a:effectLst/>
+              <a:uLnTx/>
+              <a:uFillTx/>
+              <a:ea typeface="Arial Unicode MS" pitchFamily="34" charset="-128"/>
+              <a:cs typeface="Arial Unicode MS" pitchFamily="34" charset="-128"/>
+            </a:endParaRPr>
+          </a:p>
+        </p:txBody>
+      </p:sp>
+    </p:spTree>
+    <p:extLst>
+      <p:ext uri="{BB962C8B-B14F-4D97-AF65-F5344CB8AC3E}">
+        <p14:creationId xmlns:p14="http://schemas.microsoft.com/office/powerpoint/2010/main" val="4085581448"/>
+      </p:ext>
+    </p:extLst>
+  </p:cSld>
+  <p:clrMapOvr>
+    <a:masterClrMapping/>
+  </p:clrMapOvr>
+</p:sld>
+</file>
+
+<file path=ppt/slides/slide11.xml><?xml version="1.0" encoding="utf-8"?>
+<p:sld xmlns:a="http://schemas.openxmlformats.org/drawingml/2006/main" xmlns:r="http://schemas.openxmlformats.org/officeDocument/2006/relationships" xmlns:p="http://schemas.openxmlformats.org/presentationml/2006/main" show="0">
+  <p:cSld>
+    <p:spTree>
+      <p:nvGrpSpPr>
+        <p:cNvPr id="1" name=""/>
+        <p:cNvGrpSpPr/>
+        <p:nvPr/>
+      </p:nvGrpSpPr>
+      <p:grpSpPr>
+        <a:xfrm>
+          <a:off x="0" y="0"/>
+          <a:ext cx="0" cy="0"/>
+          <a:chOff x="0" y="0"/>
+          <a:chExt cx="0" cy="0"/>
+        </a:xfrm>
+      </p:grpSpPr>
+    </p:spTree>
+  </p:cSld>
+  <p:clrMapOvr>
+    <a:masterClrMapping/>
+  </p:clrMapOvr>
+  <p:transition spd="med"/>
+</p:sld>
+</file>
+
 <file path=ppt/slides/slide2.xml><?xml version="1.0" encoding="utf-8"?>
 <p:sld xmlns:a="http://schemas.openxmlformats.org/drawingml/2006/main" xmlns:r="http://schemas.openxmlformats.org/officeDocument/2006/relationships" xmlns:p="http://schemas.openxmlformats.org/presentationml/2006/main">
   <p:cSld>
@@ -16405,6 +17962,88 @@
 </file>
 
 <file path=ppt/slides/slide5.xml><?xml version="1.0" encoding="utf-8"?>
+<p:sld xmlns:a="http://schemas.openxmlformats.org/drawingml/2006/main" xmlns:r="http://schemas.openxmlformats.org/officeDocument/2006/relationships" xmlns:p="http://schemas.openxmlformats.org/presentationml/2006/main">
+  <p:cSld>
+    <p:spTree>
+      <p:nvGrpSpPr>
+        <p:cNvPr id="1" name=""/>
+        <p:cNvGrpSpPr/>
+        <p:nvPr/>
+      </p:nvGrpSpPr>
+      <p:grpSpPr>
+        <a:xfrm>
+          <a:off x="0" y="0"/>
+          <a:ext cx="0" cy="0"/>
+          <a:chOff x="0" y="0"/>
+          <a:chExt cx="0" cy="0"/>
+        </a:xfrm>
+      </p:grpSpPr>
+      <p:sp>
+        <p:nvSpPr>
+          <p:cNvPr id="3" name="Title 2"/>
+          <p:cNvSpPr>
+            <a:spLocks noGrp="1"/>
+          </p:cNvSpPr>
+          <p:nvPr>
+            <p:ph type="title"/>
+          </p:nvPr>
+        </p:nvSpPr>
+        <p:spPr/>
+        <p:txBody>
+          <a:bodyPr/>
+          <a:lstStyle/>
+          <a:p>
+            <a:r>
+              <a:rPr lang="en-US" dirty="0"/>
+              <a:t>Demo</a:t>
+            </a:r>
+          </a:p>
+        </p:txBody>
+      </p:sp>
+      <p:pic>
+        <p:nvPicPr>
+          <p:cNvPr id="4" name="Picture 3">
+            <a:extLst>
+              <a:ext uri="{FF2B5EF4-FFF2-40B4-BE49-F238E27FC236}">
+                <a16:creationId xmlns:a16="http://schemas.microsoft.com/office/drawing/2014/main" id="{667C7630-D1BA-44ED-BD0C-E0F24DE56B91}"/>
+              </a:ext>
+            </a:extLst>
+          </p:cNvPr>
+          <p:cNvPicPr>
+            <a:picLocks noChangeAspect="1"/>
+          </p:cNvPicPr>
+          <p:nvPr/>
+        </p:nvPicPr>
+        <p:blipFill>
+          <a:blip r:embed="rId3"/>
+          <a:stretch>
+            <a:fillRect/>
+          </a:stretch>
+        </p:blipFill>
+        <p:spPr>
+          <a:xfrm>
+            <a:off x="3849419" y="1181180"/>
+            <a:ext cx="4495640" cy="4495640"/>
+          </a:xfrm>
+          <a:prstGeom prst="rect">
+            <a:avLst/>
+          </a:prstGeom>
+        </p:spPr>
+      </p:pic>
+    </p:spTree>
+    <p:extLst>
+      <p:ext uri="{BB962C8B-B14F-4D97-AF65-F5344CB8AC3E}">
+        <p14:creationId xmlns:p14="http://schemas.microsoft.com/office/powerpoint/2010/main" val="3012707076"/>
+      </p:ext>
+    </p:extLst>
+  </p:cSld>
+  <p:clrMapOvr>
+    <a:masterClrMapping/>
+  </p:clrMapOvr>
+</p:sld>
+</file>
+
+<file path=ppt/slides/slide6.xml><?xml version="1.0" encoding="utf-8"?>
 <p:sld xmlns:a="http://schemas.openxmlformats.org/drawingml/2006/main" xmlns:r="http://schemas.openxmlformats.org/officeDocument/2006/relationships" xmlns:p="http://schemas.openxmlformats.org/presentationml/2006/main">
   <p:cSld>
     <p:spTree>
@@ -17317,7 +18956,7 @@
 </p:sld>
 </file>
 
-<file path=ppt/slides/slide6.xml><?xml version="1.0" encoding="utf-8"?>
+<file path=ppt/slides/slide7.xml><?xml version="1.0" encoding="utf-8"?>
 <p:sld xmlns:a="http://schemas.openxmlformats.org/drawingml/2006/main" xmlns:r="http://schemas.openxmlformats.org/officeDocument/2006/relationships" xmlns:p="http://schemas.openxmlformats.org/presentationml/2006/main">
   <p:cSld>
     <p:spTree>
@@ -17697,7 +19336,7 @@
 </p:sld>
 </file>
 
-<file path=ppt/slides/slide7.xml><?xml version="1.0" encoding="utf-8"?>
+<file path=ppt/slides/slide8.xml><?xml version="1.0" encoding="utf-8"?>
 <p:sld xmlns:a="http://schemas.openxmlformats.org/drawingml/2006/main" xmlns:r="http://schemas.openxmlformats.org/officeDocument/2006/relationships" xmlns:p="http://schemas.openxmlformats.org/presentationml/2006/main">
   <p:cSld>
     <p:spTree>
@@ -18156,7 +19795,7 @@
 </p:sld>
 </file>
 
-<file path=ppt/slides/slide8.xml><?xml version="1.0" encoding="utf-8"?>
+<file path=ppt/slides/slide9.xml><?xml version="1.0" encoding="utf-8"?>
 <p:sld xmlns:a="http://schemas.openxmlformats.org/drawingml/2006/main" xmlns:r="http://schemas.openxmlformats.org/officeDocument/2006/relationships" xmlns:p="http://schemas.openxmlformats.org/presentationml/2006/main">
   <p:cSld>
     <p:spTree>
@@ -18190,1076 +19829,51 @@
           <a:p>
             <a:r>
               <a:rPr lang="en-US" dirty="0"/>
-              <a:t>Desired target state</a:t>
+              <a:t>Demo</a:t>
             </a:r>
           </a:p>
         </p:txBody>
       </p:sp>
-      <p:grpSp>
-        <p:nvGrpSpPr>
-          <p:cNvPr id="13" name="Group 12"/>
-          <p:cNvGrpSpPr/>
+      <p:pic>
+        <p:nvPicPr>
+          <p:cNvPr id="4" name="Picture 3">
+            <a:extLst>
+              <a:ext uri="{FF2B5EF4-FFF2-40B4-BE49-F238E27FC236}">
+                <a16:creationId xmlns:a16="http://schemas.microsoft.com/office/drawing/2014/main" id="{667C7630-D1BA-44ED-BD0C-E0F24DE56B91}"/>
+              </a:ext>
+            </a:extLst>
+          </p:cNvPr>
+          <p:cNvPicPr>
+            <a:picLocks noChangeAspect="1"/>
+          </p:cNvPicPr>
           <p:nvPr/>
-        </p:nvGrpSpPr>
-        <p:grpSpPr>
+        </p:nvPicPr>
+        <p:blipFill>
+          <a:blip r:embed="rId3"/>
+          <a:stretch>
+            <a:fillRect/>
+          </a:stretch>
+        </p:blipFill>
+        <p:spPr>
           <a:xfrm>
-            <a:off x="2674620" y="3124200"/>
-            <a:ext cx="6187440" cy="1752600"/>
-            <a:chOff x="2697480" y="2743200"/>
-            <a:chExt cx="6187440" cy="2034540"/>
+            <a:off x="3849419" y="1181180"/>
+            <a:ext cx="4495640" cy="4495640"/>
           </a:xfrm>
-        </p:grpSpPr>
-        <p:sp>
-          <p:nvSpPr>
-            <p:cNvPr id="12" name="Rectangle: Rounded Corners 11"/>
-            <p:cNvSpPr/>
-            <p:nvPr/>
-          </p:nvSpPr>
-          <p:spPr bwMode="gray">
-            <a:xfrm>
-              <a:off x="2697480" y="2743200"/>
-              <a:ext cx="6187440" cy="2034540"/>
-            </a:xfrm>
-            <a:prstGeom prst="roundRect">
-              <a:avLst/>
-            </a:prstGeom>
-            <a:ln>
-              <a:headEnd/>
-              <a:tailEnd/>
-            </a:ln>
-          </p:spPr>
-          <p:style>
-            <a:lnRef idx="2">
-              <a:schemeClr val="accent4"/>
-            </a:lnRef>
-            <a:fillRef idx="1">
-              <a:schemeClr val="lt1"/>
-            </a:fillRef>
-            <a:effectRef idx="0">
-              <a:schemeClr val="accent4"/>
-            </a:effectRef>
-            <a:fontRef idx="minor">
-              <a:schemeClr val="dk1"/>
-            </a:fontRef>
-          </p:style>
-          <p:txBody>
-            <a:bodyPr lIns="90000" tIns="72000" rIns="90000" bIns="72000" rtlCol="0" anchor="ctr"/>
-            <a:lstStyle/>
-            <a:p>
-              <a:pPr marR="0" algn="ctr" defTabSz="914400" eaLnBrk="1" fontAlgn="base" latinLnBrk="0" hangingPunct="1">
-                <a:lnSpc>
-                  <a:spcPct val="100000"/>
-                </a:lnSpc>
-                <a:spcBef>
-                  <a:spcPct val="50000"/>
-                </a:spcBef>
-                <a:spcAft>
-                  <a:spcPct val="0"/>
-                </a:spcAft>
-                <a:buClr>
-                  <a:srgbClr val="F0AB00"/>
-                </a:buClr>
-                <a:buSzPct val="80000"/>
-                <a:tabLst/>
-              </a:pPr>
-              <a:endParaRPr kumimoji="0" lang="en-US" sz="1800" b="0" i="0" u="none" strike="noStrike" kern="0" cap="none" spc="0" normalizeH="0" baseline="0" noProof="0" dirty="0" err="1">
-                <a:ln>
-                  <a:noFill/>
-                </a:ln>
-                <a:effectLst/>
-                <a:uLnTx/>
-                <a:uFillTx/>
-                <a:ea typeface="Arial Unicode MS" pitchFamily="34" charset="-128"/>
-                <a:cs typeface="Arial Unicode MS" pitchFamily="34" charset="-128"/>
-              </a:endParaRPr>
-            </a:p>
-          </p:txBody>
-        </p:sp>
-        <p:sp>
-          <p:nvSpPr>
-            <p:cNvPr id="4" name="Rectangle 3"/>
-            <p:cNvSpPr/>
-            <p:nvPr/>
-          </p:nvSpPr>
-          <p:spPr bwMode="gray">
-            <a:xfrm>
-              <a:off x="2989653" y="3164976"/>
-              <a:ext cx="1627931" cy="1156258"/>
-            </a:xfrm>
-            <a:prstGeom prst="rect">
-              <a:avLst/>
-            </a:prstGeom>
-            <a:ln>
-              <a:headEnd/>
-              <a:tailEnd/>
-            </a:ln>
-          </p:spPr>
-          <p:style>
-            <a:lnRef idx="2">
-              <a:schemeClr val="accent4"/>
-            </a:lnRef>
-            <a:fillRef idx="1">
-              <a:schemeClr val="lt1"/>
-            </a:fillRef>
-            <a:effectRef idx="0">
-              <a:schemeClr val="accent4"/>
-            </a:effectRef>
-            <a:fontRef idx="minor">
-              <a:schemeClr val="dk1"/>
-            </a:fontRef>
-          </p:style>
-          <p:txBody>
-            <a:bodyPr lIns="90000" tIns="72000" rIns="90000" bIns="72000" rtlCol="0" anchor="ctr"/>
-            <a:lstStyle/>
-            <a:p>
-              <a:pPr marR="0" algn="ctr" defTabSz="914400" eaLnBrk="1" fontAlgn="base" latinLnBrk="0" hangingPunct="1">
-                <a:lnSpc>
-                  <a:spcPct val="100000"/>
-                </a:lnSpc>
-                <a:spcBef>
-                  <a:spcPct val="50000"/>
-                </a:spcBef>
-                <a:spcAft>
-                  <a:spcPct val="0"/>
-                </a:spcAft>
-                <a:buClr>
-                  <a:srgbClr val="F0AB00"/>
-                </a:buClr>
-                <a:buSzPct val="80000"/>
-                <a:tabLst/>
-              </a:pPr>
-              <a:r>
-                <a:rPr lang="de-DE" sz="1800" kern="0" dirty="0" err="1">
-                  <a:ea typeface="Arial Unicode MS" pitchFamily="34" charset="-128"/>
-                  <a:cs typeface="Arial Unicode MS" pitchFamily="34" charset="-128"/>
-                </a:rPr>
-                <a:t>nginx</a:t>
-              </a:r>
-              <a:endParaRPr kumimoji="0" lang="de-DE" sz="1800" b="0" i="0" u="none" strike="noStrike" kern="0" cap="none" spc="0" normalizeH="0" baseline="0" noProof="0" dirty="0">
-                <a:ln>
-                  <a:noFill/>
-                </a:ln>
-                <a:effectLst/>
-                <a:uLnTx/>
-                <a:uFillTx/>
-                <a:ea typeface="Arial Unicode MS" pitchFamily="34" charset="-128"/>
-                <a:cs typeface="Arial Unicode MS" pitchFamily="34" charset="-128"/>
-              </a:endParaRPr>
-            </a:p>
-          </p:txBody>
-        </p:sp>
-        <p:sp>
-          <p:nvSpPr>
-            <p:cNvPr id="6" name="Rectangle 5"/>
-            <p:cNvSpPr/>
-            <p:nvPr/>
-          </p:nvSpPr>
-          <p:spPr bwMode="gray">
-            <a:xfrm>
-              <a:off x="6855115" y="3164976"/>
-              <a:ext cx="1627931" cy="1156258"/>
-            </a:xfrm>
-            <a:prstGeom prst="rect">
-              <a:avLst/>
-            </a:prstGeom>
-            <a:ln>
-              <a:headEnd/>
-              <a:tailEnd/>
-            </a:ln>
-          </p:spPr>
-          <p:style>
-            <a:lnRef idx="2">
-              <a:schemeClr val="accent4"/>
-            </a:lnRef>
-            <a:fillRef idx="1">
-              <a:schemeClr val="lt1"/>
-            </a:fillRef>
-            <a:effectRef idx="0">
-              <a:schemeClr val="accent4"/>
-            </a:effectRef>
-            <a:fontRef idx="minor">
-              <a:schemeClr val="dk1"/>
-            </a:fontRef>
-          </p:style>
-          <p:txBody>
-            <a:bodyPr lIns="90000" tIns="72000" rIns="90000" bIns="72000" rtlCol="0" anchor="ctr"/>
-            <a:lstStyle/>
-            <a:p>
-              <a:pPr marR="0" algn="ctr" defTabSz="914400" eaLnBrk="1" fontAlgn="base" latinLnBrk="0" hangingPunct="1">
-                <a:lnSpc>
-                  <a:spcPct val="100000"/>
-                </a:lnSpc>
-                <a:spcBef>
-                  <a:spcPct val="50000"/>
-                </a:spcBef>
-                <a:spcAft>
-                  <a:spcPct val="0"/>
-                </a:spcAft>
-                <a:buClr>
-                  <a:srgbClr val="F0AB00"/>
-                </a:buClr>
-                <a:buSzPct val="80000"/>
-                <a:tabLst/>
-              </a:pPr>
-              <a:r>
-                <a:rPr lang="de-DE" sz="1800" kern="0" dirty="0" err="1">
-                  <a:ea typeface="Arial Unicode MS" pitchFamily="34" charset="-128"/>
-                  <a:cs typeface="Arial Unicode MS" pitchFamily="34" charset="-128"/>
-                </a:rPr>
-                <a:t>nginx</a:t>
-              </a:r>
-              <a:endParaRPr kumimoji="0" lang="de-DE" sz="1800" b="0" i="0" u="none" strike="noStrike" kern="0" cap="none" spc="0" normalizeH="0" baseline="0" noProof="0" dirty="0">
-                <a:ln>
-                  <a:noFill/>
-                </a:ln>
-                <a:effectLst/>
-                <a:uLnTx/>
-                <a:uFillTx/>
-                <a:ea typeface="Arial Unicode MS" pitchFamily="34" charset="-128"/>
-                <a:cs typeface="Arial Unicode MS" pitchFamily="34" charset="-128"/>
-              </a:endParaRPr>
-            </a:p>
-          </p:txBody>
-        </p:sp>
-        <p:sp>
-          <p:nvSpPr>
-            <p:cNvPr id="7" name="Rectangle 6"/>
-            <p:cNvSpPr/>
-            <p:nvPr/>
-          </p:nvSpPr>
-          <p:spPr bwMode="gray">
-            <a:xfrm>
-              <a:off x="4922384" y="3164976"/>
-              <a:ext cx="1627931" cy="1156258"/>
-            </a:xfrm>
-            <a:prstGeom prst="rect">
-              <a:avLst/>
-            </a:prstGeom>
-            <a:ln>
-              <a:headEnd/>
-              <a:tailEnd/>
-            </a:ln>
-          </p:spPr>
-          <p:style>
-            <a:lnRef idx="2">
-              <a:schemeClr val="accent4"/>
-            </a:lnRef>
-            <a:fillRef idx="1">
-              <a:schemeClr val="lt1"/>
-            </a:fillRef>
-            <a:effectRef idx="0">
-              <a:schemeClr val="accent4"/>
-            </a:effectRef>
-            <a:fontRef idx="minor">
-              <a:schemeClr val="dk1"/>
-            </a:fontRef>
-          </p:style>
-          <p:txBody>
-            <a:bodyPr lIns="90000" tIns="72000" rIns="90000" bIns="72000" rtlCol="0" anchor="ctr"/>
-            <a:lstStyle/>
-            <a:p>
-              <a:pPr marR="0" algn="ctr" defTabSz="914400" eaLnBrk="1" fontAlgn="base" latinLnBrk="0" hangingPunct="1">
-                <a:lnSpc>
-                  <a:spcPct val="100000"/>
-                </a:lnSpc>
-                <a:spcBef>
-                  <a:spcPct val="50000"/>
-                </a:spcBef>
-                <a:spcAft>
-                  <a:spcPct val="0"/>
-                </a:spcAft>
-                <a:buClr>
-                  <a:srgbClr val="F0AB00"/>
-                </a:buClr>
-                <a:buSzPct val="80000"/>
-                <a:tabLst/>
-              </a:pPr>
-              <a:r>
-                <a:rPr lang="de-DE" sz="1800" kern="0" dirty="0" err="1">
-                  <a:ea typeface="Arial Unicode MS" pitchFamily="34" charset="-128"/>
-                  <a:cs typeface="Arial Unicode MS" pitchFamily="34" charset="-128"/>
-                </a:rPr>
-                <a:t>nginx</a:t>
-              </a:r>
-              <a:endParaRPr kumimoji="0" lang="de-DE" sz="1800" b="0" i="0" u="none" strike="noStrike" kern="0" cap="none" spc="0" normalizeH="0" baseline="0" noProof="0" dirty="0">
-                <a:ln>
-                  <a:noFill/>
-                </a:ln>
-                <a:effectLst/>
-                <a:uLnTx/>
-                <a:uFillTx/>
-                <a:ea typeface="Arial Unicode MS" pitchFamily="34" charset="-128"/>
-                <a:cs typeface="Arial Unicode MS" pitchFamily="34" charset="-128"/>
-              </a:endParaRPr>
-            </a:p>
-          </p:txBody>
-        </p:sp>
-      </p:grpSp>
-      <p:grpSp>
-        <p:nvGrpSpPr>
-          <p:cNvPr id="15" name="Group 14"/>
-          <p:cNvGrpSpPr/>
-          <p:nvPr/>
-        </p:nvGrpSpPr>
-        <p:grpSpPr>
-          <a:xfrm>
-            <a:off x="3482340" y="5191896"/>
-            <a:ext cx="4572000" cy="1363980"/>
-            <a:chOff x="3421380" y="5067300"/>
-            <a:chExt cx="4572000" cy="1363980"/>
-          </a:xfrm>
-        </p:grpSpPr>
-        <p:sp>
-          <p:nvSpPr>
-            <p:cNvPr id="14" name="Rectangle: Rounded Corners 13"/>
-            <p:cNvSpPr/>
-            <p:nvPr/>
-          </p:nvSpPr>
-          <p:spPr bwMode="gray">
-            <a:xfrm>
-              <a:off x="3421380" y="5067300"/>
-              <a:ext cx="4572000" cy="1363980"/>
-            </a:xfrm>
-            <a:prstGeom prst="roundRect">
-              <a:avLst/>
-            </a:prstGeom>
-            <a:ln>
-              <a:headEnd/>
-              <a:tailEnd/>
-            </a:ln>
-          </p:spPr>
-          <p:style>
-            <a:lnRef idx="2">
-              <a:schemeClr val="accent4"/>
-            </a:lnRef>
-            <a:fillRef idx="1">
-              <a:schemeClr val="lt1"/>
-            </a:fillRef>
-            <a:effectRef idx="0">
-              <a:schemeClr val="accent4"/>
-            </a:effectRef>
-            <a:fontRef idx="minor">
-              <a:schemeClr val="dk1"/>
-            </a:fontRef>
-          </p:style>
-          <p:txBody>
-            <a:bodyPr lIns="90000" tIns="72000" rIns="90000" bIns="72000" rtlCol="0" anchor="ctr"/>
-            <a:lstStyle/>
-            <a:p>
-              <a:pPr marR="0" algn="ctr" defTabSz="914400" eaLnBrk="1" fontAlgn="base" latinLnBrk="0" hangingPunct="1">
-                <a:lnSpc>
-                  <a:spcPct val="100000"/>
-                </a:lnSpc>
-                <a:spcBef>
-                  <a:spcPct val="50000"/>
-                </a:spcBef>
-                <a:spcAft>
-                  <a:spcPct val="0"/>
-                </a:spcAft>
-                <a:buClr>
-                  <a:srgbClr val="F0AB00"/>
-                </a:buClr>
-                <a:buSzPct val="80000"/>
-                <a:tabLst/>
-              </a:pPr>
-              <a:endParaRPr kumimoji="0" lang="en-US" sz="1800" b="0" i="0" u="none" strike="noStrike" kern="0" cap="none" spc="0" normalizeH="0" baseline="0" noProof="0" dirty="0" err="1">
-                <a:ln>
-                  <a:noFill/>
-                </a:ln>
-                <a:effectLst/>
-                <a:uLnTx/>
-                <a:uFillTx/>
-                <a:ea typeface="Arial Unicode MS" pitchFamily="34" charset="-128"/>
-                <a:cs typeface="Arial Unicode MS" pitchFamily="34" charset="-128"/>
-              </a:endParaRPr>
-            </a:p>
-          </p:txBody>
-        </p:sp>
-        <p:sp>
-          <p:nvSpPr>
-            <p:cNvPr id="8" name="Cylinder 7"/>
-            <p:cNvSpPr/>
-            <p:nvPr/>
-          </p:nvSpPr>
-          <p:spPr bwMode="gray">
-            <a:xfrm>
-              <a:off x="3946888" y="5248563"/>
-              <a:ext cx="998220" cy="1004248"/>
-            </a:xfrm>
-            <a:prstGeom prst="can">
-              <a:avLst/>
-            </a:prstGeom>
-            <a:ln>
-              <a:headEnd/>
-              <a:tailEnd/>
-            </a:ln>
-          </p:spPr>
-          <p:style>
-            <a:lnRef idx="2">
-              <a:schemeClr val="accent4"/>
-            </a:lnRef>
-            <a:fillRef idx="1">
-              <a:schemeClr val="lt1"/>
-            </a:fillRef>
-            <a:effectRef idx="0">
-              <a:schemeClr val="accent4"/>
-            </a:effectRef>
-            <a:fontRef idx="minor">
-              <a:schemeClr val="dk1"/>
-            </a:fontRef>
-          </p:style>
-          <p:txBody>
-            <a:bodyPr lIns="90000" tIns="72000" rIns="90000" bIns="72000" rtlCol="0" anchor="ctr"/>
-            <a:lstStyle/>
-            <a:p>
-              <a:pPr marR="0" algn="ctr" defTabSz="914400" eaLnBrk="1" fontAlgn="base" latinLnBrk="0" hangingPunct="1">
-                <a:lnSpc>
-                  <a:spcPct val="100000"/>
-                </a:lnSpc>
-                <a:spcBef>
-                  <a:spcPct val="50000"/>
-                </a:spcBef>
-                <a:spcAft>
-                  <a:spcPct val="0"/>
-                </a:spcAft>
-                <a:buClr>
-                  <a:srgbClr val="F0AB00"/>
-                </a:buClr>
-                <a:buSzPct val="80000"/>
-                <a:tabLst/>
-              </a:pPr>
-              <a:r>
-                <a:rPr lang="de-DE" sz="1800" kern="0" dirty="0" err="1">
-                  <a:ea typeface="Arial Unicode MS" pitchFamily="34" charset="-128"/>
-                  <a:cs typeface="Arial Unicode MS" pitchFamily="34" charset="-128"/>
-                </a:rPr>
-                <a:t>custom</a:t>
-              </a:r>
-              <a:r>
-                <a:rPr lang="de-DE" sz="1800" kern="0" dirty="0">
-                  <a:ea typeface="Arial Unicode MS" pitchFamily="34" charset="-128"/>
-                  <a:cs typeface="Arial Unicode MS" pitchFamily="34" charset="-128"/>
-                </a:rPr>
-                <a:t> </a:t>
-              </a:r>
-              <a:r>
-                <a:rPr kumimoji="0" lang="de-DE" sz="1800" b="0" i="0" u="none" strike="noStrike" kern="0" cap="none" spc="0" normalizeH="0" baseline="0" noProof="0" dirty="0" err="1">
-                  <a:ln>
-                    <a:noFill/>
-                  </a:ln>
-                  <a:effectLst/>
-                  <a:uLnTx/>
-                  <a:uFillTx/>
-                  <a:ea typeface="Arial Unicode MS" pitchFamily="34" charset="-128"/>
-                  <a:cs typeface="Arial Unicode MS" pitchFamily="34" charset="-128"/>
-                </a:rPr>
-                <a:t>content</a:t>
-              </a:r>
-              <a:endParaRPr kumimoji="0" lang="de-DE" sz="1800" b="0" i="0" u="none" strike="noStrike" kern="0" cap="none" spc="0" normalizeH="0" baseline="0" noProof="0" dirty="0">
-                <a:ln>
-                  <a:noFill/>
-                </a:ln>
-                <a:effectLst/>
-                <a:uLnTx/>
-                <a:uFillTx/>
-                <a:ea typeface="Arial Unicode MS" pitchFamily="34" charset="-128"/>
-                <a:cs typeface="Arial Unicode MS" pitchFamily="34" charset="-128"/>
-              </a:endParaRPr>
-            </a:p>
-          </p:txBody>
-        </p:sp>
-        <p:sp>
-          <p:nvSpPr>
-            <p:cNvPr id="9" name="Cylinder 8"/>
-            <p:cNvSpPr/>
-            <p:nvPr/>
-          </p:nvSpPr>
-          <p:spPr bwMode="gray">
-            <a:xfrm>
-              <a:off x="5214379" y="5248563"/>
-              <a:ext cx="998220" cy="1004248"/>
-            </a:xfrm>
-            <a:prstGeom prst="can">
-              <a:avLst/>
-            </a:prstGeom>
-            <a:ln>
-              <a:headEnd/>
-              <a:tailEnd/>
-            </a:ln>
-          </p:spPr>
-          <p:style>
-            <a:lnRef idx="2">
-              <a:schemeClr val="accent4"/>
-            </a:lnRef>
-            <a:fillRef idx="1">
-              <a:schemeClr val="lt1"/>
-            </a:fillRef>
-            <a:effectRef idx="0">
-              <a:schemeClr val="accent4"/>
-            </a:effectRef>
-            <a:fontRef idx="minor">
-              <a:schemeClr val="dk1"/>
-            </a:fontRef>
-          </p:style>
-          <p:txBody>
-            <a:bodyPr lIns="90000" tIns="72000" rIns="90000" bIns="72000" rtlCol="0" anchor="ctr"/>
-            <a:lstStyle/>
-            <a:p>
-              <a:pPr marR="0" algn="ctr" defTabSz="914400" eaLnBrk="1" fontAlgn="base" latinLnBrk="0" hangingPunct="1">
-                <a:lnSpc>
-                  <a:spcPct val="100000"/>
-                </a:lnSpc>
-                <a:spcBef>
-                  <a:spcPct val="50000"/>
-                </a:spcBef>
-                <a:spcAft>
-                  <a:spcPct val="0"/>
-                </a:spcAft>
-                <a:buClr>
-                  <a:srgbClr val="F0AB00"/>
-                </a:buClr>
-                <a:buSzPct val="80000"/>
-                <a:tabLst/>
-              </a:pPr>
-              <a:r>
-                <a:rPr kumimoji="0" lang="de-DE" sz="1800" b="0" i="0" u="none" strike="noStrike" kern="0" cap="none" spc="0" normalizeH="0" baseline="0" noProof="0" dirty="0" err="1">
-                  <a:ln>
-                    <a:noFill/>
-                  </a:ln>
-                  <a:effectLst/>
-                  <a:uLnTx/>
-                  <a:uFillTx/>
-                  <a:ea typeface="Arial Unicode MS" pitchFamily="34" charset="-128"/>
-                  <a:cs typeface="Arial Unicode MS" pitchFamily="34" charset="-128"/>
-                </a:rPr>
-                <a:t>config</a:t>
-              </a:r>
-              <a:endParaRPr kumimoji="0" lang="de-DE" sz="1800" b="0" i="0" u="none" strike="noStrike" kern="0" cap="none" spc="0" normalizeH="0" baseline="0" noProof="0" dirty="0">
-                <a:ln>
-                  <a:noFill/>
-                </a:ln>
-                <a:effectLst/>
-                <a:uLnTx/>
-                <a:uFillTx/>
-                <a:ea typeface="Arial Unicode MS" pitchFamily="34" charset="-128"/>
-                <a:cs typeface="Arial Unicode MS" pitchFamily="34" charset="-128"/>
-              </a:endParaRPr>
-            </a:p>
-          </p:txBody>
-        </p:sp>
-        <p:sp>
-          <p:nvSpPr>
-            <p:cNvPr id="10" name="Cylinder 9"/>
-            <p:cNvSpPr/>
-            <p:nvPr/>
-          </p:nvSpPr>
-          <p:spPr bwMode="gray">
-            <a:xfrm>
-              <a:off x="6481870" y="5248563"/>
-              <a:ext cx="998220" cy="1004248"/>
-            </a:xfrm>
-            <a:prstGeom prst="can">
-              <a:avLst/>
-            </a:prstGeom>
-            <a:ln>
-              <a:headEnd/>
-              <a:tailEnd/>
-            </a:ln>
-          </p:spPr>
-          <p:style>
-            <a:lnRef idx="2">
-              <a:schemeClr val="accent4"/>
-            </a:lnRef>
-            <a:fillRef idx="1">
-              <a:schemeClr val="lt1"/>
-            </a:fillRef>
-            <a:effectRef idx="0">
-              <a:schemeClr val="accent4"/>
-            </a:effectRef>
-            <a:fontRef idx="minor">
-              <a:schemeClr val="dk1"/>
-            </a:fontRef>
-          </p:style>
-          <p:txBody>
-            <a:bodyPr lIns="90000" tIns="72000" rIns="90000" bIns="72000" rtlCol="0" anchor="ctr"/>
-            <a:lstStyle/>
-            <a:p>
-              <a:pPr marR="0" algn="ctr" defTabSz="914400" eaLnBrk="1" fontAlgn="base" latinLnBrk="0" hangingPunct="1">
-                <a:lnSpc>
-                  <a:spcPct val="100000"/>
-                </a:lnSpc>
-                <a:spcBef>
-                  <a:spcPct val="50000"/>
-                </a:spcBef>
-                <a:spcAft>
-                  <a:spcPct val="0"/>
-                </a:spcAft>
-                <a:buClr>
-                  <a:srgbClr val="F0AB00"/>
-                </a:buClr>
-                <a:buSzPct val="80000"/>
-                <a:tabLst/>
-              </a:pPr>
-              <a:r>
-                <a:rPr lang="de-DE" sz="1800" kern="0" dirty="0" err="1">
-                  <a:ea typeface="Arial Unicode MS" pitchFamily="34" charset="-128"/>
-                  <a:cs typeface="Arial Unicode MS" pitchFamily="34" charset="-128"/>
-                </a:rPr>
-                <a:t>tls</a:t>
-              </a:r>
-              <a:r>
-                <a:rPr lang="de-DE" sz="1800" kern="0" dirty="0">
-                  <a:ea typeface="Arial Unicode MS" pitchFamily="34" charset="-128"/>
-                  <a:cs typeface="Arial Unicode MS" pitchFamily="34" charset="-128"/>
-                </a:rPr>
-                <a:t> </a:t>
-              </a:r>
-              <a:r>
-                <a:rPr lang="de-DE" sz="1800" kern="0" dirty="0" err="1">
-                  <a:ea typeface="Arial Unicode MS" pitchFamily="34" charset="-128"/>
-                  <a:cs typeface="Arial Unicode MS" pitchFamily="34" charset="-128"/>
-                </a:rPr>
-                <a:t>certs</a:t>
-              </a:r>
-              <a:endParaRPr kumimoji="0" lang="de-DE" sz="1800" b="0" i="0" u="none" strike="noStrike" kern="0" cap="none" spc="0" normalizeH="0" baseline="0" noProof="0" dirty="0">
-                <a:ln>
-                  <a:noFill/>
-                </a:ln>
-                <a:effectLst/>
-                <a:uLnTx/>
-                <a:uFillTx/>
-                <a:ea typeface="Arial Unicode MS" pitchFamily="34" charset="-128"/>
-                <a:cs typeface="Arial Unicode MS" pitchFamily="34" charset="-128"/>
-              </a:endParaRPr>
-            </a:p>
-          </p:txBody>
-        </p:sp>
-      </p:grpSp>
-      <p:sp>
-        <p:nvSpPr>
-          <p:cNvPr id="16" name="Arrow: Up-Down 15"/>
-          <p:cNvSpPr/>
-          <p:nvPr/>
-        </p:nvSpPr>
-        <p:spPr bwMode="gray">
-          <a:xfrm>
-            <a:off x="5657231" y="4702919"/>
-            <a:ext cx="222219" cy="635300"/>
-          </a:xfrm>
-          <a:prstGeom prst="upDownArrow">
+          <a:prstGeom prst="rect">
             <a:avLst/>
           </a:prstGeom>
-          <a:solidFill>
-            <a:schemeClr val="accent4"/>
-          </a:solidFill>
-          <a:ln w="6350" algn="ctr">
-            <a:noFill/>
-            <a:miter lim="800000"/>
-            <a:headEnd/>
-            <a:tailEnd/>
-          </a:ln>
         </p:spPr>
-        <p:txBody>
-          <a:bodyPr lIns="90000" tIns="72000" rIns="90000" bIns="72000" rtlCol="0" anchor="ctr"/>
-          <a:lstStyle/>
-          <a:p>
-            <a:pPr marR="0" algn="ctr" defTabSz="914400" eaLnBrk="1" fontAlgn="base" latinLnBrk="0" hangingPunct="1">
-              <a:lnSpc>
-                <a:spcPct val="100000"/>
-              </a:lnSpc>
-              <a:spcBef>
-                <a:spcPct val="50000"/>
-              </a:spcBef>
-              <a:spcAft>
-                <a:spcPct val="0"/>
-              </a:spcAft>
-              <a:buClr>
-                <a:srgbClr val="F0AB00"/>
-              </a:buClr>
-              <a:buSzPct val="80000"/>
-              <a:tabLst/>
-            </a:pPr>
-            <a:endParaRPr kumimoji="0" lang="en-US" sz="1800" b="0" i="0" u="none" strike="noStrike" kern="0" cap="none" spc="0" normalizeH="0" baseline="0" noProof="0" dirty="0" err="1">
-              <a:ln>
-                <a:noFill/>
-              </a:ln>
-              <a:effectLst/>
-              <a:uLnTx/>
-              <a:uFillTx/>
-              <a:ea typeface="Arial Unicode MS" pitchFamily="34" charset="-128"/>
-              <a:cs typeface="Arial Unicode MS" pitchFamily="34" charset="-128"/>
-            </a:endParaRPr>
-          </a:p>
-        </p:txBody>
-      </p:sp>
-      <p:sp>
-        <p:nvSpPr>
-          <p:cNvPr id="17" name="Cloud 16"/>
-          <p:cNvSpPr/>
-          <p:nvPr/>
-        </p:nvSpPr>
-        <p:spPr bwMode="gray">
-          <a:xfrm>
-            <a:off x="4077318" y="772619"/>
-            <a:ext cx="3382042" cy="807791"/>
-          </a:xfrm>
-          <a:prstGeom prst="cloud">
-            <a:avLst/>
-          </a:prstGeom>
-          <a:solidFill>
-            <a:schemeClr val="accent1"/>
-          </a:solidFill>
-          <a:ln w="6350" algn="ctr">
-            <a:noFill/>
-            <a:miter lim="800000"/>
-            <a:headEnd/>
-            <a:tailEnd/>
-          </a:ln>
-        </p:spPr>
-        <p:txBody>
-          <a:bodyPr lIns="90000" tIns="72000" rIns="90000" bIns="72000" rtlCol="0" anchor="ctr"/>
-          <a:lstStyle/>
-          <a:p>
-            <a:pPr marR="0" algn="ctr" defTabSz="914400" eaLnBrk="1" fontAlgn="base" latinLnBrk="0" hangingPunct="1">
-              <a:lnSpc>
-                <a:spcPct val="100000"/>
-              </a:lnSpc>
-              <a:spcBef>
-                <a:spcPct val="50000"/>
-              </a:spcBef>
-              <a:spcAft>
-                <a:spcPct val="0"/>
-              </a:spcAft>
-              <a:buClr>
-                <a:srgbClr val="F0AB00"/>
-              </a:buClr>
-              <a:buSzPct val="80000"/>
-              <a:tabLst/>
-            </a:pPr>
-            <a:endParaRPr kumimoji="0" lang="en-US" sz="1800" b="0" i="0" u="none" strike="noStrike" kern="0" cap="none" spc="0" normalizeH="0" baseline="0" noProof="0" dirty="0" err="1">
-              <a:ln>
-                <a:noFill/>
-              </a:ln>
-              <a:effectLst/>
-              <a:uLnTx/>
-              <a:uFillTx/>
-              <a:ea typeface="Arial Unicode MS" pitchFamily="34" charset="-128"/>
-              <a:cs typeface="Arial Unicode MS" pitchFamily="34" charset="-128"/>
-            </a:endParaRPr>
-          </a:p>
-        </p:txBody>
-      </p:sp>
-      <p:grpSp>
-        <p:nvGrpSpPr>
-          <p:cNvPr id="27" name="Group 26"/>
-          <p:cNvGrpSpPr/>
-          <p:nvPr/>
-        </p:nvGrpSpPr>
-        <p:grpSpPr>
-          <a:xfrm>
-            <a:off x="4165925" y="2129720"/>
-            <a:ext cx="3204830" cy="681069"/>
-            <a:chOff x="2697480" y="2743200"/>
-            <a:chExt cx="6187440" cy="2034540"/>
-          </a:xfrm>
-        </p:grpSpPr>
-        <p:sp>
-          <p:nvSpPr>
-            <p:cNvPr id="28" name="Rectangle: Rounded Corners 27"/>
-            <p:cNvSpPr/>
-            <p:nvPr/>
-          </p:nvSpPr>
-          <p:spPr bwMode="gray">
-            <a:xfrm>
-              <a:off x="2697480" y="2743200"/>
-              <a:ext cx="6187440" cy="2034540"/>
-            </a:xfrm>
-            <a:prstGeom prst="roundRect">
-              <a:avLst/>
-            </a:prstGeom>
-            <a:ln>
-              <a:headEnd/>
-              <a:tailEnd/>
-            </a:ln>
-          </p:spPr>
-          <p:style>
-            <a:lnRef idx="2">
-              <a:schemeClr val="accent4"/>
-            </a:lnRef>
-            <a:fillRef idx="1">
-              <a:schemeClr val="lt1"/>
-            </a:fillRef>
-            <a:effectRef idx="0">
-              <a:schemeClr val="accent4"/>
-            </a:effectRef>
-            <a:fontRef idx="minor">
-              <a:schemeClr val="dk1"/>
-            </a:fontRef>
-          </p:style>
-          <p:txBody>
-            <a:bodyPr lIns="90000" tIns="72000" rIns="90000" bIns="72000" rtlCol="0" anchor="ctr"/>
-            <a:lstStyle/>
-            <a:p>
-              <a:pPr marR="0" algn="ctr" defTabSz="914400" eaLnBrk="1" fontAlgn="base" latinLnBrk="0" hangingPunct="1">
-                <a:lnSpc>
-                  <a:spcPct val="100000"/>
-                </a:lnSpc>
-                <a:spcBef>
-                  <a:spcPct val="50000"/>
-                </a:spcBef>
-                <a:spcAft>
-                  <a:spcPct val="0"/>
-                </a:spcAft>
-                <a:buClr>
-                  <a:srgbClr val="F0AB00"/>
-                </a:buClr>
-                <a:buSzPct val="80000"/>
-                <a:tabLst/>
-              </a:pPr>
-              <a:endParaRPr kumimoji="0" lang="en-US" sz="1800" b="0" i="0" u="none" strike="noStrike" kern="0" cap="none" spc="0" normalizeH="0" baseline="0" noProof="0" dirty="0" err="1">
-                <a:ln>
-                  <a:noFill/>
-                </a:ln>
-                <a:effectLst/>
-                <a:uLnTx/>
-                <a:uFillTx/>
-                <a:ea typeface="Arial Unicode MS" pitchFamily="34" charset="-128"/>
-                <a:cs typeface="Arial Unicode MS" pitchFamily="34" charset="-128"/>
-              </a:endParaRPr>
-            </a:p>
-          </p:txBody>
-        </p:sp>
-        <p:sp>
-          <p:nvSpPr>
-            <p:cNvPr id="29" name="Rectangle 28"/>
-            <p:cNvSpPr/>
-            <p:nvPr/>
-          </p:nvSpPr>
-          <p:spPr bwMode="gray">
-            <a:xfrm>
-              <a:off x="3493771" y="3130180"/>
-              <a:ext cx="4594857" cy="1156257"/>
-            </a:xfrm>
-            <a:prstGeom prst="rect">
-              <a:avLst/>
-            </a:prstGeom>
-            <a:ln>
-              <a:headEnd/>
-              <a:tailEnd/>
-            </a:ln>
-          </p:spPr>
-          <p:style>
-            <a:lnRef idx="2">
-              <a:schemeClr val="accent4"/>
-            </a:lnRef>
-            <a:fillRef idx="1">
-              <a:schemeClr val="lt1"/>
-            </a:fillRef>
-            <a:effectRef idx="0">
-              <a:schemeClr val="accent4"/>
-            </a:effectRef>
-            <a:fontRef idx="minor">
-              <a:schemeClr val="dk1"/>
-            </a:fontRef>
-          </p:style>
-          <p:txBody>
-            <a:bodyPr lIns="90000" tIns="72000" rIns="90000" bIns="72000" rtlCol="0" anchor="ctr"/>
-            <a:lstStyle/>
-            <a:p>
-              <a:pPr marR="0" algn="ctr" defTabSz="914400" eaLnBrk="1" fontAlgn="base" latinLnBrk="0" hangingPunct="1">
-                <a:lnSpc>
-                  <a:spcPct val="100000"/>
-                </a:lnSpc>
-                <a:spcBef>
-                  <a:spcPct val="50000"/>
-                </a:spcBef>
-                <a:spcAft>
-                  <a:spcPct val="0"/>
-                </a:spcAft>
-                <a:buClr>
-                  <a:srgbClr val="F0AB00"/>
-                </a:buClr>
-                <a:buSzPct val="80000"/>
-                <a:tabLst/>
-              </a:pPr>
-              <a:r>
-                <a:rPr lang="de-DE" sz="1800" kern="0" dirty="0" err="1">
-                  <a:ea typeface="Arial Unicode MS" pitchFamily="34" charset="-128"/>
-                  <a:cs typeface="Arial Unicode MS" pitchFamily="34" charset="-128"/>
-                </a:rPr>
-                <a:t>service</a:t>
-              </a:r>
-              <a:r>
-                <a:rPr lang="de-DE" sz="1800" kern="0" dirty="0">
-                  <a:ea typeface="Arial Unicode MS" pitchFamily="34" charset="-128"/>
-                  <a:cs typeface="Arial Unicode MS" pitchFamily="34" charset="-128"/>
-                </a:rPr>
-                <a:t> http / https</a:t>
-              </a:r>
-              <a:endParaRPr kumimoji="0" lang="de-DE" sz="1800" b="0" i="0" u="none" strike="noStrike" kern="0" cap="none" spc="0" normalizeH="0" baseline="0" noProof="0" dirty="0">
-                <a:ln>
-                  <a:noFill/>
-                </a:ln>
-                <a:effectLst/>
-                <a:uLnTx/>
-                <a:uFillTx/>
-                <a:ea typeface="Arial Unicode MS" pitchFamily="34" charset="-128"/>
-                <a:cs typeface="Arial Unicode MS" pitchFamily="34" charset="-128"/>
-              </a:endParaRPr>
-            </a:p>
-          </p:txBody>
-        </p:sp>
-      </p:grpSp>
-      <p:sp>
-        <p:nvSpPr>
-          <p:cNvPr id="18" name="Arrow: Up-Down 17"/>
-          <p:cNvSpPr/>
-          <p:nvPr/>
-        </p:nvSpPr>
-        <p:spPr bwMode="gray">
-          <a:xfrm>
-            <a:off x="5657231" y="2669184"/>
-            <a:ext cx="222219" cy="686436"/>
-          </a:xfrm>
-          <a:prstGeom prst="upDownArrow">
-            <a:avLst/>
-          </a:prstGeom>
-          <a:solidFill>
-            <a:schemeClr val="accent4"/>
-          </a:solidFill>
-          <a:ln w="6350" algn="ctr">
-            <a:noFill/>
-            <a:miter lim="800000"/>
-            <a:headEnd/>
-            <a:tailEnd/>
-          </a:ln>
-        </p:spPr>
-        <p:txBody>
-          <a:bodyPr lIns="90000" tIns="72000" rIns="90000" bIns="72000" rtlCol="0" anchor="ctr"/>
-          <a:lstStyle/>
-          <a:p>
-            <a:pPr marR="0" algn="ctr" defTabSz="914400" eaLnBrk="1" fontAlgn="base" latinLnBrk="0" hangingPunct="1">
-              <a:lnSpc>
-                <a:spcPct val="100000"/>
-              </a:lnSpc>
-              <a:spcBef>
-                <a:spcPct val="50000"/>
-              </a:spcBef>
-              <a:spcAft>
-                <a:spcPct val="0"/>
-              </a:spcAft>
-              <a:buClr>
-                <a:srgbClr val="F0AB00"/>
-              </a:buClr>
-              <a:buSzPct val="80000"/>
-              <a:tabLst/>
-            </a:pPr>
-            <a:endParaRPr kumimoji="0" lang="en-US" sz="1800" b="0" i="0" u="none" strike="noStrike" kern="0" cap="none" spc="0" normalizeH="0" baseline="0" noProof="0" dirty="0" err="1">
-              <a:ln>
-                <a:noFill/>
-              </a:ln>
-              <a:effectLst/>
-              <a:uLnTx/>
-              <a:uFillTx/>
-              <a:ea typeface="Arial Unicode MS" pitchFamily="34" charset="-128"/>
-              <a:cs typeface="Arial Unicode MS" pitchFamily="34" charset="-128"/>
-            </a:endParaRPr>
-          </a:p>
-        </p:txBody>
-      </p:sp>
-      <p:sp>
-        <p:nvSpPr>
-          <p:cNvPr id="32" name="Arrow: Up-Down 31"/>
-          <p:cNvSpPr/>
-          <p:nvPr/>
-        </p:nvSpPr>
-        <p:spPr bwMode="gray">
-          <a:xfrm>
-            <a:off x="5657230" y="1585837"/>
-            <a:ext cx="222219" cy="686436"/>
-          </a:xfrm>
-          <a:prstGeom prst="upDownArrow">
-            <a:avLst/>
-          </a:prstGeom>
-          <a:solidFill>
-            <a:schemeClr val="accent4"/>
-          </a:solidFill>
-          <a:ln w="6350" algn="ctr">
-            <a:noFill/>
-            <a:miter lim="800000"/>
-            <a:headEnd/>
-            <a:tailEnd/>
-          </a:ln>
-        </p:spPr>
-        <p:txBody>
-          <a:bodyPr lIns="90000" tIns="72000" rIns="90000" bIns="72000" rtlCol="0" anchor="ctr"/>
-          <a:lstStyle/>
-          <a:p>
-            <a:pPr marR="0" algn="ctr" defTabSz="914400" eaLnBrk="1" fontAlgn="base" latinLnBrk="0" hangingPunct="1">
-              <a:lnSpc>
-                <a:spcPct val="100000"/>
-              </a:lnSpc>
-              <a:spcBef>
-                <a:spcPct val="50000"/>
-              </a:spcBef>
-              <a:spcAft>
-                <a:spcPct val="0"/>
-              </a:spcAft>
-              <a:buClr>
-                <a:srgbClr val="F0AB00"/>
-              </a:buClr>
-              <a:buSzPct val="80000"/>
-              <a:tabLst/>
-            </a:pPr>
-            <a:endParaRPr kumimoji="0" lang="en-US" sz="1800" b="0" i="0" u="none" strike="noStrike" kern="0" cap="none" spc="0" normalizeH="0" baseline="0" noProof="0" dirty="0" err="1">
-              <a:ln>
-                <a:noFill/>
-              </a:ln>
-              <a:effectLst/>
-              <a:uLnTx/>
-              <a:uFillTx/>
-              <a:ea typeface="Arial Unicode MS" pitchFamily="34" charset="-128"/>
-              <a:cs typeface="Arial Unicode MS" pitchFamily="34" charset="-128"/>
-            </a:endParaRPr>
-          </a:p>
-        </p:txBody>
-      </p:sp>
+      </p:pic>
     </p:spTree>
     <p:extLst>
       <p:ext uri="{BB962C8B-B14F-4D97-AF65-F5344CB8AC3E}">
-        <p14:creationId xmlns:p14="http://schemas.microsoft.com/office/powerpoint/2010/main" val="4085581448"/>
+        <p14:creationId xmlns:p14="http://schemas.microsoft.com/office/powerpoint/2010/main" val="2946468943"/>
       </p:ext>
     </p:extLst>
   </p:cSld>
   <p:clrMapOvr>
     <a:masterClrMapping/>
   </p:clrMapOvr>
-</p:sld>
-</file>
-
-<file path=ppt/slides/slide9.xml><?xml version="1.0" encoding="utf-8"?>
-<p:sld xmlns:a="http://schemas.openxmlformats.org/drawingml/2006/main" xmlns:r="http://schemas.openxmlformats.org/officeDocument/2006/relationships" xmlns:p="http://schemas.openxmlformats.org/presentationml/2006/main" show="0">
-  <p:cSld>
-    <p:spTree>
-      <p:nvGrpSpPr>
-        <p:cNvPr id="1" name=""/>
-        <p:cNvGrpSpPr/>
-        <p:nvPr/>
-      </p:nvGrpSpPr>
-      <p:grpSpPr>
-        <a:xfrm>
-          <a:off x="0" y="0"/>
-          <a:ext cx="0" cy="0"/>
-          <a:chOff x="0" y="0"/>
-          <a:chExt cx="0" cy="0"/>
-        </a:xfrm>
-      </p:grpSpPr>
-    </p:spTree>
-  </p:cSld>
-  <p:clrMapOvr>
-    <a:masterClrMapping/>
-  </p:clrMapOvr>
-  <p:transition spd="med"/>
 </p:sld>
 </file>
 

--- a/kubernetes/07_configmap_secrets.pptx
+++ b/kubernetes/07_configmap_secrets.pptx
@@ -991,7 +991,31 @@
             </a:r>
             <a:r>
               <a:rPr lang="en-US" dirty="0"/>
-              <a:t> is created it’s content can be projected into pods as an environment variable or mounted as a file.</a:t>
+              <a:t> is created it’s content can be </a:t>
+            </a:r>
+            <a:r>
+              <a:rPr lang="en-US" b="1" dirty="0"/>
+              <a:t>projected into pods</a:t>
+            </a:r>
+            <a:r>
+              <a:rPr lang="en-US" dirty="0"/>
+              <a:t> as an </a:t>
+            </a:r>
+            <a:r>
+              <a:rPr lang="en-US" b="1" dirty="0"/>
+              <a:t>environment variable</a:t>
+            </a:r>
+            <a:r>
+              <a:rPr lang="en-US" dirty="0"/>
+              <a:t> or </a:t>
+            </a:r>
+            <a:r>
+              <a:rPr lang="en-US" b="1" dirty="0"/>
+              <a:t>mounted as a file</a:t>
+            </a:r>
+            <a:r>
+              <a:rPr lang="en-US" dirty="0"/>
+              <a:t>.</a:t>
             </a:r>
           </a:p>
         </p:txBody>
@@ -1162,7 +1186,7 @@
             </a:r>
             <a:r>
               <a:rPr lang="en-US" dirty="0"/>
-              <a:t> get pods –a” to display also terminated/completed pods. Use “</a:t>
+              <a:t> get pods -a” to display also terminated/completed pods. Use “</a:t>
             </a:r>
             <a:r>
               <a:rPr lang="en-US" dirty="0" err="1"/>
@@ -1320,16 +1344,28 @@
               <a:buChar char="-"/>
             </a:pPr>
             <a:r>
+              <a:rPr lang="en-US" b="1" dirty="0"/>
+              <a:t>generic</a:t>
+            </a:r>
+            <a:r>
               <a:rPr lang="en-US" dirty="0"/>
-              <a:t>generic: to store credentials like passwords. Include as </a:t>
-            </a:r>
-            <a:r>
-              <a:rPr lang="en-US" dirty="0" err="1"/>
+              <a:t>: to store credentials like passwords. Include as </a:t>
+            </a:r>
+            <a:r>
+              <a:rPr lang="en-US" b="1" dirty="0" err="1"/>
               <a:t>env</a:t>
             </a:r>
             <a:r>
+              <a:rPr lang="en-US" b="1" dirty="0"/>
+              <a:t> variables</a:t>
+            </a:r>
+            <a:r>
               <a:rPr lang="en-US" dirty="0"/>
-              <a:t> variables or mount files</a:t>
+              <a:t> or </a:t>
+            </a:r>
+            <a:r>
+              <a:rPr lang="en-US" b="1" dirty="0"/>
+              <a:t>mount files</a:t>
             </a:r>
           </a:p>
           <a:p>
@@ -1348,16 +1384,28 @@
               <a:buChar char="-"/>
             </a:pPr>
             <a:r>
+              <a:rPr lang="en-US" b="1" dirty="0"/>
+              <a:t>Docker-registry</a:t>
+            </a:r>
+            <a:r>
               <a:rPr lang="en-US" dirty="0"/>
-              <a:t>Docker-registry: Contains credentials to authenticate pulls from protected registry like the docker store or a private registry. Assign the secret as “</a:t>
-            </a:r>
-            <a:r>
-              <a:rPr lang="en-US" dirty="0" err="1"/>
+              <a:t>: Contains credentials to authenticate pulls from protected registry like the docker store or a private registry. Assign the secret as </a:t>
+            </a:r>
+            <a:r>
+              <a:rPr lang="en-US" b="1" dirty="0"/>
+              <a:t>“</a:t>
+            </a:r>
+            <a:r>
+              <a:rPr lang="en-US" b="1" dirty="0" err="1"/>
               <a:t>imagePullSecret</a:t>
             </a:r>
             <a:r>
+              <a:rPr lang="en-US" b="1" dirty="0"/>
+              <a:t>” </a:t>
+            </a:r>
+            <a:r>
               <a:rPr lang="en-US" dirty="0"/>
-              <a:t>” to a pod, to use the credentials for image pulling for this pod. </a:t>
+              <a:t>to a pod, to use the credentials for image pulling for this pod. </a:t>
             </a:r>
           </a:p>
         </p:txBody>
@@ -1461,13 +1509,13 @@
             </a:r>
             <a:r>
               <a:rPr lang="en-US" dirty="0"/>
-              <a:t> and pipe it into base64 –d.</a:t>
+              <a:t> and pipe it into base64 -d.</a:t>
             </a:r>
           </a:p>
           <a:p>
             <a:r>
               <a:rPr lang="en-US" dirty="0"/>
-              <a:t>Example: echo U2VjcmV0NGV2ZXIK | base64 –d</a:t>
+              <a:t>Example: echo U2VjcmV0NGV2ZXIK | base64 -d</a:t>
             </a:r>
           </a:p>
           <a:p>
@@ -1479,8 +1527,16 @@
               <a:t>To rebuild the demo use the </a:t>
             </a:r>
             <a:r>
-              <a:rPr lang="en-US" dirty="0" err="1"/>
-              <a:t>secret_pod_demo.yaml</a:t>
+              <a:rPr lang="en-US" b="1" dirty="0"/>
+              <a:t>07d_demo_pod_with_secret.yaml</a:t>
+            </a:r>
+            <a:r>
+              <a:rPr lang="en-US" dirty="0"/>
+              <a:t> and </a:t>
+            </a:r>
+            <a:r>
+              <a:rPr lang="en-US" b="1" dirty="0"/>
+              <a:t>07c_demo_secret.yaml</a:t>
             </a:r>
             <a:r>
               <a:rPr lang="en-US" dirty="0"/>
@@ -1492,7 +1548,7 @@
             </a:r>
             <a:r>
               <a:rPr lang="en-US" dirty="0"/>
-              <a:t>/solutions. It contains the secret &amp; a pod mounting the secret.</a:t>
+              <a:t>/demo. It contains the secret &amp; a pod mounting the secret.</a:t>
             </a:r>
           </a:p>
         </p:txBody>
@@ -1822,8 +1878,21 @@
             </a:r>
             <a:r>
               <a:rPr lang="en-US" baseline="0" dirty="0"/>
-              <a:t> format and send the value for password to base64 –decode:  echo U2VjcmV0NGV2ZXIK | base64 –d</a:t>
-            </a:r>
+              <a:t> format and send the value for password to </a:t>
+            </a:r>
+            <a:r>
+              <a:rPr lang="en-US" baseline="0"/>
+              <a:t>base64 -decode</a:t>
+            </a:r>
+            <a:r>
+              <a:rPr lang="en-US" baseline="0" dirty="0"/>
+              <a:t>:  echo U2VjcmV0NGV2ZXIK | </a:t>
+            </a:r>
+            <a:r>
+              <a:rPr lang="en-US" baseline="0"/>
+              <a:t>base64 -d</a:t>
+            </a:r>
+            <a:endParaRPr lang="en-US" baseline="0" dirty="0"/>
           </a:p>
           <a:p>
             <a:pPr marL="285750" marR="0" lvl="0" indent="-285750" algn="l" defTabSz="1088776" rtl="0" eaLnBrk="1" fontAlgn="auto" latinLnBrk="0" hangingPunct="1">
@@ -1868,13 +1937,8 @@
             </a:pPr>
             <a:r>
               <a:rPr lang="en-US" baseline="0" dirty="0"/>
-              <a:t>=&gt; highlight that the values are accessible in clear text within the </a:t>
-            </a:r>
-            <a:r>
-              <a:rPr lang="en-US" baseline="0"/>
-              <a:t>pod context</a:t>
-            </a:r>
-            <a:endParaRPr lang="en-US" baseline="0" dirty="0"/>
+              <a:t>=&gt; highlight that the values are accessible in clear text within the pod context</a:t>
+            </a:r>
           </a:p>
         </p:txBody>
       </p:sp>

--- a/kubernetes/07_configmap_secrets.pptx
+++ b/kubernetes/07_configmap_secrets.pptx
@@ -17636,7 +17636,7 @@
         <p:spPr>
           <a:xfrm>
             <a:off x="504000" y="1223190"/>
-            <a:ext cx="10590719" cy="1384995"/>
+            <a:ext cx="11106753" cy="1384995"/>
           </a:xfrm>
           <a:prstGeom prst="rect">
             <a:avLst/>
@@ -17689,11 +17689,11 @@
               <a:rPr lang="en-US" dirty="0">
                 <a:hlinkClick r:id="rId4"/>
               </a:rPr>
-              <a:t>https://kubernetes.io/docs/tasks/configure-pod-container/configmap/</a:t>
+              <a:t>https://kubernetes.io/docs/tasks/configure-pod-container/configure-pod-configmap/</a:t>
             </a:r>
             <a:r>
               <a:rPr lang="en-US" dirty="0"/>
-              <a:t>  </a:t>
+              <a:t> </a:t>
             </a:r>
           </a:p>
         </p:txBody>

--- a/kubernetes/07_configmap_secrets.pptx
+++ b/kubernetes/07_configmap_secrets.pptx
@@ -5,23 +5,24 @@
     <p:sldMasterId id="2147483733" r:id="rId1"/>
   </p:sldMasterIdLst>
   <p:notesMasterIdLst>
-    <p:notesMasterId r:id="rId13"/>
+    <p:notesMasterId r:id="rId14"/>
   </p:notesMasterIdLst>
   <p:handoutMasterIdLst>
-    <p:handoutMasterId r:id="rId14"/>
+    <p:handoutMasterId r:id="rId15"/>
   </p:handoutMasterIdLst>
   <p:sldIdLst>
     <p:sldId id="433" r:id="rId2"/>
     <p:sldId id="442" r:id="rId3"/>
     <p:sldId id="444" r:id="rId4"/>
     <p:sldId id="450" r:id="rId5"/>
-    <p:sldId id="459" r:id="rId6"/>
-    <p:sldId id="449" r:id="rId7"/>
-    <p:sldId id="452" r:id="rId8"/>
-    <p:sldId id="453" r:id="rId9"/>
-    <p:sldId id="460" r:id="rId10"/>
-    <p:sldId id="451" r:id="rId11"/>
-    <p:sldId id="265" r:id="rId12"/>
+    <p:sldId id="461" r:id="rId6"/>
+    <p:sldId id="459" r:id="rId7"/>
+    <p:sldId id="449" r:id="rId8"/>
+    <p:sldId id="452" r:id="rId9"/>
+    <p:sldId id="453" r:id="rId10"/>
+    <p:sldId id="460" r:id="rId11"/>
+    <p:sldId id="451" r:id="rId12"/>
+    <p:sldId id="265" r:id="rId13"/>
   </p:sldIdLst>
   <p:sldSz cx="12195175" cy="6858000"/>
   <p:notesSz cx="6858000" cy="9144000"/>
@@ -629,6 +630,245 @@
       </p:grpSpPr>
       <p:sp>
         <p:nvSpPr>
+          <p:cNvPr id="2" name="Slide Image Placeholder 1"/>
+          <p:cNvSpPr>
+            <a:spLocks noGrp="1" noRot="1" noChangeAspect="1"/>
+          </p:cNvSpPr>
+          <p:nvPr>
+            <p:ph type="sldImg"/>
+          </p:nvPr>
+        </p:nvSpPr>
+        <p:spPr/>
+      </p:sp>
+      <p:sp>
+        <p:nvSpPr>
+          <p:cNvPr id="3" name="Notes Placeholder 2"/>
+          <p:cNvSpPr>
+            <a:spLocks noGrp="1"/>
+          </p:cNvSpPr>
+          <p:nvPr>
+            <p:ph type="body" idx="1"/>
+          </p:nvPr>
+        </p:nvSpPr>
+        <p:spPr/>
+        <p:txBody>
+          <a:bodyPr/>
+          <a:lstStyle/>
+          <a:p>
+            <a:pPr marL="0" marR="0" lvl="0" indent="0" algn="l" defTabSz="1088776" rtl="0" eaLnBrk="1" fontAlgn="auto" latinLnBrk="0" hangingPunct="1">
+              <a:lnSpc>
+                <a:spcPct val="100000"/>
+              </a:lnSpc>
+              <a:spcBef>
+                <a:spcPts val="0"/>
+              </a:spcBef>
+              <a:spcAft>
+                <a:spcPts val="0"/>
+              </a:spcAft>
+              <a:buClrTx/>
+              <a:buSzTx/>
+              <a:buFontTx/>
+              <a:buNone/>
+              <a:tabLst/>
+              <a:defRPr/>
+            </a:pPr>
+            <a:r>
+              <a:rPr lang="en-US" baseline="0" dirty="0"/>
+              <a:t>Create a secret from the command line or use the </a:t>
+            </a:r>
+            <a:r>
+              <a:rPr lang="en-US" baseline="0" dirty="0" err="1"/>
+              <a:t>yaml</a:t>
+            </a:r>
+            <a:endParaRPr lang="en-US" baseline="0" dirty="0"/>
+          </a:p>
+          <a:p>
+            <a:pPr marL="0" marR="0" lvl="0" indent="0" algn="l" defTabSz="1088776" rtl="0" eaLnBrk="1" fontAlgn="auto" latinLnBrk="0" hangingPunct="1">
+              <a:lnSpc>
+                <a:spcPct val="100000"/>
+              </a:lnSpc>
+              <a:spcBef>
+                <a:spcPts val="0"/>
+              </a:spcBef>
+              <a:spcAft>
+                <a:spcPts val="0"/>
+              </a:spcAft>
+              <a:buClrTx/>
+              <a:buSzTx/>
+              <a:buFontTx/>
+              <a:buNone/>
+              <a:tabLst/>
+              <a:defRPr/>
+            </a:pPr>
+            <a:endParaRPr lang="en-US" baseline="0" dirty="0"/>
+          </a:p>
+          <a:p>
+            <a:pPr marL="285750" marR="0" lvl="0" indent="-285750" algn="l" defTabSz="1088776" rtl="0" eaLnBrk="1" fontAlgn="auto" latinLnBrk="0" hangingPunct="1">
+              <a:lnSpc>
+                <a:spcPct val="100000"/>
+              </a:lnSpc>
+              <a:spcBef>
+                <a:spcPts val="0"/>
+              </a:spcBef>
+              <a:spcAft>
+                <a:spcPts val="0"/>
+              </a:spcAft>
+              <a:buClrTx/>
+              <a:buSzTx/>
+              <a:buFontTx/>
+              <a:buChar char="-"/>
+              <a:tabLst/>
+              <a:defRPr/>
+            </a:pPr>
+            <a:r>
+              <a:rPr lang="en-US" baseline="0" dirty="0"/>
+              <a:t>echo admin &gt; username.txt</a:t>
+            </a:r>
+          </a:p>
+          <a:p>
+            <a:pPr marL="285750" marR="0" lvl="0" indent="-285750" algn="l" defTabSz="1088776" rtl="0" eaLnBrk="1" fontAlgn="auto" latinLnBrk="0" hangingPunct="1">
+              <a:lnSpc>
+                <a:spcPct val="100000"/>
+              </a:lnSpc>
+              <a:spcBef>
+                <a:spcPts val="0"/>
+              </a:spcBef>
+              <a:spcAft>
+                <a:spcPts val="0"/>
+              </a:spcAft>
+              <a:buClrTx/>
+              <a:buSzTx/>
+              <a:buFontTx/>
+              <a:buChar char="-"/>
+              <a:tabLst/>
+              <a:defRPr/>
+            </a:pPr>
+            <a:r>
+              <a:rPr lang="en-US" baseline="0" dirty="0"/>
+              <a:t>echo Secret4ever &gt; password.txt</a:t>
+            </a:r>
+          </a:p>
+          <a:p>
+            <a:pPr marL="285750" marR="0" lvl="0" indent="-285750" algn="l" defTabSz="1088776" rtl="0" eaLnBrk="1" fontAlgn="auto" latinLnBrk="0" hangingPunct="1">
+              <a:lnSpc>
+                <a:spcPct val="100000"/>
+              </a:lnSpc>
+              <a:spcBef>
+                <a:spcPts val="0"/>
+              </a:spcBef>
+              <a:spcAft>
+                <a:spcPts val="0"/>
+              </a:spcAft>
+              <a:buClrTx/>
+              <a:buSzTx/>
+              <a:buFontTx/>
+              <a:buChar char="-"/>
+              <a:tabLst/>
+              <a:defRPr/>
+            </a:pPr>
+            <a:r>
+              <a:rPr lang="en-US" baseline="0" dirty="0" err="1"/>
+              <a:t>kubectl</a:t>
+            </a:r>
+            <a:r>
+              <a:rPr lang="en-US" baseline="0" dirty="0"/>
+              <a:t> create secret generic admin-access --from-file=./username.txt --from-file=./password.txt</a:t>
+            </a:r>
+          </a:p>
+          <a:p>
+            <a:pPr marL="285750" marR="0" lvl="0" indent="-285750" algn="l" defTabSz="1088776" rtl="0" eaLnBrk="1" fontAlgn="auto" latinLnBrk="0" hangingPunct="1">
+              <a:lnSpc>
+                <a:spcPct val="100000"/>
+              </a:lnSpc>
+              <a:spcBef>
+                <a:spcPts val="0"/>
+              </a:spcBef>
+              <a:spcAft>
+                <a:spcPts val="0"/>
+              </a:spcAft>
+              <a:buClrTx/>
+              <a:buSzTx/>
+              <a:buFontTx/>
+              <a:buChar char="-"/>
+              <a:tabLst/>
+              <a:defRPr/>
+            </a:pPr>
+            <a:r>
+              <a:rPr lang="en-US" baseline="0" dirty="0"/>
+              <a:t>Print the secret in </a:t>
+            </a:r>
+            <a:r>
+              <a:rPr lang="en-US" baseline="0" dirty="0" err="1"/>
+              <a:t>yaml</a:t>
+            </a:r>
+            <a:r>
+              <a:rPr lang="en-US" baseline="0" dirty="0"/>
+              <a:t> format and send the value for password to </a:t>
+            </a:r>
+            <a:r>
+              <a:rPr lang="en-US" baseline="0"/>
+              <a:t>base64 -decode</a:t>
+            </a:r>
+            <a:r>
+              <a:rPr lang="en-US" baseline="0" dirty="0"/>
+              <a:t>:  echo U2VjcmV0NGV2ZXIK | </a:t>
+            </a:r>
+            <a:r>
+              <a:rPr lang="en-US" baseline="0"/>
+              <a:t>base64 -d</a:t>
+            </a:r>
+            <a:endParaRPr lang="en-US" baseline="0" dirty="0"/>
+          </a:p>
+          <a:p>
+            <a:pPr marL="285750" marR="0" lvl="0" indent="-285750" algn="l" defTabSz="1088776" rtl="0" eaLnBrk="1" fontAlgn="auto" latinLnBrk="0" hangingPunct="1">
+              <a:lnSpc>
+                <a:spcPct val="100000"/>
+              </a:lnSpc>
+              <a:spcBef>
+                <a:spcPts val="0"/>
+              </a:spcBef>
+              <a:spcAft>
+                <a:spcPts val="0"/>
+              </a:spcAft>
+              <a:buClrTx/>
+              <a:buSzTx/>
+              <a:buFontTx/>
+              <a:buChar char="-"/>
+              <a:tabLst/>
+              <a:defRPr/>
+            </a:pPr>
+            <a:r>
+              <a:rPr lang="en-US" baseline="0" dirty="0"/>
+              <a:t>Schedule the demo pod for secrets (make sure the secret name matches) and query the logs</a:t>
+            </a:r>
+          </a:p>
+          <a:p>
+            <a:pPr marL="285750" marR="0" lvl="0" indent="-285750" algn="l" defTabSz="1088776" rtl="0" eaLnBrk="1" fontAlgn="auto" latinLnBrk="0" hangingPunct="1">
+              <a:lnSpc>
+                <a:spcPct val="100000"/>
+              </a:lnSpc>
+              <a:spcBef>
+                <a:spcPts val="0"/>
+              </a:spcBef>
+              <a:spcAft>
+                <a:spcPts val="0"/>
+              </a:spcAft>
+              <a:buClrTx/>
+              <a:buSzTx/>
+              <a:buFontTx/>
+              <a:buChar char="-"/>
+              <a:tabLst/>
+              <a:defRPr/>
+            </a:pPr>
+            <a:r>
+              <a:rPr lang="en-US" baseline="0" dirty="0"/>
+              <a:t>=&gt; highlight that the values are accessible in clear text within the pod context</a:t>
+            </a:r>
+          </a:p>
+        </p:txBody>
+      </p:sp>
+      <p:sp>
+        <p:nvSpPr>
           <p:cNvPr id="4" name="Slide Number Placeholder 3"/>
           <p:cNvSpPr>
             <a:spLocks noGrp="1"/>
@@ -643,9 +883,63 @@
           <a:lstStyle/>
           <a:p>
             <a:fld id="{7D8C2C35-2B8A-446E-BEC0-FD36716C29AC}" type="slidenum">
+              <a:rPr lang="de-DE" smtClean="0"/>
+              <a:pPr/>
+              <a:t>10</a:t>
+            </a:fld>
+            <a:endParaRPr lang="de-DE" dirty="0"/>
+          </a:p>
+        </p:txBody>
+      </p:sp>
+    </p:spTree>
+    <p:extLst>
+      <p:ext uri="{BB962C8B-B14F-4D97-AF65-F5344CB8AC3E}">
+        <p14:creationId xmlns:p14="http://schemas.microsoft.com/office/powerpoint/2010/main" val="1289078597"/>
+      </p:ext>
+    </p:extLst>
+  </p:cSld>
+  <p:clrMapOvr>
+    <a:masterClrMapping/>
+  </p:clrMapOvr>
+</p:notes>
+</file>
+
+<file path=ppt/notesSlides/notesSlide11.xml><?xml version="1.0" encoding="utf-8"?>
+<p:notes xmlns:a="http://schemas.openxmlformats.org/drawingml/2006/main" xmlns:r="http://schemas.openxmlformats.org/officeDocument/2006/relationships" xmlns:p="http://schemas.openxmlformats.org/presentationml/2006/main">
+  <p:cSld>
+    <p:spTree>
+      <p:nvGrpSpPr>
+        <p:cNvPr id="1" name=""/>
+        <p:cNvGrpSpPr/>
+        <p:nvPr/>
+      </p:nvGrpSpPr>
+      <p:grpSpPr>
+        <a:xfrm>
+          <a:off x="0" y="0"/>
+          <a:ext cx="0" cy="0"/>
+          <a:chOff x="0" y="0"/>
+          <a:chExt cx="0" cy="0"/>
+        </a:xfrm>
+      </p:grpSpPr>
+      <p:sp>
+        <p:nvSpPr>
+          <p:cNvPr id="4" name="Slide Number Placeholder 3"/>
+          <p:cNvSpPr>
+            <a:spLocks noGrp="1"/>
+          </p:cNvSpPr>
+          <p:nvPr>
+            <p:ph type="sldNum" sz="quarter" idx="10"/>
+          </p:nvPr>
+        </p:nvSpPr>
+        <p:spPr/>
+        <p:txBody>
+          <a:bodyPr/>
+          <a:lstStyle/>
+          <a:p>
+            <a:fld id="{7D8C2C35-2B8A-446E-BEC0-FD36716C29AC}" type="slidenum">
               <a:rPr lang="en-US" smtClean="0"/>
               <a:pPr/>
-              <a:t>11</a:t>
+              <a:t>12</a:t>
             </a:fld>
             <a:endParaRPr lang="en-US" dirty="0"/>
           </a:p>
@@ -980,44 +1274,6 @@
           <a:p>
             <a:endParaRPr lang="en-US" dirty="0"/>
           </a:p>
-          <a:p>
-            <a:r>
-              <a:rPr lang="en-US" dirty="0"/>
-              <a:t>Once the </a:t>
-            </a:r>
-            <a:r>
-              <a:rPr lang="en-US" dirty="0" err="1"/>
-              <a:t>configMap</a:t>
-            </a:r>
-            <a:r>
-              <a:rPr lang="en-US" dirty="0"/>
-              <a:t> is created it’s content can be </a:t>
-            </a:r>
-            <a:r>
-              <a:rPr lang="en-US" b="1" dirty="0"/>
-              <a:t>projected into pods</a:t>
-            </a:r>
-            <a:r>
-              <a:rPr lang="en-US" dirty="0"/>
-              <a:t> as an </a:t>
-            </a:r>
-            <a:r>
-              <a:rPr lang="en-US" b="1" dirty="0"/>
-              <a:t>environment variable</a:t>
-            </a:r>
-            <a:r>
-              <a:rPr lang="en-US" dirty="0"/>
-              <a:t> or </a:t>
-            </a:r>
-            <a:r>
-              <a:rPr lang="en-US" b="1" dirty="0"/>
-              <a:t>mounted as a file</a:t>
-            </a:r>
-            <a:r>
-              <a:rPr lang="en-US" dirty="0"/>
-              <a:t>.</a:t>
-            </a:r>
-          </a:p>
         </p:txBody>
       </p:sp>
       <p:sp>
@@ -1101,136 +1357,6 @@
           <a:bodyPr/>
           <a:lstStyle/>
           <a:p>
-            <a:r>
-              <a:rPr lang="en-US" dirty="0"/>
-              <a:t>Create a </a:t>
-            </a:r>
-            <a:r>
-              <a:rPr lang="en-US" dirty="0" err="1"/>
-              <a:t>configmap</a:t>
-            </a:r>
-            <a:r>
-              <a:rPr lang="en-US" dirty="0"/>
-              <a:t> example: </a:t>
-            </a:r>
-          </a:p>
-          <a:p>
-            <a:r>
-              <a:rPr lang="en-US" dirty="0" err="1"/>
-              <a:t>kubectl</a:t>
-            </a:r>
-            <a:r>
-              <a:rPr lang="en-US" dirty="0"/>
-              <a:t> create </a:t>
-            </a:r>
-            <a:r>
-              <a:rPr lang="en-US" dirty="0" err="1"/>
-              <a:t>configmap</a:t>
-            </a:r>
-            <a:r>
-              <a:rPr lang="en-US" dirty="0"/>
-              <a:t> test-config --from-literal=</a:t>
-            </a:r>
-            <a:r>
-              <a:rPr lang="en-US" dirty="0" err="1"/>
-              <a:t>test.type</a:t>
-            </a:r>
-            <a:r>
-              <a:rPr lang="en-US" dirty="0"/>
-              <a:t>=unit --from-literal=</a:t>
-            </a:r>
-            <a:r>
-              <a:rPr lang="en-US" dirty="0" err="1"/>
-              <a:t>test.exec</a:t>
-            </a:r>
-            <a:r>
-              <a:rPr lang="en-US" dirty="0"/>
-              <a:t>=always</a:t>
-            </a:r>
-          </a:p>
-          <a:p>
-            <a:endParaRPr lang="en-US" dirty="0"/>
-          </a:p>
-          <a:p>
-            <a:r>
-              <a:rPr lang="en-US" dirty="0"/>
-              <a:t>Show the </a:t>
-            </a:r>
-            <a:r>
-              <a:rPr lang="en-US" dirty="0" err="1"/>
-              <a:t>pod_with_configmap.yaml</a:t>
-            </a:r>
-            <a:r>
-              <a:rPr lang="en-US" dirty="0"/>
-              <a:t> =&gt; you can include all values from a </a:t>
-            </a:r>
-            <a:r>
-              <a:rPr lang="en-US" dirty="0" err="1"/>
-              <a:t>configmap</a:t>
-            </a:r>
-            <a:r>
-              <a:rPr lang="en-US" dirty="0"/>
-              <a:t> or reference to specific keys. It is also possible to reference multiple </a:t>
-            </a:r>
-            <a:r>
-              <a:rPr lang="en-US" dirty="0" err="1"/>
-              <a:t>configMaps</a:t>
-            </a:r>
-            <a:r>
-              <a:rPr lang="en-US" dirty="0"/>
-              <a:t>. When deploying it to the cluster it will start &amp; go to status “completed” very quickly. Use “</a:t>
-            </a:r>
-            <a:r>
-              <a:rPr lang="en-US" dirty="0" err="1"/>
-              <a:t>kubectl</a:t>
-            </a:r>
-            <a:r>
-              <a:rPr lang="en-US" dirty="0"/>
-              <a:t> get pods -a” to display also terminated/completed pods. Use “</a:t>
-            </a:r>
-            <a:r>
-              <a:rPr lang="en-US" dirty="0" err="1"/>
-              <a:t>kubectl</a:t>
-            </a:r>
-            <a:r>
-              <a:rPr lang="en-US" dirty="0"/>
-              <a:t> logs test-</a:t>
-            </a:r>
-            <a:r>
-              <a:rPr lang="en-US" dirty="0" err="1"/>
-              <a:t>configmap</a:t>
-            </a:r>
-            <a:r>
-              <a:rPr lang="en-US" dirty="0"/>
-              <a:t>” to view the environment sent to </a:t>
-            </a:r>
-            <a:r>
-              <a:rPr lang="en-US" dirty="0" err="1"/>
-              <a:t>stdout</a:t>
-            </a:r>
-            <a:r>
-              <a:rPr lang="en-US" dirty="0"/>
-              <a:t>.</a:t>
-            </a:r>
-          </a:p>
-          <a:p>
-            <a:endParaRPr lang="en-US" dirty="0"/>
-          </a:p>
-          <a:p>
-            <a:r>
-              <a:rPr lang="en-US" dirty="0"/>
-              <a:t>Instead of mapping the </a:t>
-            </a:r>
-            <a:r>
-              <a:rPr lang="en-US" dirty="0" err="1"/>
-              <a:t>configMap</a:t>
-            </a:r>
-            <a:r>
-              <a:rPr lang="en-US" dirty="0"/>
-              <a:t> content to environment variables, it is also possible to mount them as files to a directory. This will be part of the exercise.</a:t>
-            </a:r>
-          </a:p>
-          <a:p>
             <a:pPr marL="0" marR="0" lvl="0" indent="0" algn="l" defTabSz="1088776" rtl="0" eaLnBrk="1" fontAlgn="auto" latinLnBrk="0" hangingPunct="1">
               <a:lnSpc>
                 <a:spcPct val="100000"/>
@@ -1248,7 +1374,45 @@
               <a:tabLst/>
               <a:defRPr/>
             </a:pPr>
-            <a:endParaRPr lang="en-US" baseline="0" dirty="0"/>
+            <a:r>
+              <a:rPr lang="en-US" dirty="0"/>
+              <a:t>Once the </a:t>
+            </a:r>
+            <a:r>
+              <a:rPr lang="en-US" dirty="0" err="1"/>
+              <a:t>configMap</a:t>
+            </a:r>
+            <a:r>
+              <a:rPr lang="en-US" dirty="0"/>
+              <a:t> is created it’s content can be </a:t>
+            </a:r>
+            <a:r>
+              <a:rPr lang="en-US" b="1" dirty="0"/>
+              <a:t>projected into a pod’s container</a:t>
+            </a:r>
+            <a:r>
+              <a:rPr lang="en-US" dirty="0"/>
+              <a:t> as an </a:t>
+            </a:r>
+            <a:r>
+              <a:rPr lang="en-US" b="1" dirty="0"/>
+              <a:t>environment variable</a:t>
+            </a:r>
+            <a:r>
+              <a:rPr lang="en-US" dirty="0"/>
+              <a:t> or </a:t>
+            </a:r>
+            <a:r>
+              <a:rPr lang="en-US" b="1" dirty="0"/>
+              <a:t>mounted as a file</a:t>
+            </a:r>
+            <a:r>
+              <a:rPr lang="en-US" dirty="0"/>
+              <a:t>.</a:t>
+            </a:r>
+          </a:p>
+          <a:p>
+            <a:endParaRPr lang="en-US" dirty="0"/>
           </a:p>
         </p:txBody>
       </p:sp>
@@ -1268,18 +1432,18 @@
           <a:lstStyle/>
           <a:p>
             <a:fld id="{7D8C2C35-2B8A-446E-BEC0-FD36716C29AC}" type="slidenum">
-              <a:rPr lang="de-DE" smtClean="0"/>
+              <a:rPr lang="en-US" smtClean="0"/>
               <a:pPr/>
               <a:t>5</a:t>
             </a:fld>
-            <a:endParaRPr lang="de-DE" dirty="0"/>
+            <a:endParaRPr lang="en-US" dirty="0"/>
           </a:p>
         </p:txBody>
       </p:sp>
     </p:spTree>
     <p:extLst>
       <p:ext uri="{BB962C8B-B14F-4D97-AF65-F5344CB8AC3E}">
-        <p14:creationId xmlns:p14="http://schemas.microsoft.com/office/powerpoint/2010/main" val="679986309"/>
+        <p14:creationId xmlns:p14="http://schemas.microsoft.com/office/powerpoint/2010/main" val="130487099"/>
       </p:ext>
     </p:extLst>
   </p:cSld>
@@ -1335,78 +1499,152 @@
           <a:p>
             <a:r>
               <a:rPr lang="en-US" dirty="0"/>
-              <a:t>There are 3 different types of secrets</a:t>
-            </a:r>
-          </a:p>
-          <a:p>
-            <a:pPr marL="285750" indent="-285750">
+              <a:t>Create a </a:t>
+            </a:r>
+            <a:r>
+              <a:rPr lang="en-US" dirty="0" err="1"/>
+              <a:t>configmap</a:t>
+            </a:r>
+            <a:r>
+              <a:rPr lang="en-US" dirty="0"/>
+              <a:t> example: </a:t>
+            </a:r>
+          </a:p>
+          <a:p>
+            <a:r>
+              <a:rPr lang="en-US" dirty="0" err="1"/>
+              <a:t>kubectl</a:t>
+            </a:r>
+            <a:r>
+              <a:rPr lang="en-US" dirty="0"/>
+              <a:t> create </a:t>
+            </a:r>
+            <a:r>
+              <a:rPr lang="en-US" dirty="0" err="1"/>
+              <a:t>configmap</a:t>
+            </a:r>
+            <a:r>
+              <a:rPr lang="en-US" dirty="0"/>
+              <a:t> test-config --from-literal=</a:t>
+            </a:r>
+            <a:r>
+              <a:rPr lang="en-US" dirty="0" err="1"/>
+              <a:t>test.type</a:t>
+            </a:r>
+            <a:r>
+              <a:rPr lang="en-US" dirty="0"/>
+              <a:t>=unit --from-literal=</a:t>
+            </a:r>
+            <a:r>
+              <a:rPr lang="en-US" dirty="0" err="1"/>
+              <a:t>test.exec</a:t>
+            </a:r>
+            <a:r>
+              <a:rPr lang="en-US" dirty="0"/>
+              <a:t>=always</a:t>
+            </a:r>
+          </a:p>
+          <a:p>
+            <a:endParaRPr lang="en-US" dirty="0"/>
+          </a:p>
+          <a:p>
+            <a:r>
+              <a:rPr lang="en-US" dirty="0"/>
+              <a:t>Show the </a:t>
+            </a:r>
+            <a:r>
+              <a:rPr lang="en-US" dirty="0" err="1"/>
+              <a:t>pod_with_configmap.yaml</a:t>
+            </a:r>
+            <a:r>
+              <a:rPr lang="en-US" dirty="0"/>
+              <a:t> =&gt; you can include all values from a </a:t>
+            </a:r>
+            <a:r>
+              <a:rPr lang="en-US" dirty="0" err="1"/>
+              <a:t>configmap</a:t>
+            </a:r>
+            <a:r>
+              <a:rPr lang="en-US" dirty="0"/>
+              <a:t> or reference to specific keys. It is also possible to reference multiple </a:t>
+            </a:r>
+            <a:r>
+              <a:rPr lang="en-US" dirty="0" err="1"/>
+              <a:t>configMaps</a:t>
+            </a:r>
+            <a:r>
+              <a:rPr lang="en-US" dirty="0"/>
+              <a:t>. When deploying it to the cluster it will start &amp; go to status “completed” very quickly. Use “</a:t>
+            </a:r>
+            <a:r>
+              <a:rPr lang="en-US" dirty="0" err="1"/>
+              <a:t>kubectl</a:t>
+            </a:r>
+            <a:r>
+              <a:rPr lang="en-US" dirty="0"/>
+              <a:t> get pods -a” to display also terminated/completed pods. Use “</a:t>
+            </a:r>
+            <a:r>
+              <a:rPr lang="en-US" dirty="0" err="1"/>
+              <a:t>kubectl</a:t>
+            </a:r>
+            <a:r>
+              <a:rPr lang="en-US" dirty="0"/>
+              <a:t> logs test-</a:t>
+            </a:r>
+            <a:r>
+              <a:rPr lang="en-US" dirty="0" err="1"/>
+              <a:t>configmap</a:t>
+            </a:r>
+            <a:r>
+              <a:rPr lang="en-US" dirty="0"/>
+              <a:t>” to view the environment sent to </a:t>
+            </a:r>
+            <a:r>
+              <a:rPr lang="en-US" dirty="0" err="1"/>
+              <a:t>stdout</a:t>
+            </a:r>
+            <a:r>
+              <a:rPr lang="en-US" dirty="0"/>
+              <a:t>.</a:t>
+            </a:r>
+          </a:p>
+          <a:p>
+            <a:endParaRPr lang="en-US" dirty="0"/>
+          </a:p>
+          <a:p>
+            <a:r>
+              <a:rPr lang="en-US" dirty="0"/>
+              <a:t>Instead of mapping the </a:t>
+            </a:r>
+            <a:r>
+              <a:rPr lang="en-US" dirty="0" err="1"/>
+              <a:t>configMap</a:t>
+            </a:r>
+            <a:r>
+              <a:rPr lang="en-US" dirty="0"/>
+              <a:t> content to environment variables, it is also possible to mount them as files to a directory. This will be part of the exercise.</a:t>
+            </a:r>
+          </a:p>
+          <a:p>
+            <a:pPr marL="0" marR="0" lvl="0" indent="0" algn="l" defTabSz="1088776" rtl="0" eaLnBrk="1" fontAlgn="auto" latinLnBrk="0" hangingPunct="1">
+              <a:lnSpc>
+                <a:spcPct val="100000"/>
+              </a:lnSpc>
+              <a:spcBef>
+                <a:spcPts val="0"/>
+              </a:spcBef>
+              <a:spcAft>
+                <a:spcPts val="0"/>
+              </a:spcAft>
+              <a:buClrTx/>
+              <a:buSzTx/>
               <a:buFontTx/>
-              <a:buChar char="-"/>
+              <a:buNone/>
+              <a:tabLst/>
+              <a:defRPr/>
             </a:pPr>
-            <a:r>
-              <a:rPr lang="en-US" b="1" dirty="0"/>
-              <a:t>generic</a:t>
-            </a:r>
-            <a:r>
-              <a:rPr lang="en-US" dirty="0"/>
-              <a:t>: to store credentials like passwords. Include as </a:t>
-            </a:r>
-            <a:r>
-              <a:rPr lang="en-US" b="1" dirty="0" err="1"/>
-              <a:t>env</a:t>
-            </a:r>
-            <a:r>
-              <a:rPr lang="en-US" b="1" dirty="0"/>
-              <a:t> variables</a:t>
-            </a:r>
-            <a:r>
-              <a:rPr lang="en-US" dirty="0"/>
-              <a:t> or </a:t>
-            </a:r>
-            <a:r>
-              <a:rPr lang="en-US" b="1" dirty="0"/>
-              <a:t>mount files</a:t>
-            </a:r>
-          </a:p>
-          <a:p>
-            <a:pPr marL="285750" indent="-285750">
-              <a:buFontTx/>
-              <a:buChar char="-"/>
-            </a:pPr>
-            <a:r>
-              <a:rPr lang="en-US" dirty="0"/>
-              <a:t>TLS: store certificates to setup TLS e.g. with a webserver</a:t>
-            </a:r>
-          </a:p>
-          <a:p>
-            <a:pPr marL="285750" indent="-285750">
-              <a:buFontTx/>
-              <a:buChar char="-"/>
-            </a:pPr>
-            <a:r>
-              <a:rPr lang="en-US" b="1" dirty="0"/>
-              <a:t>Docker-registry</a:t>
-            </a:r>
-            <a:r>
-              <a:rPr lang="en-US" dirty="0"/>
-              <a:t>: Contains credentials to authenticate pulls from protected registry like the docker store or a private registry. Assign the secret as </a:t>
-            </a:r>
-            <a:r>
-              <a:rPr lang="en-US" b="1" dirty="0"/>
-              <a:t>“</a:t>
-            </a:r>
-            <a:r>
-              <a:rPr lang="en-US" b="1" dirty="0" err="1"/>
-              <a:t>imagePullSecret</a:t>
-            </a:r>
-            <a:r>
-              <a:rPr lang="en-US" b="1" dirty="0"/>
-              <a:t>” </a:t>
-            </a:r>
-            <a:r>
-              <a:rPr lang="en-US" dirty="0"/>
-              <a:t>to a pod, to use the credentials for image pulling for this pod. </a:t>
-            </a:r>
+            <a:endParaRPr lang="en-US" baseline="0" dirty="0"/>
           </a:p>
         </p:txBody>
       </p:sp>
@@ -1426,18 +1664,18 @@
           <a:lstStyle/>
           <a:p>
             <a:fld id="{7D8C2C35-2B8A-446E-BEC0-FD36716C29AC}" type="slidenum">
-              <a:rPr lang="en-US" smtClean="0"/>
+              <a:rPr lang="de-DE" smtClean="0"/>
               <a:pPr/>
               <a:t>6</a:t>
             </a:fld>
-            <a:endParaRPr lang="en-US" dirty="0"/>
+            <a:endParaRPr lang="de-DE" dirty="0"/>
           </a:p>
         </p:txBody>
       </p:sp>
     </p:spTree>
     <p:extLst>
       <p:ext uri="{BB962C8B-B14F-4D97-AF65-F5344CB8AC3E}">
-        <p14:creationId xmlns:p14="http://schemas.microsoft.com/office/powerpoint/2010/main" val="1151262875"/>
+        <p14:creationId xmlns:p14="http://schemas.microsoft.com/office/powerpoint/2010/main" val="679986309"/>
       </p:ext>
     </p:extLst>
   </p:cSld>
@@ -1493,62 +1731,77 @@
           <a:p>
             <a:r>
               <a:rPr lang="en-US" dirty="0"/>
-              <a:t>Secrets can be created based on files or values from literals. The data gets base64 encoded and as long as you view the resource via </a:t>
-            </a:r>
-            <a:r>
-              <a:rPr lang="en-US" dirty="0" err="1"/>
-              <a:t>kubectl</a:t>
+              <a:t>There are 3 different types of secrets</a:t>
+            </a:r>
+          </a:p>
+          <a:p>
+            <a:pPr marL="285750" indent="-285750">
+              <a:buFontTx/>
+              <a:buChar char="-"/>
+            </a:pPr>
+            <a:r>
+              <a:rPr lang="en-US" b="1" dirty="0"/>
+              <a:t>generic</a:t>
             </a:r>
             <a:r>
               <a:rPr lang="en-US" dirty="0"/>
-              <a:t>, it stays this way. To view the data take the string, print it to </a:t>
-            </a:r>
-            <a:r>
-              <a:rPr lang="en-US" dirty="0" err="1"/>
-              <a:t>stdout</a:t>
+              <a:t>: to store credentials like passwords. Include as </a:t>
+            </a:r>
+            <a:r>
+              <a:rPr lang="en-US" b="1" dirty="0" err="1"/>
+              <a:t>env</a:t>
+            </a:r>
+            <a:r>
+              <a:rPr lang="en-US" b="1" dirty="0"/>
+              <a:t> variables</a:t>
             </a:r>
             <a:r>
               <a:rPr lang="en-US" dirty="0"/>
-              <a:t> and pipe it into base64 -d.</a:t>
-            </a:r>
-          </a:p>
-          <a:p>
+              <a:t> or </a:t>
+            </a:r>
+            <a:r>
+              <a:rPr lang="en-US" b="1" dirty="0"/>
+              <a:t>mount files</a:t>
+            </a:r>
+          </a:p>
+          <a:p>
+            <a:pPr marL="285750" indent="-285750">
+              <a:buFontTx/>
+              <a:buChar char="-"/>
+            </a:pPr>
             <a:r>
               <a:rPr lang="en-US" dirty="0"/>
-              <a:t>Example: echo U2VjcmV0NGV2ZXIK | base64 -d</a:t>
-            </a:r>
-          </a:p>
-          <a:p>
-            <a:endParaRPr lang="en-US" dirty="0"/>
-          </a:p>
-          <a:p>
+              <a:t>TLS: store certificates to setup TLS e.g. with a webserver</a:t>
+            </a:r>
+          </a:p>
+          <a:p>
+            <a:pPr marL="285750" indent="-285750">
+              <a:buFontTx/>
+              <a:buChar char="-"/>
+            </a:pPr>
+            <a:r>
+              <a:rPr lang="en-US" b="1" dirty="0"/>
+              <a:t>Docker-registry</a:t>
+            </a:r>
             <a:r>
               <a:rPr lang="en-US" dirty="0"/>
-              <a:t>To rebuild the demo use the </a:t>
+              <a:t>: Contains credentials to authenticate pulls from protected registry like the docker store or a private registry. Assign the secret as </a:t>
             </a:r>
             <a:r>
               <a:rPr lang="en-US" b="1" dirty="0"/>
-              <a:t>07d_demo_pod_with_secret.yaml</a:t>
+              <a:t>“</a:t>
+            </a:r>
+            <a:r>
+              <a:rPr lang="en-US" b="1" dirty="0" err="1"/>
+              <a:t>imagePullSecret</a:t>
+            </a:r>
+            <a:r>
+              <a:rPr lang="en-US" b="1" dirty="0"/>
+              <a:t>” </a:t>
             </a:r>
             <a:r>
               <a:rPr lang="en-US" dirty="0"/>
-              <a:t> and </a:t>
-            </a:r>
-            <a:r>
-              <a:rPr lang="en-US" b="1" dirty="0"/>
-              <a:t>07c_demo_secret.yaml</a:t>
-            </a:r>
-            <a:r>
-              <a:rPr lang="en-US" dirty="0"/>
-              <a:t> from ./</a:t>
-            </a:r>
-            <a:r>
-              <a:rPr lang="en-US" dirty="0" err="1"/>
-              <a:t>kubernetes</a:t>
-            </a:r>
-            <a:r>
-              <a:rPr lang="en-US" dirty="0"/>
-              <a:t>/demo. It contains the secret &amp; a pod mounting the secret.</a:t>
+              <a:t>to a pod, to use the credentials for image pulling for this pod. </a:t>
             </a:r>
           </a:p>
         </p:txBody>
@@ -1580,7 +1833,7 @@
     </p:spTree>
     <p:extLst>
       <p:ext uri="{BB962C8B-B14F-4D97-AF65-F5344CB8AC3E}">
-        <p14:creationId xmlns:p14="http://schemas.microsoft.com/office/powerpoint/2010/main" val="2065736834"/>
+        <p14:creationId xmlns:p14="http://schemas.microsoft.com/office/powerpoint/2010/main" val="1151262875"/>
       </p:ext>
     </p:extLst>
   </p:cSld>
@@ -1636,15 +1889,62 @@
           <a:p>
             <a:r>
               <a:rPr lang="en-US" dirty="0"/>
-              <a:t>Use the secret like any other volume and bind it to the pod. When mounted into the filesystem the content/values are decoded and available in plain text. So be careful what you do. Eventually you want to set (</a:t>
+              <a:t>Secrets can be created based on files or values from literals. The data gets base64 encoded and as long as you view the resource via </a:t>
             </a:r>
             <a:r>
               <a:rPr lang="en-US" dirty="0" err="1"/>
-              <a:t>linux</a:t>
+              <a:t>kubectl</a:t>
             </a:r>
             <a:r>
               <a:rPr lang="en-US" dirty="0"/>
-              <a:t>) permissions for the files (like 400 so only the owner is allowed to read it).</a:t>
+              <a:t>, it stays this way. To view the data take the string, print it to </a:t>
+            </a:r>
+            <a:r>
+              <a:rPr lang="en-US" dirty="0" err="1"/>
+              <a:t>stdout</a:t>
+            </a:r>
+            <a:r>
+              <a:rPr lang="en-US" dirty="0"/>
+              <a:t> and pipe it into base64 -d.</a:t>
+            </a:r>
+          </a:p>
+          <a:p>
+            <a:r>
+              <a:rPr lang="en-US" dirty="0"/>
+              <a:t>Example: echo U2VjcmV0NGV2ZXIK | base64 -d</a:t>
+            </a:r>
+          </a:p>
+          <a:p>
+            <a:endParaRPr lang="en-US" dirty="0"/>
+          </a:p>
+          <a:p>
+            <a:r>
+              <a:rPr lang="en-US" dirty="0"/>
+              <a:t>To rebuild the demo use the </a:t>
+            </a:r>
+            <a:r>
+              <a:rPr lang="en-US" b="1" dirty="0"/>
+              <a:t>07d_demo_pod_with_secret.yaml</a:t>
+            </a:r>
+            <a:r>
+              <a:rPr lang="en-US" dirty="0"/>
+              <a:t> and </a:t>
+            </a:r>
+            <a:r>
+              <a:rPr lang="en-US" b="1" dirty="0"/>
+              <a:t>07c_demo_secret.yaml</a:t>
+            </a:r>
+            <a:r>
+              <a:rPr lang="en-US" dirty="0"/>
+              <a:t> from ./</a:t>
+            </a:r>
+            <a:r>
+              <a:rPr lang="en-US" dirty="0" err="1"/>
+              <a:t>kubernetes</a:t>
+            </a:r>
+            <a:r>
+              <a:rPr lang="en-US" dirty="0"/>
+              <a:t>/demo. It contains the secret &amp; a pod mounting the secret.</a:t>
             </a:r>
           </a:p>
         </p:txBody>
@@ -1665,18 +1965,18 @@
           <a:lstStyle/>
           <a:p>
             <a:fld id="{7D8C2C35-2B8A-446E-BEC0-FD36716C29AC}" type="slidenum">
-              <a:rPr lang="de-DE" smtClean="0"/>
+              <a:rPr lang="en-US" smtClean="0"/>
               <a:pPr/>
               <a:t>8</a:t>
             </a:fld>
-            <a:endParaRPr lang="de-DE" dirty="0"/>
+            <a:endParaRPr lang="en-US" dirty="0"/>
           </a:p>
         </p:txBody>
       </p:sp>
     </p:spTree>
     <p:extLst>
       <p:ext uri="{BB962C8B-B14F-4D97-AF65-F5344CB8AC3E}">
-        <p14:creationId xmlns:p14="http://schemas.microsoft.com/office/powerpoint/2010/main" val="4206451847"/>
+        <p14:creationId xmlns:p14="http://schemas.microsoft.com/office/powerpoint/2010/main" val="2065736834"/>
       </p:ext>
     </p:extLst>
   </p:cSld>
@@ -1730,214 +2030,17 @@
           <a:bodyPr/>
           <a:lstStyle/>
           <a:p>
-            <a:pPr marL="0" marR="0" lvl="0" indent="0" algn="l" defTabSz="1088776" rtl="0" eaLnBrk="1" fontAlgn="auto" latinLnBrk="0" hangingPunct="1">
-              <a:lnSpc>
-                <a:spcPct val="100000"/>
-              </a:lnSpc>
-              <a:spcBef>
-                <a:spcPts val="0"/>
-              </a:spcBef>
-              <a:spcAft>
-                <a:spcPts val="0"/>
-              </a:spcAft>
-              <a:buClrTx/>
-              <a:buSzTx/>
-              <a:buFontTx/>
-              <a:buNone/>
-              <a:tabLst/>
-              <a:defRPr/>
-            </a:pPr>
-            <a:r>
-              <a:rPr lang="en-US" baseline="0" dirty="0"/>
-              <a:t>Create a secret from the command line or use the </a:t>
-            </a:r>
-            <a:r>
-              <a:rPr lang="en-US" baseline="0" dirty="0" err="1"/>
-              <a:t>yaml</a:t>
-            </a:r>
-            <a:endParaRPr lang="en-US" baseline="0" dirty="0"/>
-          </a:p>
-          <a:p>
-            <a:pPr marL="0" marR="0" lvl="0" indent="0" algn="l" defTabSz="1088776" rtl="0" eaLnBrk="1" fontAlgn="auto" latinLnBrk="0" hangingPunct="1">
-              <a:lnSpc>
-                <a:spcPct val="100000"/>
-              </a:lnSpc>
-              <a:spcBef>
-                <a:spcPts val="0"/>
-              </a:spcBef>
-              <a:spcAft>
-                <a:spcPts val="0"/>
-              </a:spcAft>
-              <a:buClrTx/>
-              <a:buSzTx/>
-              <a:buFontTx/>
-              <a:buNone/>
-              <a:tabLst/>
-              <a:defRPr/>
-            </a:pPr>
-            <a:endParaRPr lang="en-US" baseline="0" dirty="0"/>
-          </a:p>
-          <a:p>
-            <a:pPr marL="285750" marR="0" lvl="0" indent="-285750" algn="l" defTabSz="1088776" rtl="0" eaLnBrk="1" fontAlgn="auto" latinLnBrk="0" hangingPunct="1">
-              <a:lnSpc>
-                <a:spcPct val="100000"/>
-              </a:lnSpc>
-              <a:spcBef>
-                <a:spcPts val="0"/>
-              </a:spcBef>
-              <a:spcAft>
-                <a:spcPts val="0"/>
-              </a:spcAft>
-              <a:buClrTx/>
-              <a:buSzTx/>
-              <a:buFontTx/>
-              <a:buChar char="-"/>
-              <a:tabLst/>
-              <a:defRPr/>
-            </a:pPr>
-            <a:r>
-              <a:rPr lang="en-US" baseline="0" dirty="0"/>
-              <a:t>echo admin &gt; username.txt</a:t>
-            </a:r>
-          </a:p>
-          <a:p>
-            <a:pPr marL="285750" marR="0" lvl="0" indent="-285750" algn="l" defTabSz="1088776" rtl="0" eaLnBrk="1" fontAlgn="auto" latinLnBrk="0" hangingPunct="1">
-              <a:lnSpc>
-                <a:spcPct val="100000"/>
-              </a:lnSpc>
-              <a:spcBef>
-                <a:spcPts val="0"/>
-              </a:spcBef>
-              <a:spcAft>
-                <a:spcPts val="0"/>
-              </a:spcAft>
-              <a:buClrTx/>
-              <a:buSzTx/>
-              <a:buFontTx/>
-              <a:buChar char="-"/>
-              <a:tabLst/>
-              <a:defRPr/>
-            </a:pPr>
-            <a:r>
-              <a:rPr lang="en-US" baseline="0" dirty="0"/>
-              <a:t>echo Secret4ever &gt; password.txt</a:t>
-            </a:r>
-          </a:p>
-          <a:p>
-            <a:pPr marL="285750" marR="0" lvl="0" indent="-285750" algn="l" defTabSz="1088776" rtl="0" eaLnBrk="1" fontAlgn="auto" latinLnBrk="0" hangingPunct="1">
-              <a:lnSpc>
-                <a:spcPct val="100000"/>
-              </a:lnSpc>
-              <a:spcBef>
-                <a:spcPts val="0"/>
-              </a:spcBef>
-              <a:spcAft>
-                <a:spcPts val="0"/>
-              </a:spcAft>
-              <a:buClrTx/>
-              <a:buSzTx/>
-              <a:buFontTx/>
-              <a:buChar char="-"/>
-              <a:tabLst/>
-              <a:defRPr/>
-            </a:pPr>
-            <a:r>
-              <a:rPr lang="en-US" baseline="0" dirty="0" err="1"/>
-              <a:t>kubectl</a:t>
-            </a:r>
-            <a:r>
-              <a:rPr lang="en-US" baseline="0" dirty="0"/>
-              <a:t> create secret generic admin-access --from-file=./username.txt --from-file=./password.txt</a:t>
-            </a:r>
-          </a:p>
-          <a:p>
-            <a:pPr marL="285750" marR="0" lvl="0" indent="-285750" algn="l" defTabSz="1088776" rtl="0" eaLnBrk="1" fontAlgn="auto" latinLnBrk="0" hangingPunct="1">
-              <a:lnSpc>
-                <a:spcPct val="100000"/>
-              </a:lnSpc>
-              <a:spcBef>
-                <a:spcPts val="0"/>
-              </a:spcBef>
-              <a:spcAft>
-                <a:spcPts val="0"/>
-              </a:spcAft>
-              <a:buClrTx/>
-              <a:buSzTx/>
-              <a:buFontTx/>
-              <a:buChar char="-"/>
-              <a:tabLst/>
-              <a:defRPr/>
-            </a:pPr>
-            <a:r>
-              <a:rPr lang="en-US" baseline="0" dirty="0"/>
-              <a:t>Print the secret in </a:t>
-            </a:r>
-            <a:r>
-              <a:rPr lang="en-US" baseline="0" dirty="0" err="1"/>
-              <a:t>yaml</a:t>
-            </a:r>
-            <a:r>
-              <a:rPr lang="en-US" baseline="0" dirty="0"/>
-              <a:t> format and send the value for password to </a:t>
-            </a:r>
-            <a:r>
-              <a:rPr lang="en-US" baseline="0"/>
-              <a:t>base64 -decode</a:t>
-            </a:r>
-            <a:r>
-              <a:rPr lang="en-US" baseline="0" dirty="0"/>
-              <a:t>:  echo U2VjcmV0NGV2ZXIK | </a:t>
-            </a:r>
-            <a:r>
-              <a:rPr lang="en-US" baseline="0"/>
-              <a:t>base64 -d</a:t>
-            </a:r>
-            <a:endParaRPr lang="en-US" baseline="0" dirty="0"/>
-          </a:p>
-          <a:p>
-            <a:pPr marL="285750" marR="0" lvl="0" indent="-285750" algn="l" defTabSz="1088776" rtl="0" eaLnBrk="1" fontAlgn="auto" latinLnBrk="0" hangingPunct="1">
-              <a:lnSpc>
-                <a:spcPct val="100000"/>
-              </a:lnSpc>
-              <a:spcBef>
-                <a:spcPts val="0"/>
-              </a:spcBef>
-              <a:spcAft>
-                <a:spcPts val="0"/>
-              </a:spcAft>
-              <a:buClrTx/>
-              <a:buSzTx/>
-              <a:buFontTx/>
-              <a:buChar char="-"/>
-              <a:tabLst/>
-              <a:defRPr/>
-            </a:pPr>
-            <a:r>
-              <a:rPr lang="en-US" baseline="0" dirty="0"/>
-              <a:t>Schedule the demo pod for secrets (make sure the secret name matches) and query the logs</a:t>
-            </a:r>
-          </a:p>
-          <a:p>
-            <a:pPr marL="285750" marR="0" lvl="0" indent="-285750" algn="l" defTabSz="1088776" rtl="0" eaLnBrk="1" fontAlgn="auto" latinLnBrk="0" hangingPunct="1">
-              <a:lnSpc>
-                <a:spcPct val="100000"/>
-              </a:lnSpc>
-              <a:spcBef>
-                <a:spcPts val="0"/>
-              </a:spcBef>
-              <a:spcAft>
-                <a:spcPts val="0"/>
-              </a:spcAft>
-              <a:buClrTx/>
-              <a:buSzTx/>
-              <a:buFontTx/>
-              <a:buChar char="-"/>
-              <a:tabLst/>
-              <a:defRPr/>
-            </a:pPr>
-            <a:r>
-              <a:rPr lang="en-US" baseline="0" dirty="0"/>
-              <a:t>=&gt; highlight that the values are accessible in clear text within the pod context</a:t>
+            <a:r>
+              <a:rPr lang="en-US" dirty="0"/>
+              <a:t>Use the secret like any other volume and bind it to the pod. When mounted into the filesystem the content/values are decoded and available in plain text. So be careful what you do. Eventually you want to set (</a:t>
+            </a:r>
+            <a:r>
+              <a:rPr lang="en-US" dirty="0" err="1"/>
+              <a:t>linux</a:t>
+            </a:r>
+            <a:r>
+              <a:rPr lang="en-US" dirty="0"/>
+              <a:t>) permissions for the files (like 400 so only the owner is allowed to read it).</a:t>
             </a:r>
           </a:p>
         </p:txBody>
@@ -1969,7 +2072,7 @@
     </p:spTree>
     <p:extLst>
       <p:ext uri="{BB962C8B-B14F-4D97-AF65-F5344CB8AC3E}">
-        <p14:creationId xmlns:p14="http://schemas.microsoft.com/office/powerpoint/2010/main" val="1289078597"/>
+        <p14:creationId xmlns:p14="http://schemas.microsoft.com/office/powerpoint/2010/main" val="4206451847"/>
       </p:ext>
     </p:extLst>
   </p:cSld>
@@ -4184,14 +4287,6 @@
 <file path=ppt/slideLayouts/slideLayout15.xml><?xml version="1.0" encoding="utf-8"?>
 <p:sldLayout xmlns:a="http://schemas.openxmlformats.org/drawingml/2006/main" xmlns:r="http://schemas.openxmlformats.org/officeDocument/2006/relationships" xmlns:p="http://schemas.openxmlformats.org/presentationml/2006/main" preserve="1" userDrawn="1">
   <p:cSld name="Quote">
-    <p:bg>
-      <p:bgPr>
-        <a:solidFill>
-          <a:schemeClr val="bg1"/>
-        </a:solidFill>
-        <a:effectLst/>
-      </p:bgPr>
-    </p:bg>
     <p:spTree>
       <p:nvGrpSpPr>
         <p:cNvPr id="1" name=""/>
@@ -14956,7 +15051,7 @@
       </p:ext>
     </p:extLst>
   </p:cSld>
-  <p:clrMap bg1="dk1" tx1="lt1" bg2="dk2" tx2="lt2" accent1="accent1" accent2="accent2" accent3="accent3" accent4="accent4" accent5="accent5" accent6="accent6" hlink="hlink" folHlink="folHlink"/>
+  <p:clrMap bg1="lt1" tx1="dk1" bg2="lt2" tx2="dk2" accent1="accent1" accent2="accent2" accent3="accent3" accent4="accent4" accent5="accent5" accent6="accent6" hlink="hlink" folHlink="folHlink"/>
   <p:sldLayoutIdLst>
     <p:sldLayoutId id="2147483772" r:id="rId1"/>
     <p:sldLayoutId id="2147483776" r:id="rId2"/>
@@ -15324,7 +15419,13 @@
       </p:sp>
       <p:pic>
         <p:nvPicPr>
-          <p:cNvPr id="3" name="Picture Placeholder 2"/>
+          <p:cNvPr id="6" name="Illustration" descr="Example of an illustration" title="Illustration for title slide">
+            <a:extLst>
+              <a:ext uri="{FF2B5EF4-FFF2-40B4-BE49-F238E27FC236}">
+                <a16:creationId xmlns:a16="http://schemas.microsoft.com/office/drawing/2014/main" id="{F183C21C-0C42-4CC1-A067-7B1027C3919B}"/>
+              </a:ext>
+            </a:extLst>
+          </p:cNvPr>
           <p:cNvPicPr>
             <a:picLocks noGrp="1" noChangeAspect="1"/>
           </p:cNvPicPr>
@@ -15339,7 +15440,12 @@
             <a:fillRect/>
           </a:stretch>
         </p:blipFill>
-        <p:spPr/>
+        <p:spPr bwMode="gray">
+          <a:xfrm>
+            <a:off x="0" y="0"/>
+            <a:ext cx="12195174" cy="3430006"/>
+          </a:xfrm>
+        </p:spPr>
       </p:pic>
     </p:spTree>
     <p:extLst>
@@ -15355,6 +15461,88 @@
 </file>
 
 <file path=ppt/slides/slide10.xml><?xml version="1.0" encoding="utf-8"?>
+<p:sld xmlns:a="http://schemas.openxmlformats.org/drawingml/2006/main" xmlns:r="http://schemas.openxmlformats.org/officeDocument/2006/relationships" xmlns:p="http://schemas.openxmlformats.org/presentationml/2006/main">
+  <p:cSld>
+    <p:spTree>
+      <p:nvGrpSpPr>
+        <p:cNvPr id="1" name=""/>
+        <p:cNvGrpSpPr/>
+        <p:nvPr/>
+      </p:nvGrpSpPr>
+      <p:grpSpPr>
+        <a:xfrm>
+          <a:off x="0" y="0"/>
+          <a:ext cx="0" cy="0"/>
+          <a:chOff x="0" y="0"/>
+          <a:chExt cx="0" cy="0"/>
+        </a:xfrm>
+      </p:grpSpPr>
+      <p:sp>
+        <p:nvSpPr>
+          <p:cNvPr id="3" name="Title 2"/>
+          <p:cNvSpPr>
+            <a:spLocks noGrp="1"/>
+          </p:cNvSpPr>
+          <p:nvPr>
+            <p:ph type="title"/>
+          </p:nvPr>
+        </p:nvSpPr>
+        <p:spPr/>
+        <p:txBody>
+          <a:bodyPr/>
+          <a:lstStyle/>
+          <a:p>
+            <a:r>
+              <a:rPr lang="en-US" dirty="0"/>
+              <a:t>Demo</a:t>
+            </a:r>
+          </a:p>
+        </p:txBody>
+      </p:sp>
+      <p:pic>
+        <p:nvPicPr>
+          <p:cNvPr id="5" name="Picture 4">
+            <a:extLst>
+              <a:ext uri="{FF2B5EF4-FFF2-40B4-BE49-F238E27FC236}">
+                <a16:creationId xmlns:a16="http://schemas.microsoft.com/office/drawing/2014/main" id="{9C62A5CB-238A-4F85-B51C-08527F45B6A7}"/>
+              </a:ext>
+            </a:extLst>
+          </p:cNvPr>
+          <p:cNvPicPr>
+            <a:picLocks noChangeAspect="1"/>
+          </p:cNvPicPr>
+          <p:nvPr/>
+        </p:nvPicPr>
+        <p:blipFill>
+          <a:blip r:embed="rId3"/>
+          <a:stretch>
+            <a:fillRect/>
+          </a:stretch>
+        </p:blipFill>
+        <p:spPr>
+          <a:xfrm>
+            <a:off x="3645157" y="976918"/>
+            <a:ext cx="4904163" cy="4904163"/>
+          </a:xfrm>
+          <a:prstGeom prst="rect">
+            <a:avLst/>
+          </a:prstGeom>
+        </p:spPr>
+      </p:pic>
+    </p:spTree>
+    <p:extLst>
+      <p:ext uri="{BB962C8B-B14F-4D97-AF65-F5344CB8AC3E}">
+        <p14:creationId xmlns:p14="http://schemas.microsoft.com/office/powerpoint/2010/main" val="2946468943"/>
+      </p:ext>
+    </p:extLst>
+  </p:cSld>
+  <p:clrMapOvr>
+    <a:masterClrMapping/>
+  </p:clrMapOvr>
+</p:sld>
+</file>
+
+<file path=ppt/slides/slide11.xml><?xml version="1.0" encoding="utf-8"?>
 <p:sld xmlns:a="http://schemas.openxmlformats.org/drawingml/2006/main" xmlns:r="http://schemas.openxmlformats.org/officeDocument/2006/relationships" xmlns:p="http://schemas.openxmlformats.org/presentationml/2006/main">
   <p:cSld>
     <p:spTree>
@@ -16422,6 +16610,292 @@
           </a:p>
         </p:txBody>
       </p:sp>
+      <p:sp>
+        <p:nvSpPr>
+          <p:cNvPr id="20" name="Speech Bubble: Rectangle 19">
+            <a:extLst>
+              <a:ext uri="{FF2B5EF4-FFF2-40B4-BE49-F238E27FC236}">
+                <a16:creationId xmlns:a16="http://schemas.microsoft.com/office/drawing/2014/main" id="{7711302D-71E3-4BB4-867C-5D0045EC3D9E}"/>
+              </a:ext>
+            </a:extLst>
+          </p:cNvPr>
+          <p:cNvSpPr/>
+          <p:nvPr/>
+        </p:nvSpPr>
+        <p:spPr bwMode="gray">
+          <a:xfrm>
+            <a:off x="8579848" y="5163329"/>
+            <a:ext cx="2535294" cy="915844"/>
+          </a:xfrm>
+          <a:prstGeom prst="wedgeRectCallout">
+            <a:avLst>
+              <a:gd name="adj1" fmla="val -81283"/>
+              <a:gd name="adj2" fmla="val 33089"/>
+            </a:avLst>
+          </a:prstGeom>
+          <a:ln>
+            <a:headEnd/>
+            <a:tailEnd/>
+          </a:ln>
+        </p:spPr>
+        <p:style>
+          <a:lnRef idx="2">
+            <a:schemeClr val="accent5"/>
+          </a:lnRef>
+          <a:fillRef idx="1">
+            <a:schemeClr val="lt1"/>
+          </a:fillRef>
+          <a:effectRef idx="0">
+            <a:schemeClr val="accent5"/>
+          </a:effectRef>
+          <a:fontRef idx="minor">
+            <a:schemeClr val="dk1"/>
+          </a:fontRef>
+        </p:style>
+        <p:txBody>
+          <a:bodyPr lIns="90000" tIns="72000" rIns="90000" bIns="72000" rtlCol="0" anchor="ctr"/>
+          <a:lstStyle/>
+          <a:p>
+            <a:pPr marR="0" algn="ctr" defTabSz="914400" eaLnBrk="1" fontAlgn="base" latinLnBrk="0" hangingPunct="1">
+              <a:lnSpc>
+                <a:spcPct val="100000"/>
+              </a:lnSpc>
+              <a:spcBef>
+                <a:spcPct val="50000"/>
+              </a:spcBef>
+              <a:spcAft>
+                <a:spcPct val="0"/>
+              </a:spcAft>
+              <a:buClr>
+                <a:srgbClr val="F0AB00"/>
+              </a:buClr>
+              <a:buSzPct val="80000"/>
+              <a:tabLst/>
+            </a:pPr>
+            <a:r>
+              <a:rPr kumimoji="0" lang="en-US" sz="1800" b="0" i="0" u="none" strike="noStrike" kern="0" cap="none" spc="0" normalizeH="0" baseline="0" noProof="0" dirty="0">
+                <a:ln>
+                  <a:noFill/>
+                </a:ln>
+                <a:effectLst/>
+                <a:uLnTx/>
+                <a:uFillTx/>
+                <a:ea typeface="Arial Unicode MS" pitchFamily="34" charset="-128"/>
+                <a:cs typeface="Arial Unicode MS" pitchFamily="34" charset="-128"/>
+              </a:rPr>
+              <a:t>create configuration and </a:t>
+            </a:r>
+            <a:r>
+              <a:rPr kumimoji="0" lang="en-US" sz="1800" b="0" i="0" u="none" strike="noStrike" kern="0" cap="none" spc="0" normalizeH="0" baseline="0" noProof="0" dirty="0" err="1">
+                <a:ln>
+                  <a:noFill/>
+                </a:ln>
+                <a:effectLst/>
+                <a:uLnTx/>
+                <a:uFillTx/>
+                <a:ea typeface="Arial Unicode MS" pitchFamily="34" charset="-128"/>
+                <a:cs typeface="Arial Unicode MS" pitchFamily="34" charset="-128"/>
+              </a:rPr>
+              <a:t>tls</a:t>
+            </a:r>
+            <a:r>
+              <a:rPr kumimoji="0" lang="en-US" sz="1800" b="0" i="0" u="none" strike="noStrike" kern="0" cap="none" spc="0" normalizeH="0" baseline="0" noProof="0" dirty="0">
+                <a:ln>
+                  <a:noFill/>
+                </a:ln>
+                <a:effectLst/>
+                <a:uLnTx/>
+                <a:uFillTx/>
+                <a:ea typeface="Arial Unicode MS" pitchFamily="34" charset="-128"/>
+                <a:cs typeface="Arial Unicode MS" pitchFamily="34" charset="-128"/>
+              </a:rPr>
+              <a:t> secrets</a:t>
+            </a:r>
+          </a:p>
+        </p:txBody>
+      </p:sp>
+      <p:sp>
+        <p:nvSpPr>
+          <p:cNvPr id="21" name="Speech Bubble: Rectangle 20">
+            <a:extLst>
+              <a:ext uri="{FF2B5EF4-FFF2-40B4-BE49-F238E27FC236}">
+                <a16:creationId xmlns:a16="http://schemas.microsoft.com/office/drawing/2014/main" id="{01EC3AB0-762F-43E8-A188-7C403E7BE6B7}"/>
+              </a:ext>
+            </a:extLst>
+          </p:cNvPr>
+          <p:cNvSpPr/>
+          <p:nvPr/>
+        </p:nvSpPr>
+        <p:spPr bwMode="gray">
+          <a:xfrm>
+            <a:off x="8345749" y="1213876"/>
+            <a:ext cx="2535294" cy="915844"/>
+          </a:xfrm>
+          <a:prstGeom prst="wedgeRectCallout">
+            <a:avLst>
+              <a:gd name="adj1" fmla="val -81283"/>
+              <a:gd name="adj2" fmla="val 33089"/>
+            </a:avLst>
+          </a:prstGeom>
+          <a:ln>
+            <a:headEnd/>
+            <a:tailEnd/>
+          </a:ln>
+        </p:spPr>
+        <p:style>
+          <a:lnRef idx="2">
+            <a:schemeClr val="accent5"/>
+          </a:lnRef>
+          <a:fillRef idx="1">
+            <a:schemeClr val="lt1"/>
+          </a:fillRef>
+          <a:effectRef idx="0">
+            <a:schemeClr val="accent5"/>
+          </a:effectRef>
+          <a:fontRef idx="minor">
+            <a:schemeClr val="dk1"/>
+          </a:fontRef>
+        </p:style>
+        <p:txBody>
+          <a:bodyPr lIns="90000" tIns="72000" rIns="90000" bIns="72000" rtlCol="0" anchor="ctr"/>
+          <a:lstStyle/>
+          <a:p>
+            <a:pPr marR="0" algn="ctr" defTabSz="914400" eaLnBrk="1" fontAlgn="base" latinLnBrk="0" hangingPunct="1">
+              <a:lnSpc>
+                <a:spcPct val="100000"/>
+              </a:lnSpc>
+              <a:spcBef>
+                <a:spcPct val="50000"/>
+              </a:spcBef>
+              <a:spcAft>
+                <a:spcPct val="0"/>
+              </a:spcAft>
+              <a:buClr>
+                <a:srgbClr val="F0AB00"/>
+              </a:buClr>
+              <a:buSzPct val="80000"/>
+              <a:tabLst/>
+            </a:pPr>
+            <a:r>
+              <a:rPr kumimoji="0" lang="en-US" sz="1800" b="0" i="0" u="none" strike="noStrike" kern="0" cap="none" spc="0" normalizeH="0" baseline="0" noProof="0" dirty="0">
+                <a:ln>
+                  <a:noFill/>
+                </a:ln>
+                <a:effectLst/>
+                <a:uLnTx/>
+                <a:uFillTx/>
+                <a:ea typeface="Arial Unicode MS" pitchFamily="34" charset="-128"/>
+                <a:cs typeface="Arial Unicode MS" pitchFamily="34" charset="-128"/>
+              </a:rPr>
+              <a:t>Expose </a:t>
+            </a:r>
+            <a:r>
+              <a:rPr kumimoji="0" lang="en-US" sz="1800" b="0" i="0" u="none" strike="noStrike" kern="0" cap="none" spc="0" normalizeH="0" baseline="0" noProof="0" dirty="0" err="1">
+                <a:ln>
+                  <a:noFill/>
+                </a:ln>
+                <a:effectLst/>
+                <a:uLnTx/>
+                <a:uFillTx/>
+                <a:ea typeface="Arial Unicode MS" pitchFamily="34" charset="-128"/>
+                <a:cs typeface="Arial Unicode MS" pitchFamily="34" charset="-128"/>
+              </a:rPr>
+              <a:t>nginx</a:t>
+            </a:r>
+            <a:r>
+              <a:rPr kumimoji="0" lang="en-US" sz="1800" b="0" i="0" u="none" strike="noStrike" kern="0" cap="none" spc="0" normalizeH="0" baseline="0" noProof="0" dirty="0">
+                <a:ln>
+                  <a:noFill/>
+                </a:ln>
+                <a:effectLst/>
+                <a:uLnTx/>
+                <a:uFillTx/>
+                <a:ea typeface="Arial Unicode MS" pitchFamily="34" charset="-128"/>
+                <a:cs typeface="Arial Unicode MS" pitchFamily="34" charset="-128"/>
+              </a:rPr>
+              <a:t> via https</a:t>
+            </a:r>
+          </a:p>
+        </p:txBody>
+      </p:sp>
+      <p:sp>
+        <p:nvSpPr>
+          <p:cNvPr id="22" name="Speech Bubble: Rectangle 21">
+            <a:extLst>
+              <a:ext uri="{FF2B5EF4-FFF2-40B4-BE49-F238E27FC236}">
+                <a16:creationId xmlns:a16="http://schemas.microsoft.com/office/drawing/2014/main" id="{D90A8276-8E9C-4CEF-94B2-EDE9A4CACF9C}"/>
+              </a:ext>
+            </a:extLst>
+          </p:cNvPr>
+          <p:cNvSpPr/>
+          <p:nvPr/>
+        </p:nvSpPr>
+        <p:spPr bwMode="gray">
+          <a:xfrm>
+            <a:off x="9228382" y="3355620"/>
+            <a:ext cx="2535294" cy="915844"/>
+          </a:xfrm>
+          <a:prstGeom prst="wedgeRectCallout">
+            <a:avLst>
+              <a:gd name="adj1" fmla="val -81283"/>
+              <a:gd name="adj2" fmla="val 33089"/>
+            </a:avLst>
+          </a:prstGeom>
+          <a:ln>
+            <a:headEnd/>
+            <a:tailEnd/>
+          </a:ln>
+        </p:spPr>
+        <p:style>
+          <a:lnRef idx="2">
+            <a:schemeClr val="accent5"/>
+          </a:lnRef>
+          <a:fillRef idx="1">
+            <a:schemeClr val="lt1"/>
+          </a:fillRef>
+          <a:effectRef idx="0">
+            <a:schemeClr val="accent5"/>
+          </a:effectRef>
+          <a:fontRef idx="minor">
+            <a:schemeClr val="dk1"/>
+          </a:fontRef>
+        </p:style>
+        <p:txBody>
+          <a:bodyPr lIns="90000" tIns="72000" rIns="90000" bIns="72000" rtlCol="0" anchor="ctr"/>
+          <a:lstStyle/>
+          <a:p>
+            <a:pPr marR="0" algn="ctr" defTabSz="914400" eaLnBrk="1" fontAlgn="base" latinLnBrk="0" hangingPunct="1">
+              <a:lnSpc>
+                <a:spcPct val="100000"/>
+              </a:lnSpc>
+              <a:spcBef>
+                <a:spcPct val="50000"/>
+              </a:spcBef>
+              <a:spcAft>
+                <a:spcPct val="0"/>
+              </a:spcAft>
+              <a:buClr>
+                <a:srgbClr val="F0AB00"/>
+              </a:buClr>
+              <a:buSzPct val="80000"/>
+              <a:tabLst/>
+            </a:pPr>
+            <a:r>
+              <a:rPr kumimoji="0" lang="en-US" sz="1800" b="0" i="0" u="none" strike="noStrike" kern="0" cap="none" spc="0" normalizeH="0" baseline="0" noProof="0" dirty="0">
+                <a:ln>
+                  <a:noFill/>
+                </a:ln>
+                <a:effectLst/>
+                <a:uLnTx/>
+                <a:uFillTx/>
+                <a:ea typeface="Arial Unicode MS" pitchFamily="34" charset="-128"/>
+                <a:cs typeface="Arial Unicode MS" pitchFamily="34" charset="-128"/>
+              </a:rPr>
+              <a:t>Add usage of configuration &amp; secrets to the deployment</a:t>
+            </a:r>
+          </a:p>
+        </p:txBody>
+      </p:sp>
     </p:spTree>
     <p:extLst>
       <p:ext uri="{BB962C8B-B14F-4D97-AF65-F5344CB8AC3E}">
@@ -16435,7 +16909,7 @@
 </p:sld>
 </file>
 
-<file path=ppt/slides/slide11.xml><?xml version="1.0" encoding="utf-8"?>
+<file path=ppt/slides/slide12.xml><?xml version="1.0" encoding="utf-8"?>
 <p:sld xmlns:a="http://schemas.openxmlformats.org/drawingml/2006/main" xmlns:r="http://schemas.openxmlformats.org/officeDocument/2006/relationships" xmlns:p="http://schemas.openxmlformats.org/presentationml/2006/main" show="0">
   <p:cSld>
     <p:spTree>
@@ -16492,6 +16966,12 @@
           <a:prstGeom prst="rect">
             <a:avLst/>
           </a:prstGeom>
+          <a:solidFill>
+            <a:schemeClr val="accent1">
+              <a:lumMod val="40000"/>
+              <a:lumOff val="60000"/>
+            </a:schemeClr>
+          </a:solidFill>
           <a:ln>
             <a:headEnd/>
             <a:tailEnd/>
@@ -16647,6 +17127,9 @@
           <a:prstGeom prst="rect">
             <a:avLst/>
           </a:prstGeom>
+          <a:solidFill>
+            <a:schemeClr val="tx2"/>
+          </a:solidFill>
           <a:ln>
             <a:headEnd/>
             <a:tailEnd/>
@@ -16690,6 +17173,9 @@
             </a:pPr>
             <a:r>
               <a:rPr lang="en-US" sz="1600" b="1" kern="0" dirty="0">
+                <a:solidFill>
+                  <a:schemeClr val="tx1"/>
+                </a:solidFill>
                 <a:ea typeface="Arial Unicode MS" pitchFamily="34" charset="-128"/>
                 <a:cs typeface="Arial Unicode MS" pitchFamily="34" charset="-128"/>
               </a:rPr>
@@ -16699,6 +17185,9 @@
               <a:ln>
                 <a:noFill/>
               </a:ln>
+              <a:solidFill>
+                <a:schemeClr val="tx1"/>
+              </a:solidFill>
               <a:effectLst/>
               <a:uLnTx/>
               <a:uFillTx/>
@@ -16882,6 +17371,9 @@
           <a:prstGeom prst="rect">
             <a:avLst/>
           </a:prstGeom>
+          <a:solidFill>
+            <a:schemeClr val="tx2"/>
+          </a:solidFill>
           <a:ln>
             <a:headEnd/>
             <a:tailEnd/>
@@ -16925,6 +17417,9 @@
             </a:pPr>
             <a:r>
               <a:rPr lang="en-US" sz="1600" b="1" kern="0" dirty="0">
+                <a:solidFill>
+                  <a:schemeClr val="tx1"/>
+                </a:solidFill>
                 <a:ea typeface="Arial Unicode MS" pitchFamily="34" charset="-128"/>
                 <a:cs typeface="Arial Unicode MS" pitchFamily="34" charset="-128"/>
               </a:rPr>
@@ -16934,6 +17429,9 @@
               <a:ln>
                 <a:noFill/>
               </a:ln>
+              <a:solidFill>
+                <a:schemeClr val="tx1"/>
+              </a:solidFill>
               <a:effectLst/>
               <a:uLnTx/>
               <a:uFillTx/>
@@ -17141,88 +17639,6 @@
       </p:grpSpPr>
       <p:sp>
         <p:nvSpPr>
-          <p:cNvPr id="17" name="Rectangle: Rounded Corners 16"/>
-          <p:cNvSpPr/>
-          <p:nvPr/>
-        </p:nvSpPr>
-        <p:spPr bwMode="gray">
-          <a:xfrm>
-            <a:off x="1935480" y="3025140"/>
-            <a:ext cx="8404860" cy="3451860"/>
-          </a:xfrm>
-          <a:prstGeom prst="roundRect">
-            <a:avLst/>
-          </a:prstGeom>
-          <a:ln>
-            <a:headEnd/>
-            <a:tailEnd/>
-          </a:ln>
-        </p:spPr>
-        <p:style>
-          <a:lnRef idx="2">
-            <a:schemeClr val="accent2"/>
-          </a:lnRef>
-          <a:fillRef idx="1">
-            <a:schemeClr val="lt1"/>
-          </a:fillRef>
-          <a:effectRef idx="0">
-            <a:schemeClr val="accent2"/>
-          </a:effectRef>
-          <a:fontRef idx="minor">
-            <a:schemeClr val="dk1"/>
-          </a:fontRef>
-        </p:style>
-        <p:txBody>
-          <a:bodyPr lIns="90000" tIns="72000" rIns="90000" bIns="72000" rtlCol="0" anchor="t"/>
-          <a:lstStyle/>
-          <a:p>
-            <a:pPr marR="0" algn="ctr" defTabSz="914400" eaLnBrk="1" fontAlgn="base" latinLnBrk="0" hangingPunct="1">
-              <a:lnSpc>
-                <a:spcPct val="100000"/>
-              </a:lnSpc>
-              <a:spcBef>
-                <a:spcPct val="50000"/>
-              </a:spcBef>
-              <a:spcAft>
-                <a:spcPct val="0"/>
-              </a:spcAft>
-              <a:buClr>
-                <a:srgbClr val="F0AB00"/>
-              </a:buClr>
-              <a:buSzPct val="80000"/>
-              <a:tabLst/>
-            </a:pPr>
-            <a:r>
-              <a:rPr kumimoji="0" lang="en-US" sz="1800" b="0" i="0" u="none" strike="noStrike" kern="0" cap="none" spc="0" normalizeH="0" baseline="0" noProof="0" dirty="0" err="1">
-                <a:ln>
-                  <a:noFill/>
-                </a:ln>
-                <a:effectLst/>
-                <a:uLnTx/>
-                <a:uFillTx/>
-                <a:ea typeface="Arial Unicode MS" pitchFamily="34" charset="-128"/>
-                <a:cs typeface="Arial Unicode MS" pitchFamily="34" charset="-128"/>
-              </a:rPr>
-              <a:t>Namspace</a:t>
-            </a:r>
-            <a:r>
-              <a:rPr kumimoji="0" lang="en-US" sz="1800" b="0" i="0" u="none" strike="noStrike" kern="0" cap="none" spc="0" normalizeH="0" baseline="0" noProof="0" dirty="0">
-                <a:ln>
-                  <a:noFill/>
-                </a:ln>
-                <a:effectLst/>
-                <a:uLnTx/>
-                <a:uFillTx/>
-                <a:ea typeface="Arial Unicode MS" pitchFamily="34" charset="-128"/>
-                <a:cs typeface="Arial Unicode MS" pitchFamily="34" charset="-128"/>
-              </a:rPr>
-              <a:t> A</a:t>
-            </a:r>
-          </a:p>
-        </p:txBody>
-      </p:sp>
-      <p:sp>
-        <p:nvSpPr>
           <p:cNvPr id="5" name="Title 4"/>
           <p:cNvSpPr>
             <a:spLocks noGrp="1"/>
@@ -17257,6 +17673,9 @@
           <a:prstGeom prst="rect">
             <a:avLst/>
           </a:prstGeom>
+          <a:solidFill>
+            <a:schemeClr val="tx2"/>
+          </a:solidFill>
           <a:ln>
             <a:headEnd/>
             <a:tailEnd/>
@@ -17300,6 +17719,9 @@
             </a:pPr>
             <a:r>
               <a:rPr lang="en-US" sz="1600" b="1" kern="0" noProof="0" dirty="0">
+                <a:solidFill>
+                  <a:schemeClr val="tx1"/>
+                </a:solidFill>
                 <a:ea typeface="Arial Unicode MS" pitchFamily="34" charset="-128"/>
                 <a:cs typeface="Arial Unicode MS" pitchFamily="34" charset="-128"/>
               </a:rPr>
@@ -17309,6 +17731,9 @@
               <a:ln>
                 <a:noFill/>
               </a:ln>
+              <a:solidFill>
+                <a:schemeClr val="tx1"/>
+              </a:solidFill>
               <a:effectLst/>
               <a:uLnTx/>
               <a:uFillTx/>
@@ -17866,7 +18291,10 @@
               <a:rPr lang="en-US" dirty="0" err="1"/>
               <a:t>ConfigMaps</a:t>
             </a:r>
-            <a:endParaRPr lang="en-US" dirty="0"/>
+            <a:r>
+              <a:rPr lang="en-US" dirty="0"/>
+              <a:t> (1)</a:t>
+            </a:r>
           </a:p>
         </p:txBody>
       </p:sp>
@@ -17879,7 +18307,7 @@
         <p:spPr>
           <a:xfrm>
             <a:off x="504000" y="1090210"/>
-            <a:ext cx="8685720" cy="1384995"/>
+            <a:ext cx="8685720" cy="1061829"/>
           </a:xfrm>
           <a:prstGeom prst="rect">
             <a:avLst/>
@@ -17897,7 +18325,7 @@
             </a:pPr>
             <a:r>
               <a:rPr lang="en-US" dirty="0"/>
-              <a:t>Store structured data as files or </a:t>
+              <a:t>Store structured data as </a:t>
             </a:r>
             <a:r>
               <a:rPr lang="en-US" dirty="0" err="1"/>
@@ -17905,8 +18333,13 @@
             </a:r>
             <a:r>
               <a:rPr lang="en-US" dirty="0"/>
-              <a:t> pairs</a:t>
-            </a:r>
+              <a:t> pairs in </a:t>
+            </a:r>
+            <a:r>
+              <a:rPr lang="en-US" dirty="0" err="1"/>
+              <a:t>etcd</a:t>
+            </a:r>
+            <a:endParaRPr lang="en-US" dirty="0"/>
           </a:p>
           <a:p>
             <a:pPr marL="342900" indent="-342900">
@@ -17914,104 +18347,412 @@
               <a:buChar char="§"/>
             </a:pPr>
             <a:r>
+              <a:rPr lang="en-US" dirty="0" err="1"/>
+              <a:t>ConfigMaps</a:t>
+            </a:r>
+            <a:r>
               <a:rPr lang="en-US" dirty="0"/>
-              <a:t>make them available to pods </a:t>
-            </a:r>
-          </a:p>
-          <a:p>
-            <a:pPr marL="887288" lvl="1" indent="-342900">
+              <a:t> can have multiple </a:t>
+            </a:r>
+            <a:r>
+              <a:rPr lang="en-US" dirty="0" err="1"/>
+              <a:t>key:value</a:t>
+            </a:r>
+            <a:r>
+              <a:rPr lang="en-US" dirty="0"/>
+              <a:t> pairs referenced as “data”</a:t>
+            </a:r>
+          </a:p>
+          <a:p>
+            <a:pPr marL="342900" indent="-342900">
               <a:buFont typeface="Wingdings" panose="05000000000000000000" pitchFamily="2" charset="2"/>
               <a:buChar char="§"/>
             </a:pPr>
             <a:r>
               <a:rPr lang="en-US" dirty="0"/>
-              <a:t>as environment variables</a:t>
-            </a:r>
-          </a:p>
-          <a:p>
-            <a:pPr marL="887288" lvl="1" indent="-342900">
-              <a:buFont typeface="Wingdings" panose="05000000000000000000" pitchFamily="2" charset="2"/>
-              <a:buChar char="§"/>
-            </a:pPr>
-            <a:r>
-              <a:rPr lang="en-US" dirty="0"/>
-              <a:t>files as a mountable volume</a:t>
+              <a:t>It is possible to store multi-line strings as values</a:t>
             </a:r>
           </a:p>
         </p:txBody>
       </p:sp>
-      <p:pic>
-        <p:nvPicPr>
-          <p:cNvPr id="10" name="Picture 9"/>
-          <p:cNvPicPr>
-            <a:picLocks noChangeAspect="1"/>
-          </p:cNvPicPr>
+      <p:sp>
+        <p:nvSpPr>
+          <p:cNvPr id="7" name="Rectangle 6">
+            <a:extLst>
+              <a:ext uri="{FF2B5EF4-FFF2-40B4-BE49-F238E27FC236}">
+                <a16:creationId xmlns:a16="http://schemas.microsoft.com/office/drawing/2014/main" id="{C8555189-3D2E-4752-B3FD-3EC73ACEA3AA}"/>
+              </a:ext>
+            </a:extLst>
+          </p:cNvPr>
+          <p:cNvSpPr/>
           <p:nvPr/>
-        </p:nvPicPr>
-        <p:blipFill>
-          <a:blip r:embed="rId3"/>
-          <a:stretch>
-            <a:fillRect/>
-          </a:stretch>
-        </p:blipFill>
+        </p:nvSpPr>
         <p:spPr>
           <a:xfrm>
-            <a:off x="427815" y="2902243"/>
-            <a:ext cx="8761905" cy="400000"/>
+            <a:off x="504000" y="2896356"/>
+            <a:ext cx="6127423" cy="2031325"/>
           </a:xfrm>
           <a:prstGeom prst="rect">
             <a:avLst/>
           </a:prstGeom>
+          <a:solidFill>
+            <a:schemeClr val="bg1">
+              <a:lumMod val="95000"/>
+            </a:schemeClr>
+          </a:solidFill>
         </p:spPr>
-      </p:pic>
-      <p:pic>
-        <p:nvPicPr>
-          <p:cNvPr id="11" name="Picture 10"/>
-          <p:cNvPicPr>
-            <a:picLocks noChangeAspect="1"/>
-          </p:cNvPicPr>
+        <p:txBody>
+          <a:bodyPr wrap="square">
+            <a:spAutoFit/>
+          </a:bodyPr>
+          <a:lstStyle/>
+          <a:p>
+            <a:r>
+              <a:rPr lang="en-US" sz="1800" dirty="0" err="1">
+                <a:latin typeface="Courier New" panose="02070309020205020404" pitchFamily="49" charset="0"/>
+                <a:cs typeface="Courier New" panose="02070309020205020404" pitchFamily="49" charset="0"/>
+              </a:rPr>
+              <a:t>kubectl</a:t>
+            </a:r>
+            <a:r>
+              <a:rPr lang="en-US" sz="1800" dirty="0">
+                <a:latin typeface="Courier New" panose="02070309020205020404" pitchFamily="49" charset="0"/>
+                <a:cs typeface="Courier New" panose="02070309020205020404" pitchFamily="49" charset="0"/>
+              </a:rPr>
+              <a:t> create </a:t>
+            </a:r>
+            <a:r>
+              <a:rPr lang="en-US" sz="1800" dirty="0" err="1">
+                <a:latin typeface="Courier New" panose="02070309020205020404" pitchFamily="49" charset="0"/>
+                <a:cs typeface="Courier New" panose="02070309020205020404" pitchFamily="49" charset="0"/>
+              </a:rPr>
+              <a:t>configmap</a:t>
+            </a:r>
+            <a:r>
+              <a:rPr lang="en-US" sz="1800" dirty="0">
+                <a:latin typeface="Courier New" panose="02070309020205020404" pitchFamily="49" charset="0"/>
+                <a:cs typeface="Courier New" panose="02070309020205020404" pitchFamily="49" charset="0"/>
+              </a:rPr>
+              <a:t> test-config</a:t>
+            </a:r>
+          </a:p>
+          <a:p>
+            <a:r>
+              <a:rPr lang="en-US" sz="1800" dirty="0">
+                <a:latin typeface="Courier New" panose="02070309020205020404" pitchFamily="49" charset="0"/>
+                <a:cs typeface="Courier New" panose="02070309020205020404" pitchFamily="49" charset="0"/>
+              </a:rPr>
+              <a:t>	</a:t>
+            </a:r>
+            <a:r>
+              <a:rPr lang="en-US" sz="1800" dirty="0">
+                <a:highlight>
+                  <a:srgbClr val="FFFF00"/>
+                </a:highlight>
+                <a:latin typeface="Courier New" panose="02070309020205020404" pitchFamily="49" charset="0"/>
+                <a:cs typeface="Courier New" panose="02070309020205020404" pitchFamily="49" charset="0"/>
+              </a:rPr>
+              <a:t>--from-literal</a:t>
+            </a:r>
+            <a:r>
+              <a:rPr lang="en-US" sz="1800" dirty="0">
+                <a:latin typeface="Courier New" panose="02070309020205020404" pitchFamily="49" charset="0"/>
+                <a:cs typeface="Courier New" panose="02070309020205020404" pitchFamily="49" charset="0"/>
+              </a:rPr>
+              <a:t>=</a:t>
+            </a:r>
+            <a:r>
+              <a:rPr lang="en-US" sz="1800" dirty="0" err="1">
+                <a:latin typeface="Courier New" panose="02070309020205020404" pitchFamily="49" charset="0"/>
+                <a:cs typeface="Courier New" panose="02070309020205020404" pitchFamily="49" charset="0"/>
+              </a:rPr>
+              <a:t>test.type</a:t>
+            </a:r>
+            <a:r>
+              <a:rPr lang="en-US" sz="1800" dirty="0">
+                <a:latin typeface="Courier New" panose="02070309020205020404" pitchFamily="49" charset="0"/>
+                <a:cs typeface="Courier New" panose="02070309020205020404" pitchFamily="49" charset="0"/>
+              </a:rPr>
+              <a:t>=unit </a:t>
+            </a:r>
+          </a:p>
+          <a:p>
+            <a:r>
+              <a:rPr lang="en-US" sz="1800" dirty="0">
+                <a:latin typeface="Courier New" panose="02070309020205020404" pitchFamily="49" charset="0"/>
+                <a:cs typeface="Courier New" panose="02070309020205020404" pitchFamily="49" charset="0"/>
+              </a:rPr>
+              <a:t>	</a:t>
+            </a:r>
+            <a:r>
+              <a:rPr lang="en-US" sz="1800" dirty="0">
+                <a:highlight>
+                  <a:srgbClr val="FFFF00"/>
+                </a:highlight>
+                <a:latin typeface="Courier New" panose="02070309020205020404" pitchFamily="49" charset="0"/>
+                <a:cs typeface="Courier New" panose="02070309020205020404" pitchFamily="49" charset="0"/>
+              </a:rPr>
+              <a:t>--from-literal</a:t>
+            </a:r>
+            <a:r>
+              <a:rPr lang="en-US" sz="1800" dirty="0">
+                <a:latin typeface="Courier New" panose="02070309020205020404" pitchFamily="49" charset="0"/>
+                <a:cs typeface="Courier New" panose="02070309020205020404" pitchFamily="49" charset="0"/>
+              </a:rPr>
+              <a:t>=</a:t>
+            </a:r>
+            <a:r>
+              <a:rPr lang="en-US" sz="1800" dirty="0" err="1">
+                <a:latin typeface="Courier New" panose="02070309020205020404" pitchFamily="49" charset="0"/>
+                <a:cs typeface="Courier New" panose="02070309020205020404" pitchFamily="49" charset="0"/>
+              </a:rPr>
+              <a:t>test.exec</a:t>
+            </a:r>
+            <a:r>
+              <a:rPr lang="en-US" sz="1800" dirty="0">
+                <a:latin typeface="Courier New" panose="02070309020205020404" pitchFamily="49" charset="0"/>
+                <a:cs typeface="Courier New" panose="02070309020205020404" pitchFamily="49" charset="0"/>
+              </a:rPr>
+              <a:t>=always</a:t>
+            </a:r>
+          </a:p>
+          <a:p>
+            <a:endParaRPr lang="en-US" sz="1800" dirty="0">
+              <a:latin typeface="Courier New" panose="02070309020205020404" pitchFamily="49" charset="0"/>
+              <a:cs typeface="Courier New" panose="02070309020205020404" pitchFamily="49" charset="0"/>
+            </a:endParaRPr>
+          </a:p>
+          <a:p>
+            <a:r>
+              <a:rPr lang="en-US" sz="1800" dirty="0" err="1">
+                <a:latin typeface="Courier New" panose="02070309020205020404" pitchFamily="49" charset="0"/>
+                <a:cs typeface="Courier New" panose="02070309020205020404" pitchFamily="49" charset="0"/>
+              </a:rPr>
+              <a:t>kubectl</a:t>
+            </a:r>
+            <a:r>
+              <a:rPr lang="en-US" sz="1800" dirty="0">
+                <a:latin typeface="Courier New" panose="02070309020205020404" pitchFamily="49" charset="0"/>
+                <a:cs typeface="Courier New" panose="02070309020205020404" pitchFamily="49" charset="0"/>
+              </a:rPr>
+              <a:t> create </a:t>
+            </a:r>
+            <a:r>
+              <a:rPr lang="en-US" sz="1800" dirty="0" err="1">
+                <a:latin typeface="Courier New" panose="02070309020205020404" pitchFamily="49" charset="0"/>
+                <a:cs typeface="Courier New" panose="02070309020205020404" pitchFamily="49" charset="0"/>
+              </a:rPr>
+              <a:t>configmap</a:t>
+            </a:r>
+            <a:r>
+              <a:rPr lang="en-US" sz="1800" dirty="0">
+                <a:latin typeface="Courier New" panose="02070309020205020404" pitchFamily="49" charset="0"/>
+                <a:cs typeface="Courier New" panose="02070309020205020404" pitchFamily="49" charset="0"/>
+              </a:rPr>
+              <a:t> run-config </a:t>
+            </a:r>
+          </a:p>
+          <a:p>
+            <a:r>
+              <a:rPr lang="en-US" sz="1800" dirty="0">
+                <a:latin typeface="Courier New" panose="02070309020205020404" pitchFamily="49" charset="0"/>
+                <a:cs typeface="Courier New" panose="02070309020205020404" pitchFamily="49" charset="0"/>
+              </a:rPr>
+              <a:t>	</a:t>
+            </a:r>
+            <a:r>
+              <a:rPr lang="en-US" sz="1800" dirty="0">
+                <a:highlight>
+                  <a:srgbClr val="FFFF00"/>
+                </a:highlight>
+                <a:latin typeface="Courier New" panose="02070309020205020404" pitchFamily="49" charset="0"/>
+                <a:cs typeface="Courier New" panose="02070309020205020404" pitchFamily="49" charset="0"/>
+              </a:rPr>
+              <a:t>--from-file</a:t>
+            </a:r>
+            <a:r>
+              <a:rPr lang="en-US" sz="1800" dirty="0">
+                <a:latin typeface="Courier New" panose="02070309020205020404" pitchFamily="49" charset="0"/>
+                <a:cs typeface="Courier New" panose="02070309020205020404" pitchFamily="49" charset="0"/>
+              </a:rPr>
+              <a:t>=</a:t>
+            </a:r>
+            <a:r>
+              <a:rPr lang="en-US" sz="1800" dirty="0" err="1">
+                <a:latin typeface="Courier New" panose="02070309020205020404" pitchFamily="49" charset="0"/>
+                <a:cs typeface="Courier New" panose="02070309020205020404" pitchFamily="49" charset="0"/>
+              </a:rPr>
+              <a:t>config.json</a:t>
+            </a:r>
+            <a:endParaRPr lang="en-US" sz="1800" dirty="0">
+              <a:latin typeface="Courier New" panose="02070309020205020404" pitchFamily="49" charset="0"/>
+              <a:cs typeface="Courier New" panose="02070309020205020404" pitchFamily="49" charset="0"/>
+            </a:endParaRPr>
+          </a:p>
+          <a:p>
+            <a:endParaRPr lang="en-US" sz="1800" dirty="0">
+              <a:latin typeface="Courier New" panose="02070309020205020404" pitchFamily="49" charset="0"/>
+              <a:cs typeface="Courier New" panose="02070309020205020404" pitchFamily="49" charset="0"/>
+            </a:endParaRPr>
+          </a:p>
+        </p:txBody>
+      </p:sp>
+      <p:sp>
+        <p:nvSpPr>
+          <p:cNvPr id="14" name="Speech Bubble: Rectangle 13">
+            <a:extLst>
+              <a:ext uri="{FF2B5EF4-FFF2-40B4-BE49-F238E27FC236}">
+                <a16:creationId xmlns:a16="http://schemas.microsoft.com/office/drawing/2014/main" id="{999315DF-DEA7-4C76-9292-07ECE2F98B92}"/>
+              </a:ext>
+            </a:extLst>
+          </p:cNvPr>
+          <p:cNvSpPr/>
           <p:nvPr/>
-        </p:nvPicPr>
-        <p:blipFill>
-          <a:blip r:embed="rId4"/>
-          <a:stretch>
-            <a:fillRect/>
-          </a:stretch>
-        </p:blipFill>
-        <p:spPr>
+        </p:nvSpPr>
+        <p:spPr bwMode="gray">
           <a:xfrm>
-            <a:off x="504000" y="3618397"/>
-            <a:ext cx="3419048" cy="1647619"/>
+            <a:off x="7561984" y="2896356"/>
+            <a:ext cx="1809548" cy="907202"/>
           </a:xfrm>
-          <a:prstGeom prst="rect">
-            <a:avLst/>
+          <a:prstGeom prst="wedgeRectCallout">
+            <a:avLst>
+              <a:gd name="adj1" fmla="val -125328"/>
+              <a:gd name="adj2" fmla="val -98"/>
+            </a:avLst>
           </a:prstGeom>
+          <a:ln>
+            <a:headEnd/>
+            <a:tailEnd/>
+          </a:ln>
         </p:spPr>
-      </p:pic>
-      <p:pic>
-        <p:nvPicPr>
-          <p:cNvPr id="12" name="Picture 11"/>
-          <p:cNvPicPr>
-            <a:picLocks noChangeAspect="1"/>
-          </p:cNvPicPr>
+        <p:style>
+          <a:lnRef idx="2">
+            <a:schemeClr val="accent2"/>
+          </a:lnRef>
+          <a:fillRef idx="1">
+            <a:schemeClr val="lt1"/>
+          </a:fillRef>
+          <a:effectRef idx="0">
+            <a:schemeClr val="accent2"/>
+          </a:effectRef>
+          <a:fontRef idx="minor">
+            <a:schemeClr val="dk1"/>
+          </a:fontRef>
+        </p:style>
+        <p:txBody>
+          <a:bodyPr lIns="90000" tIns="72000" rIns="90000" bIns="72000" rtlCol="0" anchor="ctr"/>
+          <a:lstStyle/>
+          <a:p>
+            <a:pPr marR="0" algn="ctr" defTabSz="914400" eaLnBrk="1" fontAlgn="base" latinLnBrk="0" hangingPunct="1">
+              <a:lnSpc>
+                <a:spcPct val="100000"/>
+              </a:lnSpc>
+              <a:spcBef>
+                <a:spcPct val="50000"/>
+              </a:spcBef>
+              <a:spcAft>
+                <a:spcPct val="0"/>
+              </a:spcAft>
+              <a:buClr>
+                <a:srgbClr val="F0AB00"/>
+              </a:buClr>
+              <a:buSzPct val="80000"/>
+              <a:tabLst/>
+            </a:pPr>
+            <a:r>
+              <a:rPr kumimoji="0" lang="en-US" sz="1800" b="0" i="0" u="none" strike="noStrike" kern="0" cap="none" spc="0" normalizeH="0" baseline="0" noProof="0" dirty="0">
+                <a:ln>
+                  <a:noFill/>
+                </a:ln>
+                <a:effectLst/>
+                <a:uLnTx/>
+                <a:uFillTx/>
+                <a:ea typeface="Arial Unicode MS" pitchFamily="34" charset="-128"/>
+                <a:cs typeface="Arial Unicode MS" pitchFamily="34" charset="-128"/>
+              </a:rPr>
+              <a:t>Parse content from command line</a:t>
+            </a:r>
+          </a:p>
+        </p:txBody>
+      </p:sp>
+      <p:sp>
+        <p:nvSpPr>
+          <p:cNvPr id="15" name="Speech Bubble: Rectangle 14">
+            <a:extLst>
+              <a:ext uri="{FF2B5EF4-FFF2-40B4-BE49-F238E27FC236}">
+                <a16:creationId xmlns:a16="http://schemas.microsoft.com/office/drawing/2014/main" id="{0C0844C7-9EB3-48B7-A641-C3C4B1F4F2F5}"/>
+              </a:ext>
+            </a:extLst>
+          </p:cNvPr>
+          <p:cNvSpPr/>
           <p:nvPr/>
-        </p:nvPicPr>
-        <p:blipFill>
-          <a:blip r:embed="rId5"/>
-          <a:stretch>
-            <a:fillRect/>
-          </a:stretch>
-        </p:blipFill>
-        <p:spPr>
+        </p:nvSpPr>
+        <p:spPr bwMode="gray">
           <a:xfrm>
-            <a:off x="4439347" y="3618397"/>
-            <a:ext cx="3790254" cy="2840661"/>
+            <a:off x="7561984" y="4224709"/>
+            <a:ext cx="1809548" cy="907202"/>
           </a:xfrm>
-          <a:prstGeom prst="rect">
-            <a:avLst/>
+          <a:prstGeom prst="wedgeRectCallout">
+            <a:avLst>
+              <a:gd name="adj1" fmla="val -125328"/>
+              <a:gd name="adj2" fmla="val -98"/>
+            </a:avLst>
           </a:prstGeom>
+          <a:ln>
+            <a:headEnd/>
+            <a:tailEnd/>
+          </a:ln>
         </p:spPr>
-      </p:pic>
+        <p:style>
+          <a:lnRef idx="2">
+            <a:schemeClr val="accent2"/>
+          </a:lnRef>
+          <a:fillRef idx="1">
+            <a:schemeClr val="lt1"/>
+          </a:fillRef>
+          <a:effectRef idx="0">
+            <a:schemeClr val="accent2"/>
+          </a:effectRef>
+          <a:fontRef idx="minor">
+            <a:schemeClr val="dk1"/>
+          </a:fontRef>
+        </p:style>
+        <p:txBody>
+          <a:bodyPr lIns="90000" tIns="72000" rIns="90000" bIns="72000" rtlCol="0" anchor="ctr"/>
+          <a:lstStyle/>
+          <a:p>
+            <a:pPr marR="0" algn="ctr" defTabSz="914400" eaLnBrk="1" fontAlgn="base" latinLnBrk="0" hangingPunct="1">
+              <a:lnSpc>
+                <a:spcPct val="100000"/>
+              </a:lnSpc>
+              <a:spcBef>
+                <a:spcPct val="50000"/>
+              </a:spcBef>
+              <a:spcAft>
+                <a:spcPct val="0"/>
+              </a:spcAft>
+              <a:buClr>
+                <a:srgbClr val="F0AB00"/>
+              </a:buClr>
+              <a:buSzPct val="80000"/>
+              <a:tabLst/>
+            </a:pPr>
+            <a:r>
+              <a:rPr kumimoji="0" lang="en-US" sz="1800" b="0" i="0" u="none" strike="noStrike" kern="0" cap="none" spc="0" normalizeH="0" baseline="0" noProof="0" dirty="0">
+                <a:ln>
+                  <a:noFill/>
+                </a:ln>
+                <a:effectLst/>
+                <a:uLnTx/>
+                <a:uFillTx/>
+                <a:ea typeface="Arial Unicode MS" pitchFamily="34" charset="-128"/>
+                <a:cs typeface="Arial Unicode MS" pitchFamily="34" charset="-128"/>
+              </a:rPr>
+              <a:t>Parse content from file</a:t>
+            </a:r>
+          </a:p>
+        </p:txBody>
+      </p:sp>
     </p:spTree>
     <p:extLst>
       <p:ext uri="{BB962C8B-B14F-4D97-AF65-F5344CB8AC3E}">
@@ -18044,7 +18785,7 @@
       </p:grpSpPr>
       <p:sp>
         <p:nvSpPr>
-          <p:cNvPr id="3" name="Title 2"/>
+          <p:cNvPr id="2" name="Title 1"/>
           <p:cNvSpPr>
             <a:spLocks noGrp="1"/>
           </p:cNvSpPr>
@@ -18058,18 +18799,78 @@
           <a:lstStyle/>
           <a:p>
             <a:r>
+              <a:rPr lang="en-US" dirty="0" err="1"/>
+              <a:t>ConfigMaps</a:t>
+            </a:r>
+            <a:r>
               <a:rPr lang="en-US" dirty="0"/>
-              <a:t>Demo</a:t>
+              <a:t> (2)</a:t>
+            </a:r>
+          </a:p>
+        </p:txBody>
+      </p:sp>
+      <p:sp>
+        <p:nvSpPr>
+          <p:cNvPr id="4" name="Rectangle 3"/>
+          <p:cNvSpPr/>
+          <p:nvPr/>
+        </p:nvSpPr>
+        <p:spPr>
+          <a:xfrm>
+            <a:off x="504000" y="1090210"/>
+            <a:ext cx="8685720" cy="1061829"/>
+          </a:xfrm>
+          <a:prstGeom prst="rect">
+            <a:avLst/>
+          </a:prstGeom>
+        </p:spPr>
+        <p:txBody>
+          <a:bodyPr wrap="square">
+            <a:spAutoFit/>
+          </a:bodyPr>
+          <a:lstStyle/>
+          <a:p>
+            <a:pPr marL="342900" indent="-342900">
+              <a:buFont typeface="Wingdings" panose="05000000000000000000" pitchFamily="2" charset="2"/>
+              <a:buChar char="§"/>
+            </a:pPr>
+            <a:r>
+              <a:rPr lang="en-US" dirty="0" err="1"/>
+              <a:t>ConfigMap</a:t>
+            </a:r>
+            <a:r>
+              <a:rPr lang="en-US" dirty="0"/>
+              <a:t> data can be projected to</a:t>
+            </a:r>
+          </a:p>
+          <a:p>
+            <a:pPr marL="887288" lvl="1" indent="-342900">
+              <a:buFont typeface="Wingdings" panose="05000000000000000000" pitchFamily="2" charset="2"/>
+              <a:buChar char="§"/>
+            </a:pPr>
+            <a:r>
+              <a:rPr lang="en-US" dirty="0"/>
+              <a:t>The container’s file system</a:t>
+            </a:r>
+          </a:p>
+          <a:p>
+            <a:pPr marL="887288" lvl="1" indent="-342900">
+              <a:buFont typeface="Wingdings" panose="05000000000000000000" pitchFamily="2" charset="2"/>
+              <a:buChar char="§"/>
+            </a:pPr>
+            <a:r>
+              <a:rPr lang="en-US" dirty="0"/>
+              <a:t>The container’s environment variables</a:t>
             </a:r>
           </a:p>
         </p:txBody>
       </p:sp>
       <p:pic>
         <p:nvPicPr>
-          <p:cNvPr id="4" name="Picture 3">
+          <p:cNvPr id="5" name="Picture 4">
             <a:extLst>
               <a:ext uri="{FF2B5EF4-FFF2-40B4-BE49-F238E27FC236}">
-                <a16:creationId xmlns:a16="http://schemas.microsoft.com/office/drawing/2014/main" id="{667C7630-D1BA-44ED-BD0C-E0F24DE56B91}"/>
+                <a16:creationId xmlns:a16="http://schemas.microsoft.com/office/drawing/2014/main" id="{84971AF7-B20B-415E-81A6-1327DFEA8885}"/>
               </a:ext>
             </a:extLst>
           </p:cNvPr>
@@ -18086,8 +18887,220 @@
         </p:blipFill>
         <p:spPr>
           <a:xfrm>
-            <a:off x="3849419" y="1181180"/>
-            <a:ext cx="4495640" cy="4495640"/>
+            <a:off x="2110199" y="3045719"/>
+            <a:ext cx="2045119" cy="1714291"/>
+          </a:xfrm>
+          <a:prstGeom prst="rect">
+            <a:avLst/>
+          </a:prstGeom>
+          <a:ln>
+            <a:solidFill>
+              <a:schemeClr val="tx1"/>
+            </a:solidFill>
+          </a:ln>
+        </p:spPr>
+      </p:pic>
+      <p:pic>
+        <p:nvPicPr>
+          <p:cNvPr id="6" name="Picture 5">
+            <a:extLst>
+              <a:ext uri="{FF2B5EF4-FFF2-40B4-BE49-F238E27FC236}">
+                <a16:creationId xmlns:a16="http://schemas.microsoft.com/office/drawing/2014/main" id="{53CB9007-501B-4225-B53A-E73A46AE7B7F}"/>
+              </a:ext>
+            </a:extLst>
+          </p:cNvPr>
+          <p:cNvPicPr>
+            <a:picLocks noChangeAspect="1"/>
+          </p:cNvPicPr>
+          <p:nvPr/>
+        </p:nvPicPr>
+        <p:blipFill>
+          <a:blip r:embed="rId4"/>
+          <a:stretch>
+            <a:fillRect/>
+          </a:stretch>
+        </p:blipFill>
+        <p:spPr>
+          <a:xfrm>
+            <a:off x="6564182" y="1451731"/>
+            <a:ext cx="4270688" cy="4902269"/>
+          </a:xfrm>
+          <a:prstGeom prst="rect">
+            <a:avLst/>
+          </a:prstGeom>
+          <a:ln>
+            <a:solidFill>
+              <a:schemeClr val="tx1"/>
+            </a:solidFill>
+          </a:ln>
+        </p:spPr>
+      </p:pic>
+      <p:cxnSp>
+        <p:nvCxnSpPr>
+          <p:cNvPr id="8" name="Straight Arrow Connector 7">
+            <a:extLst>
+              <a:ext uri="{FF2B5EF4-FFF2-40B4-BE49-F238E27FC236}">
+                <a16:creationId xmlns:a16="http://schemas.microsoft.com/office/drawing/2014/main" id="{BC0FC983-12CF-4F41-BB7D-FD46FA165FEC}"/>
+              </a:ext>
+            </a:extLst>
+          </p:cNvPr>
+          <p:cNvCxnSpPr>
+            <a:cxnSpLocks/>
+          </p:cNvCxnSpPr>
+          <p:nvPr/>
+        </p:nvCxnSpPr>
+        <p:spPr>
+          <a:xfrm>
+            <a:off x="4155318" y="4355184"/>
+            <a:ext cx="3329564" cy="274948"/>
+          </a:xfrm>
+          <a:prstGeom prst="straightConnector1">
+            <a:avLst/>
+          </a:prstGeom>
+          <a:ln w="38100">
+            <a:solidFill>
+              <a:schemeClr val="tx1"/>
+            </a:solidFill>
+            <a:headEnd type="none" w="med" len="med"/>
+            <a:tailEnd type="triangle"/>
+          </a:ln>
+        </p:spPr>
+        <p:style>
+          <a:lnRef idx="1">
+            <a:schemeClr val="accent1"/>
+          </a:lnRef>
+          <a:fillRef idx="0">
+            <a:schemeClr val="accent1"/>
+          </a:fillRef>
+          <a:effectRef idx="0">
+            <a:schemeClr val="accent1"/>
+          </a:effectRef>
+          <a:fontRef idx="minor">
+            <a:schemeClr val="tx1"/>
+          </a:fontRef>
+        </p:style>
+      </p:cxnSp>
+      <p:cxnSp>
+        <p:nvCxnSpPr>
+          <p:cNvPr id="9" name="Straight Arrow Connector 8">
+            <a:extLst>
+              <a:ext uri="{FF2B5EF4-FFF2-40B4-BE49-F238E27FC236}">
+                <a16:creationId xmlns:a16="http://schemas.microsoft.com/office/drawing/2014/main" id="{4B93FEC4-22BA-4525-ACF6-49CAEE480001}"/>
+              </a:ext>
+            </a:extLst>
+          </p:cNvPr>
+          <p:cNvCxnSpPr>
+            <a:cxnSpLocks/>
+          </p:cNvCxnSpPr>
+          <p:nvPr/>
+        </p:nvCxnSpPr>
+        <p:spPr>
+          <a:xfrm>
+            <a:off x="4155318" y="4630132"/>
+            <a:ext cx="3329564" cy="1025950"/>
+          </a:xfrm>
+          <a:prstGeom prst="straightConnector1">
+            <a:avLst/>
+          </a:prstGeom>
+          <a:ln w="38100">
+            <a:solidFill>
+              <a:schemeClr val="tx1"/>
+            </a:solidFill>
+            <a:headEnd type="none" w="med" len="med"/>
+            <a:tailEnd type="triangle"/>
+          </a:ln>
+        </p:spPr>
+        <p:style>
+          <a:lnRef idx="1">
+            <a:schemeClr val="accent1"/>
+          </a:lnRef>
+          <a:fillRef idx="0">
+            <a:schemeClr val="accent1"/>
+          </a:fillRef>
+          <a:effectRef idx="0">
+            <a:schemeClr val="accent1"/>
+          </a:effectRef>
+          <a:fontRef idx="minor">
+            <a:schemeClr val="tx1"/>
+          </a:fontRef>
+        </p:style>
+      </p:cxnSp>
+    </p:spTree>
+    <p:extLst>
+      <p:ext uri="{BB962C8B-B14F-4D97-AF65-F5344CB8AC3E}">
+        <p14:creationId xmlns:p14="http://schemas.microsoft.com/office/powerpoint/2010/main" val="152019337"/>
+      </p:ext>
+    </p:extLst>
+  </p:cSld>
+  <p:clrMapOvr>
+    <a:masterClrMapping/>
+  </p:clrMapOvr>
+</p:sld>
+</file>
+
+<file path=ppt/slides/slide6.xml><?xml version="1.0" encoding="utf-8"?>
+<p:sld xmlns:a="http://schemas.openxmlformats.org/drawingml/2006/main" xmlns:r="http://schemas.openxmlformats.org/officeDocument/2006/relationships" xmlns:p="http://schemas.openxmlformats.org/presentationml/2006/main">
+  <p:cSld>
+    <p:spTree>
+      <p:nvGrpSpPr>
+        <p:cNvPr id="1" name=""/>
+        <p:cNvGrpSpPr/>
+        <p:nvPr/>
+      </p:nvGrpSpPr>
+      <p:grpSpPr>
+        <a:xfrm>
+          <a:off x="0" y="0"/>
+          <a:ext cx="0" cy="0"/>
+          <a:chOff x="0" y="0"/>
+          <a:chExt cx="0" cy="0"/>
+        </a:xfrm>
+      </p:grpSpPr>
+      <p:sp>
+        <p:nvSpPr>
+          <p:cNvPr id="3" name="Title 2"/>
+          <p:cNvSpPr>
+            <a:spLocks noGrp="1"/>
+          </p:cNvSpPr>
+          <p:nvPr>
+            <p:ph type="title"/>
+          </p:nvPr>
+        </p:nvSpPr>
+        <p:spPr/>
+        <p:txBody>
+          <a:bodyPr/>
+          <a:lstStyle/>
+          <a:p>
+            <a:r>
+              <a:rPr lang="en-US" dirty="0"/>
+              <a:t>Demo</a:t>
+            </a:r>
+          </a:p>
+        </p:txBody>
+      </p:sp>
+      <p:pic>
+        <p:nvPicPr>
+          <p:cNvPr id="5" name="Picture 4">
+            <a:extLst>
+              <a:ext uri="{FF2B5EF4-FFF2-40B4-BE49-F238E27FC236}">
+                <a16:creationId xmlns:a16="http://schemas.microsoft.com/office/drawing/2014/main" id="{724A9FBC-F97B-4E72-9810-550B0CD9B929}"/>
+              </a:ext>
+            </a:extLst>
+          </p:cNvPr>
+          <p:cNvPicPr>
+            <a:picLocks noChangeAspect="1"/>
+          </p:cNvPicPr>
+          <p:nvPr/>
+        </p:nvPicPr>
+        <p:blipFill>
+          <a:blip r:embed="rId3"/>
+          <a:stretch>
+            <a:fillRect/>
+          </a:stretch>
+        </p:blipFill>
+        <p:spPr>
+          <a:xfrm>
+            <a:off x="3645157" y="976918"/>
+            <a:ext cx="4904163" cy="4904163"/>
           </a:xfrm>
           <a:prstGeom prst="rect">
             <a:avLst/>
@@ -18107,7 +19120,7 @@
 </p:sld>
 </file>
 
-<file path=ppt/slides/slide6.xml><?xml version="1.0" encoding="utf-8"?>
+<file path=ppt/slides/slide7.xml><?xml version="1.0" encoding="utf-8"?>
 <p:sld xmlns:a="http://schemas.openxmlformats.org/drawingml/2006/main" xmlns:r="http://schemas.openxmlformats.org/officeDocument/2006/relationships" xmlns:p="http://schemas.openxmlformats.org/presentationml/2006/main">
   <p:cSld>
     <p:spTree>
@@ -19020,7 +20033,7 @@
 </p:sld>
 </file>
 
-<file path=ppt/slides/slide7.xml><?xml version="1.0" encoding="utf-8"?>
+<file path=ppt/slides/slide8.xml><?xml version="1.0" encoding="utf-8"?>
 <p:sld xmlns:a="http://schemas.openxmlformats.org/drawingml/2006/main" xmlns:r="http://schemas.openxmlformats.org/officeDocument/2006/relationships" xmlns:p="http://schemas.openxmlformats.org/presentationml/2006/main">
   <p:cSld>
     <p:spTree>
@@ -19039,6 +20052,340 @@
       </p:grpSpPr>
       <p:sp>
         <p:nvSpPr>
+          <p:cNvPr id="3" name="Rectangle 2">
+            <a:extLst>
+              <a:ext uri="{FF2B5EF4-FFF2-40B4-BE49-F238E27FC236}">
+                <a16:creationId xmlns:a16="http://schemas.microsoft.com/office/drawing/2014/main" id="{BF65AEF3-22EB-4678-AC24-A22819BDD53A}"/>
+              </a:ext>
+            </a:extLst>
+          </p:cNvPr>
+          <p:cNvSpPr/>
+          <p:nvPr/>
+        </p:nvSpPr>
+        <p:spPr>
+          <a:xfrm>
+            <a:off x="504001" y="984485"/>
+            <a:ext cx="11186476" cy="5370701"/>
+          </a:xfrm>
+          <a:prstGeom prst="rect">
+            <a:avLst/>
+          </a:prstGeom>
+          <a:solidFill>
+            <a:schemeClr val="bg1">
+              <a:lumMod val="95000"/>
+            </a:schemeClr>
+          </a:solidFill>
+        </p:spPr>
+        <p:txBody>
+          <a:bodyPr wrap="square">
+            <a:spAutoFit/>
+          </a:bodyPr>
+          <a:lstStyle/>
+          <a:p>
+            <a:r>
+              <a:rPr lang="en-US" sz="1600" dirty="0">
+                <a:latin typeface="Courier New" panose="02070309020205020404" pitchFamily="49" charset="0"/>
+                <a:cs typeface="Courier New" panose="02070309020205020404" pitchFamily="49" charset="0"/>
+              </a:rPr>
+              <a:t>$: echo admin &gt; username.txt</a:t>
+            </a:r>
+          </a:p>
+          <a:p>
+            <a:r>
+              <a:rPr lang="en-US" sz="1600" dirty="0">
+                <a:latin typeface="Courier New" panose="02070309020205020404" pitchFamily="49" charset="0"/>
+                <a:cs typeface="Courier New" panose="02070309020205020404" pitchFamily="49" charset="0"/>
+              </a:rPr>
+              <a:t>$: cat username.txt</a:t>
+            </a:r>
+          </a:p>
+          <a:p>
+            <a:r>
+              <a:rPr lang="en-US" sz="1600" dirty="0">
+                <a:latin typeface="Courier New" panose="02070309020205020404" pitchFamily="49" charset="0"/>
+                <a:cs typeface="Courier New" panose="02070309020205020404" pitchFamily="49" charset="0"/>
+              </a:rPr>
+              <a:t>admin</a:t>
+            </a:r>
+          </a:p>
+          <a:p>
+            <a:endParaRPr lang="en-US" sz="800" dirty="0">
+              <a:latin typeface="Courier New" panose="02070309020205020404" pitchFamily="49" charset="0"/>
+              <a:cs typeface="Courier New" panose="02070309020205020404" pitchFamily="49" charset="0"/>
+            </a:endParaRPr>
+          </a:p>
+          <a:p>
+            <a:r>
+              <a:rPr lang="en-US" sz="1600" dirty="0">
+                <a:latin typeface="Courier New" panose="02070309020205020404" pitchFamily="49" charset="0"/>
+                <a:cs typeface="Courier New" panose="02070309020205020404" pitchFamily="49" charset="0"/>
+              </a:rPr>
+              <a:t>$: echo Secret4ever &gt; password.txt</a:t>
+            </a:r>
+          </a:p>
+          <a:p>
+            <a:r>
+              <a:rPr lang="en-US" sz="1600" dirty="0">
+                <a:latin typeface="Courier New" panose="02070309020205020404" pitchFamily="49" charset="0"/>
+                <a:cs typeface="Courier New" panose="02070309020205020404" pitchFamily="49" charset="0"/>
+              </a:rPr>
+              <a:t>$: cat password.txt</a:t>
+            </a:r>
+          </a:p>
+          <a:p>
+            <a:r>
+              <a:rPr lang="en-US" sz="1600" dirty="0">
+                <a:latin typeface="Courier New" panose="02070309020205020404" pitchFamily="49" charset="0"/>
+                <a:cs typeface="Courier New" panose="02070309020205020404" pitchFamily="49" charset="0"/>
+              </a:rPr>
+              <a:t>Secret4ever</a:t>
+            </a:r>
+          </a:p>
+          <a:p>
+            <a:endParaRPr lang="en-US" sz="800" dirty="0">
+              <a:latin typeface="Courier New" panose="02070309020205020404" pitchFamily="49" charset="0"/>
+              <a:cs typeface="Courier New" panose="02070309020205020404" pitchFamily="49" charset="0"/>
+            </a:endParaRPr>
+          </a:p>
+          <a:p>
+            <a:r>
+              <a:rPr lang="en-US" sz="1600" dirty="0">
+                <a:latin typeface="Courier New" panose="02070309020205020404" pitchFamily="49" charset="0"/>
+                <a:cs typeface="Courier New" panose="02070309020205020404" pitchFamily="49" charset="0"/>
+              </a:rPr>
+              <a:t>$: </a:t>
+            </a:r>
+            <a:r>
+              <a:rPr lang="en-US" sz="1600" dirty="0" err="1">
+                <a:latin typeface="Courier New" panose="02070309020205020404" pitchFamily="49" charset="0"/>
+                <a:cs typeface="Courier New" panose="02070309020205020404" pitchFamily="49" charset="0"/>
+              </a:rPr>
+              <a:t>kubectl</a:t>
+            </a:r>
+            <a:r>
+              <a:rPr lang="en-US" sz="1600" dirty="0">
+                <a:latin typeface="Courier New" panose="02070309020205020404" pitchFamily="49" charset="0"/>
+                <a:cs typeface="Courier New" panose="02070309020205020404" pitchFamily="49" charset="0"/>
+              </a:rPr>
+              <a:t> create secret generic admin-access \ </a:t>
+            </a:r>
+          </a:p>
+          <a:p>
+            <a:r>
+              <a:rPr lang="en-US" sz="1600" dirty="0">
+                <a:latin typeface="Courier New" panose="02070309020205020404" pitchFamily="49" charset="0"/>
+                <a:cs typeface="Courier New" panose="02070309020205020404" pitchFamily="49" charset="0"/>
+              </a:rPr>
+              <a:t>	</a:t>
+            </a:r>
+            <a:r>
+              <a:rPr lang="en-US" sz="1600" dirty="0">
+                <a:highlight>
+                  <a:srgbClr val="FFFF00"/>
+                </a:highlight>
+                <a:latin typeface="Courier New" panose="02070309020205020404" pitchFamily="49" charset="0"/>
+                <a:cs typeface="Courier New" panose="02070309020205020404" pitchFamily="49" charset="0"/>
+              </a:rPr>
+              <a:t>--from-file=./username.txt</a:t>
+            </a:r>
+            <a:r>
+              <a:rPr lang="en-US" sz="1600" dirty="0">
+                <a:latin typeface="Courier New" panose="02070309020205020404" pitchFamily="49" charset="0"/>
+                <a:cs typeface="Courier New" panose="02070309020205020404" pitchFamily="49" charset="0"/>
+              </a:rPr>
+              <a:t> \</a:t>
+            </a:r>
+            <a:r>
+              <a:rPr lang="en-US" sz="1600" dirty="0">
+                <a:highlight>
+                  <a:srgbClr val="FFFF00"/>
+                </a:highlight>
+                <a:latin typeface="Courier New" panose="02070309020205020404" pitchFamily="49" charset="0"/>
+                <a:cs typeface="Courier New" panose="02070309020205020404" pitchFamily="49" charset="0"/>
+              </a:rPr>
+              <a:t> </a:t>
+            </a:r>
+          </a:p>
+          <a:p>
+            <a:r>
+              <a:rPr lang="en-US" sz="1600" dirty="0">
+                <a:latin typeface="Courier New" panose="02070309020205020404" pitchFamily="49" charset="0"/>
+                <a:cs typeface="Courier New" panose="02070309020205020404" pitchFamily="49" charset="0"/>
+              </a:rPr>
+              <a:t>	</a:t>
+            </a:r>
+            <a:r>
+              <a:rPr lang="en-US" sz="1600" dirty="0">
+                <a:highlight>
+                  <a:srgbClr val="FFFF00"/>
+                </a:highlight>
+                <a:latin typeface="Courier New" panose="02070309020205020404" pitchFamily="49" charset="0"/>
+                <a:cs typeface="Courier New" panose="02070309020205020404" pitchFamily="49" charset="0"/>
+              </a:rPr>
+              <a:t>--from-file=./password.txt</a:t>
+            </a:r>
+          </a:p>
+          <a:p>
+            <a:r>
+              <a:rPr lang="en-US" sz="1600" dirty="0">
+                <a:latin typeface="Courier New" panose="02070309020205020404" pitchFamily="49" charset="0"/>
+                <a:cs typeface="Courier New" panose="02070309020205020404" pitchFamily="49" charset="0"/>
+              </a:rPr>
+              <a:t>secret "admin-access" created</a:t>
+            </a:r>
+          </a:p>
+          <a:p>
+            <a:endParaRPr lang="en-US" sz="700" dirty="0">
+              <a:latin typeface="Courier New" panose="02070309020205020404" pitchFamily="49" charset="0"/>
+              <a:cs typeface="Courier New" panose="02070309020205020404" pitchFamily="49" charset="0"/>
+            </a:endParaRPr>
+          </a:p>
+          <a:p>
+            <a:r>
+              <a:rPr lang="en-US" sz="1600" dirty="0">
+                <a:latin typeface="Courier New" panose="02070309020205020404" pitchFamily="49" charset="0"/>
+                <a:cs typeface="Courier New" panose="02070309020205020404" pitchFamily="49" charset="0"/>
+              </a:rPr>
+              <a:t>$: </a:t>
+            </a:r>
+            <a:r>
+              <a:rPr lang="en-US" sz="1600" dirty="0" err="1">
+                <a:latin typeface="Courier New" panose="02070309020205020404" pitchFamily="49" charset="0"/>
+                <a:cs typeface="Courier New" panose="02070309020205020404" pitchFamily="49" charset="0"/>
+              </a:rPr>
+              <a:t>kubectl</a:t>
+            </a:r>
+            <a:r>
+              <a:rPr lang="en-US" sz="1600" dirty="0">
+                <a:latin typeface="Courier New" panose="02070309020205020404" pitchFamily="49" charset="0"/>
+                <a:cs typeface="Courier New" panose="02070309020205020404" pitchFamily="49" charset="0"/>
+              </a:rPr>
+              <a:t> get secret admin-access -o </a:t>
+            </a:r>
+            <a:r>
+              <a:rPr lang="en-US" sz="1600" dirty="0" err="1">
+                <a:latin typeface="Courier New" panose="02070309020205020404" pitchFamily="49" charset="0"/>
+                <a:cs typeface="Courier New" panose="02070309020205020404" pitchFamily="49" charset="0"/>
+              </a:rPr>
+              <a:t>yaml</a:t>
+            </a:r>
+            <a:endParaRPr lang="en-US" sz="1600" dirty="0">
+              <a:latin typeface="Courier New" panose="02070309020205020404" pitchFamily="49" charset="0"/>
+              <a:cs typeface="Courier New" panose="02070309020205020404" pitchFamily="49" charset="0"/>
+            </a:endParaRPr>
+          </a:p>
+          <a:p>
+            <a:r>
+              <a:rPr lang="en-US" sz="1600" dirty="0" err="1">
+                <a:latin typeface="Courier New" panose="02070309020205020404" pitchFamily="49" charset="0"/>
+                <a:cs typeface="Courier New" panose="02070309020205020404" pitchFamily="49" charset="0"/>
+              </a:rPr>
+              <a:t>apiVersion</a:t>
+            </a:r>
+            <a:r>
+              <a:rPr lang="en-US" sz="1600" dirty="0">
+                <a:latin typeface="Courier New" panose="02070309020205020404" pitchFamily="49" charset="0"/>
+                <a:cs typeface="Courier New" panose="02070309020205020404" pitchFamily="49" charset="0"/>
+              </a:rPr>
+              <a:t>: v1</a:t>
+            </a:r>
+          </a:p>
+          <a:p>
+            <a:r>
+              <a:rPr lang="en-US" sz="1600" dirty="0">
+                <a:latin typeface="Courier New" panose="02070309020205020404" pitchFamily="49" charset="0"/>
+                <a:cs typeface="Courier New" panose="02070309020205020404" pitchFamily="49" charset="0"/>
+              </a:rPr>
+              <a:t>data:</a:t>
+            </a:r>
+          </a:p>
+          <a:p>
+            <a:r>
+              <a:rPr lang="en-US" sz="1600" dirty="0">
+                <a:latin typeface="Courier New" panose="02070309020205020404" pitchFamily="49" charset="0"/>
+                <a:cs typeface="Courier New" panose="02070309020205020404" pitchFamily="49" charset="0"/>
+              </a:rPr>
+              <a:t>  </a:t>
+            </a:r>
+            <a:r>
+              <a:rPr lang="en-US" sz="1600" dirty="0">
+                <a:highlight>
+                  <a:srgbClr val="FFFF00"/>
+                </a:highlight>
+                <a:latin typeface="Courier New" panose="02070309020205020404" pitchFamily="49" charset="0"/>
+                <a:cs typeface="Courier New" panose="02070309020205020404" pitchFamily="49" charset="0"/>
+              </a:rPr>
+              <a:t>password.txt: U2VjcmV0NGV2ZXIK</a:t>
+            </a:r>
+          </a:p>
+          <a:p>
+            <a:r>
+              <a:rPr lang="en-US" sz="1600" dirty="0">
+                <a:latin typeface="Courier New" panose="02070309020205020404" pitchFamily="49" charset="0"/>
+                <a:cs typeface="Courier New" panose="02070309020205020404" pitchFamily="49" charset="0"/>
+              </a:rPr>
+              <a:t>  </a:t>
+            </a:r>
+            <a:r>
+              <a:rPr lang="en-US" sz="1600" dirty="0">
+                <a:highlight>
+                  <a:srgbClr val="FFFF00"/>
+                </a:highlight>
+                <a:latin typeface="Courier New" panose="02070309020205020404" pitchFamily="49" charset="0"/>
+                <a:cs typeface="Courier New" panose="02070309020205020404" pitchFamily="49" charset="0"/>
+              </a:rPr>
+              <a:t>username.txt: YWRtaW4K</a:t>
+            </a:r>
+          </a:p>
+          <a:p>
+            <a:r>
+              <a:rPr lang="en-US" sz="1600" dirty="0">
+                <a:latin typeface="Courier New" panose="02070309020205020404" pitchFamily="49" charset="0"/>
+                <a:cs typeface="Courier New" panose="02070309020205020404" pitchFamily="49" charset="0"/>
+              </a:rPr>
+              <a:t>kind: Secret</a:t>
+            </a:r>
+          </a:p>
+          <a:p>
+            <a:r>
+              <a:rPr lang="en-US" sz="1600" dirty="0">
+                <a:latin typeface="Courier New" panose="02070309020205020404" pitchFamily="49" charset="0"/>
+                <a:cs typeface="Courier New" panose="02070309020205020404" pitchFamily="49" charset="0"/>
+              </a:rPr>
+              <a:t>metadata:</a:t>
+            </a:r>
+          </a:p>
+          <a:p>
+            <a:r>
+              <a:rPr lang="en-US" sz="1600" dirty="0">
+                <a:latin typeface="Courier New" panose="02070309020205020404" pitchFamily="49" charset="0"/>
+                <a:cs typeface="Courier New" panose="02070309020205020404" pitchFamily="49" charset="0"/>
+              </a:rPr>
+              <a:t>  name: admin-access</a:t>
+            </a:r>
+          </a:p>
+          <a:p>
+            <a:r>
+              <a:rPr lang="en-US" sz="1600" dirty="0">
+                <a:latin typeface="Courier New" panose="02070309020205020404" pitchFamily="49" charset="0"/>
+                <a:cs typeface="Courier New" panose="02070309020205020404" pitchFamily="49" charset="0"/>
+              </a:rPr>
+              <a:t>  namespace: default</a:t>
+            </a:r>
+          </a:p>
+          <a:p>
+            <a:r>
+              <a:rPr lang="en-US" sz="1600" dirty="0">
+                <a:latin typeface="Courier New" panose="02070309020205020404" pitchFamily="49" charset="0"/>
+                <a:cs typeface="Courier New" panose="02070309020205020404" pitchFamily="49" charset="0"/>
+              </a:rPr>
+              <a:t>type: Opaque</a:t>
+            </a:r>
+          </a:p>
+        </p:txBody>
+      </p:sp>
+      <p:sp>
+        <p:nvSpPr>
           <p:cNvPr id="2" name="Title 1"/>
           <p:cNvSpPr>
             <a:spLocks noGrp="1"/>
@@ -19059,96 +20406,6 @@
           </a:p>
         </p:txBody>
       </p:sp>
-      <p:pic>
-        <p:nvPicPr>
-          <p:cNvPr id="6" name="Picture 5">
-            <a:extLst>
-              <a:ext uri="{FF2B5EF4-FFF2-40B4-BE49-F238E27FC236}">
-                <a16:creationId xmlns:a16="http://schemas.microsoft.com/office/drawing/2014/main" id="{A64A0983-8908-410E-8258-78B647CD7BAF}"/>
-              </a:ext>
-            </a:extLst>
-          </p:cNvPr>
-          <p:cNvPicPr>
-            <a:picLocks noChangeAspect="1"/>
-          </p:cNvPicPr>
-          <p:nvPr/>
-        </p:nvPicPr>
-        <p:blipFill>
-          <a:blip r:embed="rId3"/>
-          <a:stretch>
-            <a:fillRect/>
-          </a:stretch>
-        </p:blipFill>
-        <p:spPr>
-          <a:xfrm>
-            <a:off x="504001" y="1149652"/>
-            <a:ext cx="3619048" cy="1323810"/>
-          </a:xfrm>
-          <a:prstGeom prst="rect">
-            <a:avLst/>
-          </a:prstGeom>
-        </p:spPr>
-      </p:pic>
-      <p:pic>
-        <p:nvPicPr>
-          <p:cNvPr id="8" name="Picture 7">
-            <a:extLst>
-              <a:ext uri="{FF2B5EF4-FFF2-40B4-BE49-F238E27FC236}">
-                <a16:creationId xmlns:a16="http://schemas.microsoft.com/office/drawing/2014/main" id="{CE29B65D-766E-4A9E-830D-9DC44572E827}"/>
-              </a:ext>
-            </a:extLst>
-          </p:cNvPr>
-          <p:cNvPicPr>
-            <a:picLocks noChangeAspect="1"/>
-          </p:cNvPicPr>
-          <p:nvPr/>
-        </p:nvPicPr>
-        <p:blipFill>
-          <a:blip r:embed="rId4"/>
-          <a:stretch>
-            <a:fillRect/>
-          </a:stretch>
-        </p:blipFill>
-        <p:spPr>
-          <a:xfrm>
-            <a:off x="504001" y="2584615"/>
-            <a:ext cx="10447619" cy="495238"/>
-          </a:xfrm>
-          <a:prstGeom prst="rect">
-            <a:avLst/>
-          </a:prstGeom>
-        </p:spPr>
-      </p:pic>
-      <p:pic>
-        <p:nvPicPr>
-          <p:cNvPr id="9" name="Picture 8">
-            <a:extLst>
-              <a:ext uri="{FF2B5EF4-FFF2-40B4-BE49-F238E27FC236}">
-                <a16:creationId xmlns:a16="http://schemas.microsoft.com/office/drawing/2014/main" id="{12247954-3655-490C-A8E1-20BD64D274F6}"/>
-              </a:ext>
-            </a:extLst>
-          </p:cNvPr>
-          <p:cNvPicPr>
-            <a:picLocks noChangeAspect="1"/>
-          </p:cNvPicPr>
-          <p:nvPr/>
-        </p:nvPicPr>
-        <p:blipFill>
-          <a:blip r:embed="rId5"/>
-          <a:stretch>
-            <a:fillRect/>
-          </a:stretch>
-        </p:blipFill>
-        <p:spPr>
-          <a:xfrm>
-            <a:off x="504001" y="3191006"/>
-            <a:ext cx="6295238" cy="3085714"/>
-          </a:xfrm>
-          <a:prstGeom prst="rect">
-            <a:avLst/>
-          </a:prstGeom>
-        </p:spPr>
-      </p:pic>
       <p:sp>
         <p:nvSpPr>
           <p:cNvPr id="12" name="Speech Bubble: Rectangle 11">
@@ -19163,7 +20420,7 @@
         </p:nvSpPr>
         <p:spPr bwMode="gray">
           <a:xfrm>
-            <a:off x="5727810" y="984485"/>
+            <a:off x="5633542" y="732699"/>
             <a:ext cx="1809548" cy="907202"/>
           </a:xfrm>
           <a:prstGeom prst="wedgeRectCallout">
@@ -19245,13 +20502,13 @@
         </p:nvSpPr>
         <p:spPr bwMode="gray">
           <a:xfrm>
-            <a:off x="9692640" y="3398047"/>
-            <a:ext cx="1809548" cy="907202"/>
+            <a:off x="7443090" y="2128204"/>
+            <a:ext cx="2194560" cy="907202"/>
           </a:xfrm>
           <a:prstGeom prst="wedgeRectCallout">
             <a:avLst>
-              <a:gd name="adj1" fmla="val -102988"/>
-              <a:gd name="adj2" fmla="val -89221"/>
+              <a:gd name="adj1" fmla="val -114586"/>
+              <a:gd name="adj2" fmla="val 59371"/>
             </a:avLst>
           </a:prstGeom>
           <a:ln>
@@ -19294,18 +20551,22 @@
               <a:tabLst/>
             </a:pPr>
             <a:r>
-              <a:rPr kumimoji="0" lang="en-US" sz="1800" b="0" i="0" u="none" strike="noStrike" kern="0" cap="none" spc="0" normalizeH="0" baseline="0" noProof="0" dirty="0">
-                <a:ln>
-                  <a:noFill/>
-                </a:ln>
-                <a:effectLst/>
-                <a:uLnTx/>
-                <a:uFillTx/>
+              <a:rPr lang="en-US" sz="1800" kern="0" dirty="0">
                 <a:ea typeface="Arial Unicode MS" pitchFamily="34" charset="-128"/>
                 <a:cs typeface="Arial Unicode MS" pitchFamily="34" charset="-128"/>
               </a:rPr>
-              <a:t>Create secret</a:t>
-            </a:r>
+              <a:t>Upload files to K8s as an object of type secret</a:t>
+            </a:r>
+            <a:endParaRPr kumimoji="0" lang="en-US" sz="1800" b="0" i="0" u="none" strike="noStrike" kern="0" cap="none" spc="0" normalizeH="0" baseline="0" noProof="0" dirty="0">
+              <a:ln>
+                <a:noFill/>
+              </a:ln>
+              <a:effectLst/>
+              <a:uLnTx/>
+              <a:uFillTx/>
+              <a:ea typeface="Arial Unicode MS" pitchFamily="34" charset="-128"/>
+              <a:cs typeface="Arial Unicode MS" pitchFamily="34" charset="-128"/>
+            </a:endParaRPr>
           </a:p>
         </p:txBody>
       </p:sp>
@@ -19323,8 +20584,8 @@
         </p:nvSpPr>
         <p:spPr bwMode="gray">
           <a:xfrm>
-            <a:off x="6908029" y="4102796"/>
-            <a:ext cx="1809548" cy="907202"/>
+            <a:off x="6351847" y="5419913"/>
+            <a:ext cx="2433933" cy="1073771"/>
           </a:xfrm>
           <a:prstGeom prst="wedgeRectCallout">
             <a:avLst>
@@ -19382,135 +20643,17 @@
                 <a:ea typeface="Arial Unicode MS" pitchFamily="34" charset="-128"/>
                 <a:cs typeface="Arial Unicode MS" pitchFamily="34" charset="-128"/>
               </a:rPr>
-              <a:t>Base64 encoded data</a:t>
+              <a:t>File content became “value” and is base64 encoded data</a:t>
             </a:r>
           </a:p>
         </p:txBody>
       </p:sp>
-    </p:spTree>
-    <p:extLst>
-      <p:ext uri="{BB962C8B-B14F-4D97-AF65-F5344CB8AC3E}">
-        <p14:creationId xmlns:p14="http://schemas.microsoft.com/office/powerpoint/2010/main" val="3680444501"/>
-      </p:ext>
-    </p:extLst>
-  </p:cSld>
-  <p:clrMapOvr>
-    <a:masterClrMapping/>
-  </p:clrMapOvr>
-</p:sld>
-</file>
-
-<file path=ppt/slides/slide8.xml><?xml version="1.0" encoding="utf-8"?>
-<p:sld xmlns:a="http://schemas.openxmlformats.org/drawingml/2006/main" xmlns:r="http://schemas.openxmlformats.org/officeDocument/2006/relationships" xmlns:p="http://schemas.openxmlformats.org/presentationml/2006/main">
-  <p:cSld>
-    <p:spTree>
-      <p:nvGrpSpPr>
-        <p:cNvPr id="1" name=""/>
-        <p:cNvGrpSpPr/>
-        <p:nvPr/>
-      </p:nvGrpSpPr>
-      <p:grpSpPr>
-        <a:xfrm>
-          <a:off x="0" y="0"/>
-          <a:ext cx="0" cy="0"/>
-          <a:chOff x="0" y="0"/>
-          <a:chExt cx="0" cy="0"/>
-        </a:xfrm>
-      </p:grpSpPr>
-      <p:pic>
-        <p:nvPicPr>
-          <p:cNvPr id="10" name="Picture 9">
+      <p:sp>
+        <p:nvSpPr>
+          <p:cNvPr id="10" name="Speech Bubble: Rectangle 9">
             <a:extLst>
               <a:ext uri="{FF2B5EF4-FFF2-40B4-BE49-F238E27FC236}">
-                <a16:creationId xmlns:a16="http://schemas.microsoft.com/office/drawing/2014/main" id="{4298E440-AAB1-42AE-B812-6A1C59940920}"/>
-              </a:ext>
-            </a:extLst>
-          </p:cNvPr>
-          <p:cNvPicPr>
-            <a:picLocks noChangeAspect="1"/>
-          </p:cNvPicPr>
-          <p:nvPr/>
-        </p:nvPicPr>
-        <p:blipFill>
-          <a:blip r:embed="rId3"/>
-          <a:stretch>
-            <a:fillRect/>
-          </a:stretch>
-        </p:blipFill>
-        <p:spPr>
-          <a:xfrm>
-            <a:off x="504002" y="1333987"/>
-            <a:ext cx="7167334" cy="4065504"/>
-          </a:xfrm>
-          <a:prstGeom prst="rect">
-            <a:avLst/>
-          </a:prstGeom>
-        </p:spPr>
-      </p:pic>
-      <p:sp>
-        <p:nvSpPr>
-          <p:cNvPr id="2" name="Title 1">
-            <a:extLst>
-              <a:ext uri="{FF2B5EF4-FFF2-40B4-BE49-F238E27FC236}">
-                <a16:creationId xmlns:a16="http://schemas.microsoft.com/office/drawing/2014/main" id="{A4570E81-20A4-4880-8D70-C6B7387E5C47}"/>
-              </a:ext>
-            </a:extLst>
-          </p:cNvPr>
-          <p:cNvSpPr>
-            <a:spLocks noGrp="1"/>
-          </p:cNvSpPr>
-          <p:nvPr>
-            <p:ph type="title"/>
-          </p:nvPr>
-        </p:nvSpPr>
-        <p:spPr/>
-        <p:txBody>
-          <a:bodyPr/>
-          <a:lstStyle/>
-          <a:p>
-            <a:r>
-              <a:rPr lang="en-US" dirty="0"/>
-              <a:t>Use a secret in a pod</a:t>
-            </a:r>
-          </a:p>
-        </p:txBody>
-      </p:sp>
-      <p:pic>
-        <p:nvPicPr>
-          <p:cNvPr id="4" name="Picture 3">
-            <a:extLst>
-              <a:ext uri="{FF2B5EF4-FFF2-40B4-BE49-F238E27FC236}">
-                <a16:creationId xmlns:a16="http://schemas.microsoft.com/office/drawing/2014/main" id="{E904C48C-D92C-42E7-B728-1025936293E9}"/>
-              </a:ext>
-            </a:extLst>
-          </p:cNvPr>
-          <p:cNvPicPr>
-            <a:picLocks noChangeAspect="1"/>
-          </p:cNvPicPr>
-          <p:nvPr/>
-        </p:nvPicPr>
-        <p:blipFill>
-          <a:blip r:embed="rId4"/>
-          <a:stretch>
-            <a:fillRect/>
-          </a:stretch>
-        </p:blipFill>
-        <p:spPr>
-          <a:xfrm>
-            <a:off x="504001" y="5494140"/>
-            <a:ext cx="2800000" cy="685714"/>
-          </a:xfrm>
-          <a:prstGeom prst="rect">
-            <a:avLst/>
-          </a:prstGeom>
-        </p:spPr>
-      </p:pic>
-      <p:sp>
-        <p:nvSpPr>
-          <p:cNvPr id="5" name="Speech Bubble: Rectangle 4">
-            <a:extLst>
-              <a:ext uri="{FF2B5EF4-FFF2-40B4-BE49-F238E27FC236}">
-                <a16:creationId xmlns:a16="http://schemas.microsoft.com/office/drawing/2014/main" id="{A169D62D-E85D-4218-8F74-C5F7A757066C}"/>
+                <a16:creationId xmlns:a16="http://schemas.microsoft.com/office/drawing/2014/main" id="{790E666B-FD02-46CD-9ECF-A431D1DC4FEA}"/>
               </a:ext>
             </a:extLst>
           </p:cNvPr>
@@ -19519,13 +20662,13 @@
         </p:nvSpPr>
         <p:spPr bwMode="gray">
           <a:xfrm>
-            <a:off x="8120807" y="2426008"/>
-            <a:ext cx="2707609" cy="1127848"/>
+            <a:off x="6700639" y="4042621"/>
+            <a:ext cx="2433932" cy="907202"/>
           </a:xfrm>
           <a:prstGeom prst="wedgeRectCallout">
             <a:avLst>
-              <a:gd name="adj1" fmla="val -159891"/>
-              <a:gd name="adj2" fmla="val 34915"/>
+              <a:gd name="adj1" fmla="val -226920"/>
+              <a:gd name="adj2" fmla="val -5370"/>
             </a:avLst>
           </a:prstGeom>
           <a:ln>
@@ -19568,31 +20711,200 @@
               <a:tabLst/>
             </a:pPr>
             <a:r>
-              <a:rPr lang="en-US" sz="1800" kern="0" dirty="0">
+              <a:rPr kumimoji="0" lang="en-US" sz="1800" b="0" i="0" u="none" strike="noStrike" kern="0" cap="none" spc="0" normalizeH="0" baseline="0" noProof="0" dirty="0">
+                <a:ln>
+                  <a:noFill/>
+                </a:ln>
+                <a:effectLst/>
+                <a:uLnTx/>
+                <a:uFillTx/>
                 <a:ea typeface="Arial Unicode MS" pitchFamily="34" charset="-128"/>
                 <a:cs typeface="Arial Unicode MS" pitchFamily="34" charset="-128"/>
               </a:rPr>
-              <a:t>Specify default access permissions</a:t>
-            </a:r>
-            <a:endParaRPr kumimoji="0" lang="en-US" sz="1800" b="0" i="0" u="none" strike="noStrike" kern="0" cap="none" spc="0" normalizeH="0" baseline="0" noProof="0" dirty="0">
-              <a:ln>
-                <a:noFill/>
-              </a:ln>
-              <a:effectLst/>
-              <a:uLnTx/>
-              <a:uFillTx/>
-              <a:ea typeface="Arial Unicode MS" pitchFamily="34" charset="-128"/>
-              <a:cs typeface="Arial Unicode MS" pitchFamily="34" charset="-128"/>
-            </a:endParaRPr>
+              <a:t>File name became “key”</a:t>
+            </a:r>
+          </a:p>
+        </p:txBody>
+      </p:sp>
+    </p:spTree>
+    <p:extLst>
+      <p:ext uri="{BB962C8B-B14F-4D97-AF65-F5344CB8AC3E}">
+        <p14:creationId xmlns:p14="http://schemas.microsoft.com/office/powerpoint/2010/main" val="3680444501"/>
+      </p:ext>
+    </p:extLst>
+  </p:cSld>
+  <p:clrMapOvr>
+    <a:masterClrMapping/>
+  </p:clrMapOvr>
+</p:sld>
+</file>
+
+<file path=ppt/slides/slide9.xml><?xml version="1.0" encoding="utf-8"?>
+<p:sld xmlns:a="http://schemas.openxmlformats.org/drawingml/2006/main" xmlns:r="http://schemas.openxmlformats.org/officeDocument/2006/relationships" xmlns:p="http://schemas.openxmlformats.org/presentationml/2006/main">
+  <p:cSld>
+    <p:spTree>
+      <p:nvGrpSpPr>
+        <p:cNvPr id="1" name=""/>
+        <p:cNvGrpSpPr/>
+        <p:nvPr/>
+      </p:nvGrpSpPr>
+      <p:grpSpPr>
+        <a:xfrm>
+          <a:off x="0" y="0"/>
+          <a:ext cx="0" cy="0"/>
+          <a:chOff x="0" y="0"/>
+          <a:chExt cx="0" cy="0"/>
+        </a:xfrm>
+      </p:grpSpPr>
+      <p:sp>
+        <p:nvSpPr>
+          <p:cNvPr id="12" name="Rectangle 11">
+            <a:extLst>
+              <a:ext uri="{FF2B5EF4-FFF2-40B4-BE49-F238E27FC236}">
+                <a16:creationId xmlns:a16="http://schemas.microsoft.com/office/drawing/2014/main" id="{1DBC4D7C-2474-46D0-A287-F50AAB027841}"/>
+              </a:ext>
+            </a:extLst>
+          </p:cNvPr>
+          <p:cNvSpPr/>
+          <p:nvPr/>
+        </p:nvSpPr>
+        <p:spPr>
+          <a:xfrm>
+            <a:off x="504001" y="5517975"/>
+            <a:ext cx="8237406" cy="830997"/>
+          </a:xfrm>
+          <a:prstGeom prst="rect">
+            <a:avLst/>
+          </a:prstGeom>
+          <a:solidFill>
+            <a:schemeClr val="bg1">
+              <a:lumMod val="95000"/>
+            </a:schemeClr>
+          </a:solidFill>
+        </p:spPr>
+        <p:txBody>
+          <a:bodyPr wrap="square">
+            <a:spAutoFit/>
+          </a:bodyPr>
+          <a:lstStyle/>
+          <a:p>
+            <a:r>
+              <a:rPr lang="en-US" sz="1600" dirty="0">
+                <a:latin typeface="Courier New" panose="02070309020205020404" pitchFamily="49" charset="0"/>
+                <a:cs typeface="Courier New" panose="02070309020205020404" pitchFamily="49" charset="0"/>
+              </a:rPr>
+              <a:t>$ </a:t>
+            </a:r>
+            <a:r>
+              <a:rPr lang="en-US" sz="1600" dirty="0" err="1">
+                <a:latin typeface="Courier New" panose="02070309020205020404" pitchFamily="49" charset="0"/>
+                <a:cs typeface="Courier New" panose="02070309020205020404" pitchFamily="49" charset="0"/>
+              </a:rPr>
+              <a:t>kubectl</a:t>
+            </a:r>
+            <a:r>
+              <a:rPr lang="en-US" sz="1600" dirty="0">
+                <a:latin typeface="Courier New" panose="02070309020205020404" pitchFamily="49" charset="0"/>
+                <a:cs typeface="Courier New" panose="02070309020205020404" pitchFamily="49" charset="0"/>
+              </a:rPr>
+              <a:t> logs secret-pod</a:t>
+            </a:r>
+          </a:p>
+          <a:p>
+            <a:r>
+              <a:rPr lang="en-US" sz="1600" dirty="0">
+                <a:highlight>
+                  <a:srgbClr val="FFFF00"/>
+                </a:highlight>
+                <a:latin typeface="Courier New" panose="02070309020205020404" pitchFamily="49" charset="0"/>
+                <a:cs typeface="Courier New" panose="02070309020205020404" pitchFamily="49" charset="0"/>
+              </a:rPr>
+              <a:t>admin</a:t>
+            </a:r>
+          </a:p>
+          <a:p>
+            <a:r>
+              <a:rPr lang="en-US" sz="1600" dirty="0">
+                <a:highlight>
+                  <a:srgbClr val="FFFF00"/>
+                </a:highlight>
+                <a:latin typeface="Courier New" panose="02070309020205020404" pitchFamily="49" charset="0"/>
+                <a:cs typeface="Courier New" panose="02070309020205020404" pitchFamily="49" charset="0"/>
+              </a:rPr>
+              <a:t>Secret4ever</a:t>
+            </a:r>
+          </a:p>
+        </p:txBody>
+      </p:sp>
+      <p:pic>
+        <p:nvPicPr>
+          <p:cNvPr id="11" name="Picture 10">
+            <a:extLst>
+              <a:ext uri="{FF2B5EF4-FFF2-40B4-BE49-F238E27FC236}">
+                <a16:creationId xmlns:a16="http://schemas.microsoft.com/office/drawing/2014/main" id="{F10E615A-C296-4288-A406-CA3E1B7B3E77}"/>
+              </a:ext>
+            </a:extLst>
+          </p:cNvPr>
+          <p:cNvPicPr>
+            <a:picLocks noChangeAspect="1"/>
+          </p:cNvPicPr>
+          <p:nvPr/>
+        </p:nvPicPr>
+        <p:blipFill>
+          <a:blip r:embed="rId3"/>
+          <a:stretch>
+            <a:fillRect/>
+          </a:stretch>
+        </p:blipFill>
+        <p:spPr>
+          <a:xfrm>
+            <a:off x="504001" y="1117664"/>
+            <a:ext cx="8237406" cy="4274468"/>
+          </a:xfrm>
+          <a:prstGeom prst="rect">
+            <a:avLst/>
+          </a:prstGeom>
+          <a:ln>
+            <a:solidFill>
+              <a:schemeClr val="tx1"/>
+            </a:solidFill>
+          </a:ln>
+        </p:spPr>
+      </p:pic>
+      <p:sp>
+        <p:nvSpPr>
+          <p:cNvPr id="2" name="Title 1">
+            <a:extLst>
+              <a:ext uri="{FF2B5EF4-FFF2-40B4-BE49-F238E27FC236}">
+                <a16:creationId xmlns:a16="http://schemas.microsoft.com/office/drawing/2014/main" id="{A4570E81-20A4-4880-8D70-C6B7387E5C47}"/>
+              </a:ext>
+            </a:extLst>
+          </p:cNvPr>
+          <p:cNvSpPr>
+            <a:spLocks noGrp="1"/>
+          </p:cNvSpPr>
+          <p:nvPr>
+            <p:ph type="title"/>
+          </p:nvPr>
+        </p:nvSpPr>
+        <p:spPr/>
+        <p:txBody>
+          <a:bodyPr/>
+          <a:lstStyle/>
+          <a:p>
+            <a:r>
+              <a:rPr lang="en-US" dirty="0"/>
+              <a:t>Use a secret in a pod</a:t>
+            </a:r>
           </a:p>
         </p:txBody>
       </p:sp>
       <p:sp>
         <p:nvSpPr>
-          <p:cNvPr id="6" name="Speech Bubble: Rectangle 5">
+          <p:cNvPr id="5" name="Speech Bubble: Rectangle 4">
             <a:extLst>
               <a:ext uri="{FF2B5EF4-FFF2-40B4-BE49-F238E27FC236}">
-                <a16:creationId xmlns:a16="http://schemas.microsoft.com/office/drawing/2014/main" id="{1E82EF67-D8A0-400E-A711-F57A368C4505}"/>
+                <a16:creationId xmlns:a16="http://schemas.microsoft.com/office/drawing/2014/main" id="{A169D62D-E85D-4218-8F74-C5F7A757066C}"/>
               </a:ext>
             </a:extLst>
           </p:cNvPr>
@@ -19601,13 +20913,13 @@
         </p:nvSpPr>
         <p:spPr bwMode="gray">
           <a:xfrm>
-            <a:off x="8120808" y="938745"/>
+            <a:off x="7702642" y="2118388"/>
             <a:ext cx="2707609" cy="1127848"/>
           </a:xfrm>
           <a:prstGeom prst="wedgeRectCallout">
             <a:avLst>
-              <a:gd name="adj1" fmla="val -161668"/>
-              <a:gd name="adj2" fmla="val 66491"/>
+              <a:gd name="adj1" fmla="val -174166"/>
+              <a:gd name="adj2" fmla="val 69184"/>
             </a:avLst>
           </a:prstGeom>
           <a:ln>
@@ -19654,7 +20966,7 @@
                 <a:ea typeface="Arial Unicode MS" pitchFamily="34" charset="-128"/>
                 <a:cs typeface="Arial Unicode MS" pitchFamily="34" charset="-128"/>
               </a:rPr>
-              <a:t>Assign the secret to the pod like a regular volume</a:t>
+              <a:t>Specify default access permissions</a:t>
             </a:r>
             <a:endParaRPr kumimoji="0" lang="en-US" sz="1800" b="0" i="0" u="none" strike="noStrike" kern="0" cap="none" spc="0" normalizeH="0" baseline="0" noProof="0" dirty="0">
               <a:ln>
@@ -19671,10 +20983,10 @@
       </p:sp>
       <p:sp>
         <p:nvSpPr>
-          <p:cNvPr id="7" name="Speech Bubble: Rectangle 6">
+          <p:cNvPr id="6" name="Speech Bubble: Rectangle 5">
             <a:extLst>
               <a:ext uri="{FF2B5EF4-FFF2-40B4-BE49-F238E27FC236}">
-                <a16:creationId xmlns:a16="http://schemas.microsoft.com/office/drawing/2014/main" id="{23B5BFDA-1E6E-483A-A490-EAB0AE41FAB4}"/>
+                <a16:creationId xmlns:a16="http://schemas.microsoft.com/office/drawing/2014/main" id="{1E82EF67-D8A0-400E-A711-F57A368C4505}"/>
               </a:ext>
             </a:extLst>
           </p:cNvPr>
@@ -19683,13 +20995,13 @@
         </p:nvSpPr>
         <p:spPr bwMode="gray">
           <a:xfrm>
-            <a:off x="8120808" y="4006877"/>
+            <a:off x="5864148" y="748332"/>
             <a:ext cx="2707609" cy="1127848"/>
           </a:xfrm>
           <a:prstGeom prst="wedgeRectCallout">
             <a:avLst>
-              <a:gd name="adj1" fmla="val -67463"/>
-              <a:gd name="adj2" fmla="val 5899"/>
+              <a:gd name="adj1" fmla="val -139734"/>
+              <a:gd name="adj2" fmla="val 133357"/>
             </a:avLst>
           </a:prstGeom>
           <a:ln>
@@ -19736,7 +21048,89 @@
                 <a:ea typeface="Arial Unicode MS" pitchFamily="34" charset="-128"/>
                 <a:cs typeface="Arial Unicode MS" pitchFamily="34" charset="-128"/>
               </a:rPr>
-              <a:t>Print the values of the .txt file</a:t>
+              <a:t>Assign the secret to the pod like a regular volume</a:t>
+            </a:r>
+            <a:endParaRPr kumimoji="0" lang="en-US" sz="1800" b="0" i="0" u="none" strike="noStrike" kern="0" cap="none" spc="0" normalizeH="0" baseline="0" noProof="0" dirty="0">
+              <a:ln>
+                <a:noFill/>
+              </a:ln>
+              <a:effectLst/>
+              <a:uLnTx/>
+              <a:uFillTx/>
+              <a:ea typeface="Arial Unicode MS" pitchFamily="34" charset="-128"/>
+              <a:cs typeface="Arial Unicode MS" pitchFamily="34" charset="-128"/>
+            </a:endParaRPr>
+          </a:p>
+        </p:txBody>
+      </p:sp>
+      <p:sp>
+        <p:nvSpPr>
+          <p:cNvPr id="7" name="Speech Bubble: Rectangle 6">
+            <a:extLst>
+              <a:ext uri="{FF2B5EF4-FFF2-40B4-BE49-F238E27FC236}">
+                <a16:creationId xmlns:a16="http://schemas.microsoft.com/office/drawing/2014/main" id="{23B5BFDA-1E6E-483A-A490-EAB0AE41FAB4}"/>
+              </a:ext>
+            </a:extLst>
+          </p:cNvPr>
+          <p:cNvSpPr/>
+          <p:nvPr/>
+        </p:nvSpPr>
+        <p:spPr bwMode="gray">
+          <a:xfrm>
+            <a:off x="9056446" y="4075424"/>
+            <a:ext cx="2707609" cy="1127848"/>
+          </a:xfrm>
+          <a:prstGeom prst="wedgeRectCallout">
+            <a:avLst>
+              <a:gd name="adj1" fmla="val -92183"/>
+              <a:gd name="adj2" fmla="val 29302"/>
+            </a:avLst>
+          </a:prstGeom>
+          <a:ln>
+            <a:headEnd/>
+            <a:tailEnd/>
+          </a:ln>
+        </p:spPr>
+        <p:style>
+          <a:lnRef idx="2">
+            <a:schemeClr val="accent2"/>
+          </a:lnRef>
+          <a:fillRef idx="1">
+            <a:schemeClr val="lt1"/>
+          </a:fillRef>
+          <a:effectRef idx="0">
+            <a:schemeClr val="accent2"/>
+          </a:effectRef>
+          <a:fontRef idx="minor">
+            <a:schemeClr val="dk1"/>
+          </a:fontRef>
+        </p:style>
+        <p:txBody>
+          <a:bodyPr lIns="90000" tIns="72000" rIns="90000" bIns="72000" rtlCol="0" anchor="ctr"/>
+          <a:lstStyle/>
+          <a:p>
+            <a:pPr marR="0" algn="ctr" defTabSz="914400" eaLnBrk="1" fontAlgn="base" latinLnBrk="0" hangingPunct="1">
+              <a:lnSpc>
+                <a:spcPct val="100000"/>
+              </a:lnSpc>
+              <a:spcBef>
+                <a:spcPct val="50000"/>
+              </a:spcBef>
+              <a:spcAft>
+                <a:spcPct val="0"/>
+              </a:spcAft>
+              <a:buClr>
+                <a:srgbClr val="F0AB00"/>
+              </a:buClr>
+              <a:buSzPct val="80000"/>
+              <a:tabLst/>
+            </a:pPr>
+            <a:r>
+              <a:rPr lang="en-US" sz="1800" kern="0" dirty="0">
+                <a:ea typeface="Arial Unicode MS" pitchFamily="34" charset="-128"/>
+                <a:cs typeface="Arial Unicode MS" pitchFamily="34" charset="-128"/>
+              </a:rPr>
+              <a:t>Project the secret’s content to the container file system &amp; access it</a:t>
             </a:r>
             <a:endParaRPr kumimoji="0" lang="en-US" sz="1800" b="0" i="0" u="none" strike="noStrike" kern="0" cap="none" spc="0" normalizeH="0" baseline="0" noProof="0" dirty="0">
               <a:ln>
@@ -19765,7 +21159,7 @@
         </p:nvSpPr>
         <p:spPr bwMode="gray">
           <a:xfrm>
-            <a:off x="8120808" y="5494140"/>
+            <a:off x="8786724" y="5517975"/>
             <a:ext cx="2707609" cy="1127848"/>
           </a:xfrm>
           <a:prstGeom prst="wedgeRectCallout">
@@ -19850,88 +21244,6 @@
     <p:extLst>
       <p:ext uri="{BB962C8B-B14F-4D97-AF65-F5344CB8AC3E}">
         <p14:creationId xmlns:p14="http://schemas.microsoft.com/office/powerpoint/2010/main" val="2724776292"/>
-      </p:ext>
-    </p:extLst>
-  </p:cSld>
-  <p:clrMapOvr>
-    <a:masterClrMapping/>
-  </p:clrMapOvr>
-</p:sld>
-</file>
-
-<file path=ppt/slides/slide9.xml><?xml version="1.0" encoding="utf-8"?>
-<p:sld xmlns:a="http://schemas.openxmlformats.org/drawingml/2006/main" xmlns:r="http://schemas.openxmlformats.org/officeDocument/2006/relationships" xmlns:p="http://schemas.openxmlformats.org/presentationml/2006/main">
-  <p:cSld>
-    <p:spTree>
-      <p:nvGrpSpPr>
-        <p:cNvPr id="1" name=""/>
-        <p:cNvGrpSpPr/>
-        <p:nvPr/>
-      </p:nvGrpSpPr>
-      <p:grpSpPr>
-        <a:xfrm>
-          <a:off x="0" y="0"/>
-          <a:ext cx="0" cy="0"/>
-          <a:chOff x="0" y="0"/>
-          <a:chExt cx="0" cy="0"/>
-        </a:xfrm>
-      </p:grpSpPr>
-      <p:sp>
-        <p:nvSpPr>
-          <p:cNvPr id="3" name="Title 2"/>
-          <p:cNvSpPr>
-            <a:spLocks noGrp="1"/>
-          </p:cNvSpPr>
-          <p:nvPr>
-            <p:ph type="title"/>
-          </p:nvPr>
-        </p:nvSpPr>
-        <p:spPr/>
-        <p:txBody>
-          <a:bodyPr/>
-          <a:lstStyle/>
-          <a:p>
-            <a:r>
-              <a:rPr lang="en-US" dirty="0"/>
-              <a:t>Demo</a:t>
-            </a:r>
-          </a:p>
-        </p:txBody>
-      </p:sp>
-      <p:pic>
-        <p:nvPicPr>
-          <p:cNvPr id="4" name="Picture 3">
-            <a:extLst>
-              <a:ext uri="{FF2B5EF4-FFF2-40B4-BE49-F238E27FC236}">
-                <a16:creationId xmlns:a16="http://schemas.microsoft.com/office/drawing/2014/main" id="{667C7630-D1BA-44ED-BD0C-E0F24DE56B91}"/>
-              </a:ext>
-            </a:extLst>
-          </p:cNvPr>
-          <p:cNvPicPr>
-            <a:picLocks noChangeAspect="1"/>
-          </p:cNvPicPr>
-          <p:nvPr/>
-        </p:nvPicPr>
-        <p:blipFill>
-          <a:blip r:embed="rId3"/>
-          <a:stretch>
-            <a:fillRect/>
-          </a:stretch>
-        </p:blipFill>
-        <p:spPr>
-          <a:xfrm>
-            <a:off x="3849419" y="1181180"/>
-            <a:ext cx="4495640" cy="4495640"/>
-          </a:xfrm>
-          <a:prstGeom prst="rect">
-            <a:avLst/>
-          </a:prstGeom>
-        </p:spPr>
-      </p:pic>
-    </p:spTree>
-    <p:extLst>
-      <p:ext uri="{BB962C8B-B14F-4D97-AF65-F5344CB8AC3E}">
-        <p14:creationId xmlns:p14="http://schemas.microsoft.com/office/powerpoint/2010/main" val="2946468943"/>
       </p:ext>
     </p:extLst>
   </p:cSld>
